--- a/Default prediction model_bene.pptx
+++ b/Default prediction model_bene.pptx
@@ -7,12 +7,12 @@
   <p:sldIdLst>
     <p:sldId id="257" r:id="rId2"/>
     <p:sldId id="258" r:id="rId3"/>
-    <p:sldId id="263" r:id="rId4"/>
-    <p:sldId id="264" r:id="rId5"/>
-    <p:sldId id="265" r:id="rId6"/>
-    <p:sldId id="266" r:id="rId7"/>
-    <p:sldId id="267" r:id="rId8"/>
-    <p:sldId id="262" r:id="rId9"/>
+    <p:sldId id="268" r:id="rId4"/>
+    <p:sldId id="269" r:id="rId5"/>
+    <p:sldId id="270" r:id="rId6"/>
+    <p:sldId id="271" r:id="rId7"/>
+    <p:sldId id="272" r:id="rId8"/>
+    <p:sldId id="273" r:id="rId9"/>
   </p:sldIdLst>
   <p:sldSz cx="12192000" cy="6858000"/>
   <p:notesSz cx="6858000" cy="9144000"/>
@@ -117,6 +117,250 @@
     </p:ext>
   </p:extLst>
 </p:presentation>
+</file>
+
+<file path=ppt/commentAuthors.xml><?xml version="1.0" encoding="utf-8"?>
+<p:cmAuthorLst xmlns:a="http://schemas.openxmlformats.org/drawingml/2006/main" xmlns:r="http://schemas.openxmlformats.org/officeDocument/2006/relationships" xmlns:p="http://schemas.openxmlformats.org/presentationml/2006/main">
+  <p:cmAuthor id="1" name="Benedikt Roth" initials="BR" lastIdx="1" clrIdx="0">
+    <p:extLst>
+      <p:ext uri="{19B8F6BF-5375-455C-9EA6-DF929625EA0E}">
+        <p15:presenceInfo xmlns:p15="http://schemas.microsoft.com/office/powerpoint/2012/main" userId="af14ea373a273bf1" providerId="Windows Live"/>
+      </p:ext>
+    </p:extLst>
+  </p:cmAuthor>
+</p:cmAuthorLst>
+</file>
+
+<file path=ppt/revisionInfo.xml><?xml version="1.0" encoding="utf-8"?>
+<p1510:revInfo xmlns:a="http://schemas.openxmlformats.org/drawingml/2006/main" xmlns:r="http://schemas.openxmlformats.org/officeDocument/2006/relationships" xmlns:p1510="http://schemas.microsoft.com/office/powerpoint/2015/10/main">
+  <p1510:revLst>
+    <p1510:client id="{7EF9C819-F427-4753-9A5B-83F837DC536F}" v="1" dt="2020-12-12T11:17:54.959"/>
+  </p1510:revLst>
+</p1510:revInfo>
+</file>
+
+<file path=ppt/changesInfos/changesInfo1.xml><?xml version="1.0" encoding="utf-8"?>
+<pc:chgInfo xmlns:a="http://schemas.openxmlformats.org/drawingml/2006/main" xmlns:r="http://schemas.openxmlformats.org/officeDocument/2006/relationships" xmlns:ac="http://schemas.microsoft.com/office/drawing/2013/main/command" xmlns:pc="http://schemas.microsoft.com/office/powerpoint/2013/main/command">
+  <pc:docChgLst>
+    <pc:chgData name="Benedikt Roth" userId="af14ea373a273bf1" providerId="LiveId" clId="{7EF9C819-F427-4753-9A5B-83F837DC536F}"/>
+    <pc:docChg chg="undo custSel addSld delSld modSld">
+      <pc:chgData name="Benedikt Roth" userId="af14ea373a273bf1" providerId="LiveId" clId="{7EF9C819-F427-4753-9A5B-83F837DC536F}" dt="2020-12-12T11:30:20.653" v="232" actId="20577"/>
+      <pc:docMkLst>
+        <pc:docMk/>
+      </pc:docMkLst>
+      <pc:sldChg chg="del">
+        <pc:chgData name="Benedikt Roth" userId="af14ea373a273bf1" providerId="LiveId" clId="{7EF9C819-F427-4753-9A5B-83F837DC536F}" dt="2020-12-12T11:30:16.805" v="229" actId="47"/>
+        <pc:sldMkLst>
+          <pc:docMk/>
+          <pc:sldMk cId="310653553" sldId="262"/>
+        </pc:sldMkLst>
+      </pc:sldChg>
+      <pc:sldChg chg="modSp add del">
+        <pc:chgData name="Benedikt Roth" userId="af14ea373a273bf1" providerId="LiveId" clId="{7EF9C819-F427-4753-9A5B-83F837DC536F}" dt="2020-12-12T11:23:15.308" v="128" actId="47"/>
+        <pc:sldMkLst>
+          <pc:docMk/>
+          <pc:sldMk cId="3815526155" sldId="263"/>
+        </pc:sldMkLst>
+        <pc:graphicFrameChg chg="mod">
+          <ac:chgData name="Benedikt Roth" userId="af14ea373a273bf1" providerId="LiveId" clId="{7EF9C819-F427-4753-9A5B-83F837DC536F}" dt="2020-12-12T11:17:54.958" v="0" actId="14100"/>
+          <ac:graphicFrameMkLst>
+            <pc:docMk/>
+            <pc:sldMk cId="3815526155" sldId="263"/>
+            <ac:graphicFrameMk id="7" creationId="{699A80DF-1C6B-4202-8370-E462016A463D}"/>
+          </ac:graphicFrameMkLst>
+        </pc:graphicFrameChg>
+      </pc:sldChg>
+      <pc:sldChg chg="del">
+        <pc:chgData name="Benedikt Roth" userId="af14ea373a273bf1" providerId="LiveId" clId="{7EF9C819-F427-4753-9A5B-83F837DC536F}" dt="2020-12-12T11:23:38.825" v="155" actId="47"/>
+        <pc:sldMkLst>
+          <pc:docMk/>
+          <pc:sldMk cId="2222069201" sldId="264"/>
+        </pc:sldMkLst>
+      </pc:sldChg>
+      <pc:sldChg chg="del">
+        <pc:chgData name="Benedikt Roth" userId="af14ea373a273bf1" providerId="LiveId" clId="{7EF9C819-F427-4753-9A5B-83F837DC536F}" dt="2020-12-12T11:23:40.089" v="156" actId="47"/>
+        <pc:sldMkLst>
+          <pc:docMk/>
+          <pc:sldMk cId="1534785821" sldId="265"/>
+        </pc:sldMkLst>
+      </pc:sldChg>
+      <pc:sldChg chg="del">
+        <pc:chgData name="Benedikt Roth" userId="af14ea373a273bf1" providerId="LiveId" clId="{7EF9C819-F427-4753-9A5B-83F837DC536F}" dt="2020-12-12T11:24:23.366" v="180" actId="47"/>
+        <pc:sldMkLst>
+          <pc:docMk/>
+          <pc:sldMk cId="3812814749" sldId="266"/>
+        </pc:sldMkLst>
+      </pc:sldChg>
+      <pc:sldChg chg="modSp del mod">
+        <pc:chgData name="Benedikt Roth" userId="af14ea373a273bf1" providerId="LiveId" clId="{7EF9C819-F427-4753-9A5B-83F837DC536F}" dt="2020-12-12T11:30:11.132" v="227" actId="47"/>
+        <pc:sldMkLst>
+          <pc:docMk/>
+          <pc:sldMk cId="1766654814" sldId="267"/>
+        </pc:sldMkLst>
+        <pc:spChg chg="mod">
+          <ac:chgData name="Benedikt Roth" userId="af14ea373a273bf1" providerId="LiveId" clId="{7EF9C819-F427-4753-9A5B-83F837DC536F}" dt="2020-12-12T11:29:53.701" v="183" actId="20577"/>
+          <ac:spMkLst>
+            <pc:docMk/>
+            <pc:sldMk cId="1766654814" sldId="267"/>
+            <ac:spMk id="4" creationId="{5E06E777-7059-4F19-AD12-D75C5EB8F195}"/>
+          </ac:spMkLst>
+        </pc:spChg>
+      </pc:sldChg>
+      <pc:sldChg chg="delSp add del setBg delDesignElem">
+        <pc:chgData name="Benedikt Roth" userId="af14ea373a273bf1" providerId="LiveId" clId="{7EF9C819-F427-4753-9A5B-83F837DC536F}" dt="2020-12-12T11:20:00.488" v="3" actId="47"/>
+        <pc:sldMkLst>
+          <pc:docMk/>
+          <pc:sldMk cId="3165330862" sldId="268"/>
+        </pc:sldMkLst>
+        <pc:spChg chg="del">
+          <ac:chgData name="Benedikt Roth" userId="af14ea373a273bf1" providerId="LiveId" clId="{7EF9C819-F427-4753-9A5B-83F837DC536F}" dt="2020-12-12T11:19:54.617" v="2"/>
+          <ac:spMkLst>
+            <pc:docMk/>
+            <pc:sldMk cId="3165330862" sldId="268"/>
+            <ac:spMk id="11" creationId="{7CB4857B-ED7C-444D-9F04-2F885114A1C2}"/>
+          </ac:spMkLst>
+        </pc:spChg>
+        <pc:spChg chg="del">
+          <ac:chgData name="Benedikt Roth" userId="af14ea373a273bf1" providerId="LiveId" clId="{7EF9C819-F427-4753-9A5B-83F837DC536F}" dt="2020-12-12T11:19:54.617" v="2"/>
+          <ac:spMkLst>
+            <pc:docMk/>
+            <pc:sldMk cId="3165330862" sldId="268"/>
+            <ac:spMk id="13" creationId="{D18046FB-44EA-4FD8-A585-EA09A319B2D0}"/>
+          </ac:spMkLst>
+        </pc:spChg>
+        <pc:spChg chg="del">
+          <ac:chgData name="Benedikt Roth" userId="af14ea373a273bf1" providerId="LiveId" clId="{7EF9C819-F427-4753-9A5B-83F837DC536F}" dt="2020-12-12T11:19:54.617" v="2"/>
+          <ac:spMkLst>
+            <pc:docMk/>
+            <pc:sldMk cId="3165330862" sldId="268"/>
+            <ac:spMk id="15" creationId="{479F5F2B-8B58-4140-AE6A-51F6C67B18D9}"/>
+          </ac:spMkLst>
+        </pc:spChg>
+      </pc:sldChg>
+      <pc:sldChg chg="addSp delSp modSp add mod">
+        <pc:chgData name="Benedikt Roth" userId="af14ea373a273bf1" providerId="LiveId" clId="{7EF9C819-F427-4753-9A5B-83F837DC536F}" dt="2020-12-12T11:22:45.665" v="124" actId="20577"/>
+        <pc:sldMkLst>
+          <pc:docMk/>
+          <pc:sldMk cId="3828761059" sldId="268"/>
+        </pc:sldMkLst>
+        <pc:spChg chg="mod">
+          <ac:chgData name="Benedikt Roth" userId="af14ea373a273bf1" providerId="LiveId" clId="{7EF9C819-F427-4753-9A5B-83F837DC536F}" dt="2020-12-12T11:21:26.618" v="104" actId="207"/>
+          <ac:spMkLst>
+            <pc:docMk/>
+            <pc:sldMk cId="3828761059" sldId="268"/>
+            <ac:spMk id="4" creationId="{5E06E777-7059-4F19-AD12-D75C5EB8F195}"/>
+          </ac:spMkLst>
+        </pc:spChg>
+        <pc:graphicFrameChg chg="add mod modGraphic">
+          <ac:chgData name="Benedikt Roth" userId="af14ea373a273bf1" providerId="LiveId" clId="{7EF9C819-F427-4753-9A5B-83F837DC536F}" dt="2020-12-12T11:22:45.665" v="124" actId="20577"/>
+          <ac:graphicFrameMkLst>
+            <pc:docMk/>
+            <pc:sldMk cId="3828761059" sldId="268"/>
+            <ac:graphicFrameMk id="2" creationId="{80DE7EB8-5382-49CB-B9CC-C607DAA65807}"/>
+          </ac:graphicFrameMkLst>
+        </pc:graphicFrameChg>
+        <pc:picChg chg="del">
+          <ac:chgData name="Benedikt Roth" userId="af14ea373a273bf1" providerId="LiveId" clId="{7EF9C819-F427-4753-9A5B-83F837DC536F}" dt="2020-12-12T11:21:33.077" v="105" actId="478"/>
+          <ac:picMkLst>
+            <pc:docMk/>
+            <pc:sldMk cId="3828761059" sldId="268"/>
+            <ac:picMk id="8" creationId="{D6DF432E-F43C-4601-A267-C201C469D936}"/>
+          </ac:picMkLst>
+        </pc:picChg>
+      </pc:sldChg>
+      <pc:sldChg chg="delSp modSp add mod">
+        <pc:chgData name="Benedikt Roth" userId="af14ea373a273bf1" providerId="LiveId" clId="{7EF9C819-F427-4753-9A5B-83F837DC536F}" dt="2020-12-12T11:23:24.291" v="136" actId="478"/>
+        <pc:sldMkLst>
+          <pc:docMk/>
+          <pc:sldMk cId="4126314215" sldId="269"/>
+        </pc:sldMkLst>
+        <pc:spChg chg="mod">
+          <ac:chgData name="Benedikt Roth" userId="af14ea373a273bf1" providerId="LiveId" clId="{7EF9C819-F427-4753-9A5B-83F837DC536F}" dt="2020-12-12T11:23:22.493" v="135" actId="20577"/>
+          <ac:spMkLst>
+            <pc:docMk/>
+            <pc:sldMk cId="4126314215" sldId="269"/>
+            <ac:spMk id="4" creationId="{5E06E777-7059-4F19-AD12-D75C5EB8F195}"/>
+          </ac:spMkLst>
+        </pc:spChg>
+        <pc:graphicFrameChg chg="del">
+          <ac:chgData name="Benedikt Roth" userId="af14ea373a273bf1" providerId="LiveId" clId="{7EF9C819-F427-4753-9A5B-83F837DC536F}" dt="2020-12-12T11:23:24.291" v="136" actId="478"/>
+          <ac:graphicFrameMkLst>
+            <pc:docMk/>
+            <pc:sldMk cId="4126314215" sldId="269"/>
+            <ac:graphicFrameMk id="2" creationId="{80DE7EB8-5382-49CB-B9CC-C607DAA65807}"/>
+          </ac:graphicFrameMkLst>
+        </pc:graphicFrameChg>
+      </pc:sldChg>
+      <pc:sldChg chg="modSp add mod">
+        <pc:chgData name="Benedikt Roth" userId="af14ea373a273bf1" providerId="LiveId" clId="{7EF9C819-F427-4753-9A5B-83F837DC536F}" dt="2020-12-12T11:23:36.194" v="154" actId="20577"/>
+        <pc:sldMkLst>
+          <pc:docMk/>
+          <pc:sldMk cId="2294727082" sldId="270"/>
+        </pc:sldMkLst>
+        <pc:spChg chg="mod">
+          <ac:chgData name="Benedikt Roth" userId="af14ea373a273bf1" providerId="LiveId" clId="{7EF9C819-F427-4753-9A5B-83F837DC536F}" dt="2020-12-12T11:23:36.194" v="154" actId="20577"/>
+          <ac:spMkLst>
+            <pc:docMk/>
+            <pc:sldMk cId="2294727082" sldId="270"/>
+            <ac:spMk id="4" creationId="{5E06E777-7059-4F19-AD12-D75C5EB8F195}"/>
+          </ac:spMkLst>
+        </pc:spChg>
+      </pc:sldChg>
+      <pc:sldChg chg="add del addCm delCm">
+        <pc:chgData name="Benedikt Roth" userId="af14ea373a273bf1" providerId="LiveId" clId="{7EF9C819-F427-4753-9A5B-83F837DC536F}" dt="2020-12-12T11:23:54.070" v="160" actId="2890"/>
+        <pc:sldMkLst>
+          <pc:docMk/>
+          <pc:sldMk cId="915178626" sldId="271"/>
+        </pc:sldMkLst>
+      </pc:sldChg>
+      <pc:sldChg chg="modSp add mod">
+        <pc:chgData name="Benedikt Roth" userId="af14ea373a273bf1" providerId="LiveId" clId="{7EF9C819-F427-4753-9A5B-83F837DC536F}" dt="2020-12-12T11:24:20.980" v="179" actId="20577"/>
+        <pc:sldMkLst>
+          <pc:docMk/>
+          <pc:sldMk cId="1345784225" sldId="271"/>
+        </pc:sldMkLst>
+        <pc:spChg chg="mod">
+          <ac:chgData name="Benedikt Roth" userId="af14ea373a273bf1" providerId="LiveId" clId="{7EF9C819-F427-4753-9A5B-83F837DC536F}" dt="2020-12-12T11:24:20.980" v="179" actId="20577"/>
+          <ac:spMkLst>
+            <pc:docMk/>
+            <pc:sldMk cId="1345784225" sldId="271"/>
+            <ac:spMk id="4" creationId="{5E06E777-7059-4F19-AD12-D75C5EB8F195}"/>
+          </ac:spMkLst>
+        </pc:spChg>
+      </pc:sldChg>
+      <pc:sldChg chg="modSp add mod">
+        <pc:chgData name="Benedikt Roth" userId="af14ea373a273bf1" providerId="LiveId" clId="{7EF9C819-F427-4753-9A5B-83F837DC536F}" dt="2020-12-12T11:30:08.591" v="226" actId="20577"/>
+        <pc:sldMkLst>
+          <pc:docMk/>
+          <pc:sldMk cId="1555843968" sldId="272"/>
+        </pc:sldMkLst>
+        <pc:spChg chg="mod">
+          <ac:chgData name="Benedikt Roth" userId="af14ea373a273bf1" providerId="LiveId" clId="{7EF9C819-F427-4753-9A5B-83F837DC536F}" dt="2020-12-12T11:30:08.591" v="226" actId="20577"/>
+          <ac:spMkLst>
+            <pc:docMk/>
+            <pc:sldMk cId="1555843968" sldId="272"/>
+            <ac:spMk id="4" creationId="{5E06E777-7059-4F19-AD12-D75C5EB8F195}"/>
+          </ac:spMkLst>
+        </pc:spChg>
+      </pc:sldChg>
+      <pc:sldChg chg="modSp add mod">
+        <pc:chgData name="Benedikt Roth" userId="af14ea373a273bf1" providerId="LiveId" clId="{7EF9C819-F427-4753-9A5B-83F837DC536F}" dt="2020-12-12T11:30:20.653" v="232" actId="20577"/>
+        <pc:sldMkLst>
+          <pc:docMk/>
+          <pc:sldMk cId="1346837372" sldId="273"/>
+        </pc:sldMkLst>
+        <pc:spChg chg="mod">
+          <ac:chgData name="Benedikt Roth" userId="af14ea373a273bf1" providerId="LiveId" clId="{7EF9C819-F427-4753-9A5B-83F837DC536F}" dt="2020-12-12T11:30:20.653" v="232" actId="20577"/>
+          <ac:spMkLst>
+            <pc:docMk/>
+            <pc:sldMk cId="1346837372" sldId="273"/>
+            <ac:spMk id="4" creationId="{5E06E777-7059-4F19-AD12-D75C5EB8F195}"/>
+          </ac:spMkLst>
+        </pc:spChg>
+      </pc:sldChg>
+    </pc:docChg>
+  </pc:docChgLst>
+</pc:chgInfo>
 </file>
 
 <file path=ppt/slideLayouts/slideLayout1.xml><?xml version="1.0" encoding="utf-8"?>
@@ -4726,6 +4970,14 @@
 <file path=ppt/slides/slide3.xml><?xml version="1.0" encoding="utf-8"?>
 <p:sld xmlns:a="http://schemas.openxmlformats.org/drawingml/2006/main" xmlns:r="http://schemas.openxmlformats.org/officeDocument/2006/relationships" xmlns:p="http://schemas.openxmlformats.org/presentationml/2006/main">
   <p:cSld>
+    <p:bg>
+      <p:bgPr>
+        <a:solidFill>
+          <a:schemeClr val="bg1"/>
+        </a:solidFill>
+        <a:effectLst/>
+      </p:bgPr>
+    </p:bg>
     <p:spTree>
       <p:nvGrpSpPr>
         <p:cNvPr id="1" name=""/>
@@ -4764,109 +5016,925 @@
         </p:spPr>
         <p:txBody>
           <a:bodyPr vert="horz" lIns="91440" tIns="45720" rIns="91440" bIns="45720" rtlCol="0" anchor="ctr">
-            <a:normAutofit/>
+            <a:normAutofit fontScale="90000"/>
           </a:bodyPr>
           <a:lstStyle/>
           <a:p>
             <a:r>
-              <a:rPr lang="de-DE" altLang="zh-CN" sz="4400" b="1" dirty="0"/>
-              <a:t>Default</a:t>
+              <a:rPr lang="en-US" sz="4400" dirty="0">
+                <a:solidFill>
+                  <a:schemeClr val="bg1"/>
+                </a:solidFill>
+              </a:rPr>
+              <a:t>How to predict the default of a borrower?</a:t>
+            </a:r>
+            <a:br>
+              <a:rPr lang="de-DE" sz="4400" dirty="0">
+                <a:solidFill>
+                  <a:schemeClr val="bg1"/>
+                </a:solidFill>
+              </a:rPr>
+            </a:br>
+            <a:r>
+              <a:rPr lang="de-DE" sz="4400" dirty="0"/>
+              <a:t>P</a:t>
             </a:r>
             <a:r>
-              <a:rPr lang="de-DE" altLang="zh-CN" sz="4400" b="1" kern="1200" dirty="0">
-                <a:solidFill>
-                  <a:schemeClr val="tx1"/>
-                </a:solidFill>
-                <a:latin typeface="+mj-lt"/>
-                <a:ea typeface="+mj-ea"/>
-                <a:cs typeface="+mj-cs"/>
-              </a:rPr>
-              <a:t> Risk</a:t>
+              <a:rPr lang="en-US" sz="4400" dirty="0" err="1"/>
+              <a:t>redict</a:t>
             </a:r>
-            <a:endParaRPr lang="en-US" altLang="zh-CN" sz="4400" b="1" kern="1200" dirty="0">
-              <a:solidFill>
-                <a:schemeClr val="tx1"/>
-              </a:solidFill>
-              <a:latin typeface="+mj-lt"/>
-              <a:ea typeface="+mj-ea"/>
-              <a:cs typeface="+mj-cs"/>
-            </a:endParaRPr>
+            <a:r>
+              <a:rPr lang="en-US" sz="4400" dirty="0"/>
+              <a:t> the default of a borrower?</a:t>
+            </a:r>
+            <a:br>
+              <a:rPr lang="de-DE" sz="4400" dirty="0"/>
+            </a:br>
+            <a:endParaRPr lang="de-DE" sz="4400" dirty="0"/>
+          </a:p>
+        </p:txBody>
+      </p:sp>
+      <p:sp>
+        <p:nvSpPr>
+          <p:cNvPr id="11" name="Freeform: Shape 10">
+            <a:extLst>
+              <a:ext uri="{FF2B5EF4-FFF2-40B4-BE49-F238E27FC236}">
+                <a16:creationId xmlns:a16="http://schemas.microsoft.com/office/drawing/2014/main" id="{7CB4857B-ED7C-444D-9F04-2F885114A1C2}"/>
+              </a:ext>
+              <a:ext uri="{C183D7F6-B498-43B3-948B-1728B52AA6E4}">
+                <adec:decorative xmlns:adec="http://schemas.microsoft.com/office/drawing/2017/decorative" val="1"/>
+              </a:ext>
+            </a:extLst>
+          </p:cNvPr>
+          <p:cNvSpPr>
+            <a:spLocks noGrp="1" noRot="1" noChangeAspect="1" noMove="1" noResize="1" noEditPoints="1" noAdjustHandles="1" noChangeArrowheads="1" noChangeShapeType="1" noTextEdit="1"/>
+          </p:cNvSpPr>
+          <p:nvPr>
+            <p:extLst>
+              <p:ext uri="{386F3935-93C4-4BCD-93E2-E3B085C9AB24}">
+                <p16:designElem xmlns:p16="http://schemas.microsoft.com/office/powerpoint/2015/main" val="1"/>
+              </p:ext>
+            </p:extLst>
+          </p:nvPr>
+        </p:nvSpPr>
+        <p:spPr>
+          <a:xfrm>
+            <a:off x="1" y="0"/>
+            <a:ext cx="1764099" cy="1558212"/>
+          </a:xfrm>
+          <a:custGeom>
+            <a:avLst/>
+            <a:gdLst>
+              <a:gd name="connsiteX0" fmla="*/ 0 w 1764099"/>
+              <a:gd name="connsiteY0" fmla="*/ 0 h 1558212"/>
+              <a:gd name="connsiteX1" fmla="*/ 1764099 w 1764099"/>
+              <a:gd name="connsiteY1" fmla="*/ 0 h 1558212"/>
+              <a:gd name="connsiteX2" fmla="*/ 1042087 w 1764099"/>
+              <a:gd name="connsiteY2" fmla="*/ 1558212 h 1558212"/>
+              <a:gd name="connsiteX3" fmla="*/ 0 w 1764099"/>
+              <a:gd name="connsiteY3" fmla="*/ 1558212 h 1558212"/>
+            </a:gdLst>
+            <a:ahLst/>
+            <a:cxnLst>
+              <a:cxn ang="0">
+                <a:pos x="connsiteX0" y="connsiteY0"/>
+              </a:cxn>
+              <a:cxn ang="0">
+                <a:pos x="connsiteX1" y="connsiteY1"/>
+              </a:cxn>
+              <a:cxn ang="0">
+                <a:pos x="connsiteX2" y="connsiteY2"/>
+              </a:cxn>
+              <a:cxn ang="0">
+                <a:pos x="connsiteX3" y="connsiteY3"/>
+              </a:cxn>
+            </a:cxnLst>
+            <a:rect l="l" t="t" r="r" b="b"/>
+            <a:pathLst>
+              <a:path w="1764099" h="1558212">
+                <a:moveTo>
+                  <a:pt x="0" y="0"/>
+                </a:moveTo>
+                <a:lnTo>
+                  <a:pt x="1764099" y="0"/>
+                </a:lnTo>
+                <a:lnTo>
+                  <a:pt x="1042087" y="1558212"/>
+                </a:lnTo>
+                <a:lnTo>
+                  <a:pt x="0" y="1558212"/>
+                </a:lnTo>
+                <a:close/>
+              </a:path>
+            </a:pathLst>
+          </a:custGeom>
+          <a:solidFill>
+            <a:schemeClr val="accent4"/>
+          </a:solidFill>
+          <a:ln>
+            <a:noFill/>
+          </a:ln>
+        </p:spPr>
+        <p:style>
+          <a:lnRef idx="2">
+            <a:schemeClr val="accent1">
+              <a:shade val="50000"/>
+            </a:schemeClr>
+          </a:lnRef>
+          <a:fillRef idx="1">
+            <a:schemeClr val="accent1"/>
+          </a:fillRef>
+          <a:effectRef idx="0">
+            <a:schemeClr val="accent1"/>
+          </a:effectRef>
+          <a:fontRef idx="minor">
+            <a:schemeClr val="lt1"/>
+          </a:fontRef>
+        </p:style>
+        <p:txBody>
+          <a:bodyPr wrap="square" rtlCol="0" anchor="ctr">
+            <a:noAutofit/>
+          </a:bodyPr>
+          <a:lstStyle/>
+          <a:p>
+            <a:pPr algn="ctr"/>
+            <a:endParaRPr lang="en-US"/>
+          </a:p>
+        </p:txBody>
+      </p:sp>
+      <p:sp>
+        <p:nvSpPr>
+          <p:cNvPr id="13" name="Freeform: Shape 12">
+            <a:extLst>
+              <a:ext uri="{FF2B5EF4-FFF2-40B4-BE49-F238E27FC236}">
+                <a16:creationId xmlns:a16="http://schemas.microsoft.com/office/drawing/2014/main" id="{D18046FB-44EA-4FD8-A585-EA09A319B2D0}"/>
+              </a:ext>
+              <a:ext uri="{C183D7F6-B498-43B3-948B-1728B52AA6E4}">
+                <adec:decorative xmlns:adec="http://schemas.microsoft.com/office/drawing/2017/decorative" val="1"/>
+              </a:ext>
+            </a:extLst>
+          </p:cNvPr>
+          <p:cNvSpPr>
+            <a:spLocks noGrp="1" noRot="1" noChangeAspect="1" noMove="1" noResize="1" noEditPoints="1" noAdjustHandles="1" noChangeArrowheads="1" noChangeShapeType="1" noTextEdit="1"/>
+          </p:cNvSpPr>
+          <p:nvPr>
+            <p:extLst>
+              <p:ext uri="{386F3935-93C4-4BCD-93E2-E3B085C9AB24}">
+                <p16:designElem xmlns:p16="http://schemas.microsoft.com/office/powerpoint/2015/main" val="1"/>
+              </p:ext>
+            </p:extLst>
+          </p:nvPr>
+        </p:nvSpPr>
+        <p:spPr>
+          <a:xfrm>
+            <a:off x="1" y="1691640"/>
+            <a:ext cx="12191999" cy="5166360"/>
+          </a:xfrm>
+          <a:custGeom>
+            <a:avLst/>
+            <a:gdLst>
+              <a:gd name="connsiteX0" fmla="*/ 0 w 12191999"/>
+              <a:gd name="connsiteY0" fmla="*/ 0 h 5166360"/>
+              <a:gd name="connsiteX1" fmla="*/ 1822388 w 12191999"/>
+              <a:gd name="connsiteY1" fmla="*/ 0 h 5166360"/>
+              <a:gd name="connsiteX2" fmla="*/ 6468290 w 12191999"/>
+              <a:gd name="connsiteY2" fmla="*/ 0 h 5166360"/>
+              <a:gd name="connsiteX3" fmla="*/ 7796394 w 12191999"/>
+              <a:gd name="connsiteY3" fmla="*/ 0 h 5166360"/>
+              <a:gd name="connsiteX4" fmla="*/ 8376834 w 12191999"/>
+              <a:gd name="connsiteY4" fmla="*/ 0 h 5166360"/>
+              <a:gd name="connsiteX5" fmla="*/ 9704938 w 12191999"/>
+              <a:gd name="connsiteY5" fmla="*/ 0 h 5166360"/>
+              <a:gd name="connsiteX6" fmla="*/ 9704938 w 12191999"/>
+              <a:gd name="connsiteY6" fmla="*/ 2 h 5166360"/>
+              <a:gd name="connsiteX7" fmla="*/ 10283456 w 12191999"/>
+              <a:gd name="connsiteY7" fmla="*/ 2 h 5166360"/>
+              <a:gd name="connsiteX8" fmla="*/ 10863897 w 12191999"/>
+              <a:gd name="connsiteY8" fmla="*/ 2 h 5166360"/>
+              <a:gd name="connsiteX9" fmla="*/ 12191999 w 12191999"/>
+              <a:gd name="connsiteY9" fmla="*/ 2 h 5166360"/>
+              <a:gd name="connsiteX10" fmla="*/ 12191999 w 12191999"/>
+              <a:gd name="connsiteY10" fmla="*/ 5166360 h 5166360"/>
+              <a:gd name="connsiteX11" fmla="*/ 0 w 12191999"/>
+              <a:gd name="connsiteY11" fmla="*/ 5166360 h 5166360"/>
+              <a:gd name="connsiteX12" fmla="*/ 0 w 12191999"/>
+              <a:gd name="connsiteY12" fmla="*/ 2604436 h 5166360"/>
+              <a:gd name="connsiteX13" fmla="*/ 862341 w 12191999"/>
+              <a:gd name="connsiteY13" fmla="*/ 743371 h 5166360"/>
+              <a:gd name="connsiteX14" fmla="*/ 0 w 12191999"/>
+              <a:gd name="connsiteY14" fmla="*/ 743371 h 5166360"/>
+              <a:gd name="connsiteX15" fmla="*/ 0 w 12191999"/>
+              <a:gd name="connsiteY15" fmla="*/ 742508 h 5166360"/>
+              <a:gd name="connsiteX16" fmla="*/ 92826 w 12191999"/>
+              <a:gd name="connsiteY16" fmla="*/ 742508 h 5166360"/>
+              <a:gd name="connsiteX17" fmla="*/ 406486 w 12191999"/>
+              <a:gd name="connsiteY17" fmla="*/ 742508 h 5166360"/>
+              <a:gd name="connsiteX18" fmla="*/ 406486 w 12191999"/>
+              <a:gd name="connsiteY18" fmla="*/ 742507 h 5166360"/>
+              <a:gd name="connsiteX19" fmla="*/ 862741 w 12191999"/>
+              <a:gd name="connsiteY19" fmla="*/ 742507 h 5166360"/>
+              <a:gd name="connsiteX20" fmla="*/ 1206388 w 12191999"/>
+              <a:gd name="connsiteY20" fmla="*/ 864 h 5166360"/>
+              <a:gd name="connsiteX21" fmla="*/ 748500 w 12191999"/>
+              <a:gd name="connsiteY21" fmla="*/ 864 h 5166360"/>
+              <a:gd name="connsiteX22" fmla="*/ 0 w 12191999"/>
+              <a:gd name="connsiteY22" fmla="*/ 864 h 5166360"/>
+            </a:gdLst>
+            <a:ahLst/>
+            <a:cxnLst>
+              <a:cxn ang="0">
+                <a:pos x="connsiteX0" y="connsiteY0"/>
+              </a:cxn>
+              <a:cxn ang="0">
+                <a:pos x="connsiteX1" y="connsiteY1"/>
+              </a:cxn>
+              <a:cxn ang="0">
+                <a:pos x="connsiteX2" y="connsiteY2"/>
+              </a:cxn>
+              <a:cxn ang="0">
+                <a:pos x="connsiteX3" y="connsiteY3"/>
+              </a:cxn>
+              <a:cxn ang="0">
+                <a:pos x="connsiteX4" y="connsiteY4"/>
+              </a:cxn>
+              <a:cxn ang="0">
+                <a:pos x="connsiteX5" y="connsiteY5"/>
+              </a:cxn>
+              <a:cxn ang="0">
+                <a:pos x="connsiteX6" y="connsiteY6"/>
+              </a:cxn>
+              <a:cxn ang="0">
+                <a:pos x="connsiteX7" y="connsiteY7"/>
+              </a:cxn>
+              <a:cxn ang="0">
+                <a:pos x="connsiteX8" y="connsiteY8"/>
+              </a:cxn>
+              <a:cxn ang="0">
+                <a:pos x="connsiteX9" y="connsiteY9"/>
+              </a:cxn>
+              <a:cxn ang="0">
+                <a:pos x="connsiteX10" y="connsiteY10"/>
+              </a:cxn>
+              <a:cxn ang="0">
+                <a:pos x="connsiteX11" y="connsiteY11"/>
+              </a:cxn>
+              <a:cxn ang="0">
+                <a:pos x="connsiteX12" y="connsiteY12"/>
+              </a:cxn>
+              <a:cxn ang="0">
+                <a:pos x="connsiteX13" y="connsiteY13"/>
+              </a:cxn>
+              <a:cxn ang="0">
+                <a:pos x="connsiteX14" y="connsiteY14"/>
+              </a:cxn>
+              <a:cxn ang="0">
+                <a:pos x="connsiteX15" y="connsiteY15"/>
+              </a:cxn>
+              <a:cxn ang="0">
+                <a:pos x="connsiteX16" y="connsiteY16"/>
+              </a:cxn>
+              <a:cxn ang="0">
+                <a:pos x="connsiteX17" y="connsiteY17"/>
+              </a:cxn>
+              <a:cxn ang="0">
+                <a:pos x="connsiteX18" y="connsiteY18"/>
+              </a:cxn>
+              <a:cxn ang="0">
+                <a:pos x="connsiteX19" y="connsiteY19"/>
+              </a:cxn>
+              <a:cxn ang="0">
+                <a:pos x="connsiteX20" y="connsiteY20"/>
+              </a:cxn>
+              <a:cxn ang="0">
+                <a:pos x="connsiteX21" y="connsiteY21"/>
+              </a:cxn>
+              <a:cxn ang="0">
+                <a:pos x="connsiteX22" y="connsiteY22"/>
+              </a:cxn>
+            </a:cxnLst>
+            <a:rect l="l" t="t" r="r" b="b"/>
+            <a:pathLst>
+              <a:path w="12191999" h="5166360">
+                <a:moveTo>
+                  <a:pt x="0" y="0"/>
+                </a:moveTo>
+                <a:lnTo>
+                  <a:pt x="1822388" y="0"/>
+                </a:lnTo>
+                <a:lnTo>
+                  <a:pt x="6468290" y="0"/>
+                </a:lnTo>
+                <a:lnTo>
+                  <a:pt x="7796394" y="0"/>
+                </a:lnTo>
+                <a:lnTo>
+                  <a:pt x="8376834" y="0"/>
+                </a:lnTo>
+                <a:lnTo>
+                  <a:pt x="9704938" y="0"/>
+                </a:lnTo>
+                <a:lnTo>
+                  <a:pt x="9704938" y="2"/>
+                </a:lnTo>
+                <a:lnTo>
+                  <a:pt x="10283456" y="2"/>
+                </a:lnTo>
+                <a:lnTo>
+                  <a:pt x="10863897" y="2"/>
+                </a:lnTo>
+                <a:lnTo>
+                  <a:pt x="12191999" y="2"/>
+                </a:lnTo>
+                <a:lnTo>
+                  <a:pt x="12191999" y="5166360"/>
+                </a:lnTo>
+                <a:lnTo>
+                  <a:pt x="0" y="5166360"/>
+                </a:lnTo>
+                <a:lnTo>
+                  <a:pt x="0" y="2604436"/>
+                </a:lnTo>
+                <a:lnTo>
+                  <a:pt x="862341" y="743371"/>
+                </a:lnTo>
+                <a:lnTo>
+                  <a:pt x="0" y="743371"/>
+                </a:lnTo>
+                <a:lnTo>
+                  <a:pt x="0" y="742508"/>
+                </a:lnTo>
+                <a:lnTo>
+                  <a:pt x="92826" y="742508"/>
+                </a:lnTo>
+                <a:lnTo>
+                  <a:pt x="406486" y="742508"/>
+                </a:lnTo>
+                <a:lnTo>
+                  <a:pt x="406486" y="742507"/>
+                </a:lnTo>
+                <a:lnTo>
+                  <a:pt x="862741" y="742507"/>
+                </a:lnTo>
+                <a:lnTo>
+                  <a:pt x="1206388" y="864"/>
+                </a:lnTo>
+                <a:lnTo>
+                  <a:pt x="748500" y="864"/>
+                </a:lnTo>
+                <a:lnTo>
+                  <a:pt x="0" y="864"/>
+                </a:lnTo>
+                <a:close/>
+              </a:path>
+            </a:pathLst>
+          </a:custGeom>
+          <a:solidFill>
+            <a:srgbClr val="A6A6A6">
+              <a:alpha val="49804"/>
+            </a:srgbClr>
+          </a:solidFill>
+          <a:ln>
+            <a:noFill/>
+          </a:ln>
+        </p:spPr>
+        <p:style>
+          <a:lnRef idx="2">
+            <a:schemeClr val="accent1">
+              <a:shade val="50000"/>
+            </a:schemeClr>
+          </a:lnRef>
+          <a:fillRef idx="1">
+            <a:schemeClr val="accent1"/>
+          </a:fillRef>
+          <a:effectRef idx="0">
+            <a:schemeClr val="accent1"/>
+          </a:effectRef>
+          <a:fontRef idx="minor">
+            <a:schemeClr val="lt1"/>
+          </a:fontRef>
+        </p:style>
+        <p:txBody>
+          <a:bodyPr wrap="square" rtlCol="0" anchor="ctr">
+            <a:noAutofit/>
+          </a:bodyPr>
+          <a:lstStyle/>
+          <a:p>
+            <a:pPr algn="ctr"/>
+            <a:endParaRPr lang="en-US"/>
+          </a:p>
+        </p:txBody>
+      </p:sp>
+      <p:sp>
+        <p:nvSpPr>
+          <p:cNvPr id="15" name="Freeform: Shape 14">
+            <a:extLst>
+              <a:ext uri="{FF2B5EF4-FFF2-40B4-BE49-F238E27FC236}">
+                <a16:creationId xmlns:a16="http://schemas.microsoft.com/office/drawing/2014/main" id="{479F5F2B-8B58-4140-AE6A-51F6C67B18D9}"/>
+              </a:ext>
+              <a:ext uri="{C183D7F6-B498-43B3-948B-1728B52AA6E4}">
+                <adec:decorative xmlns:adec="http://schemas.microsoft.com/office/drawing/2017/decorative" val="1"/>
+              </a:ext>
+            </a:extLst>
+          </p:cNvPr>
+          <p:cNvSpPr>
+            <a:spLocks noGrp="1" noRot="1" noChangeAspect="1" noMove="1" noResize="1" noEditPoints="1" noAdjustHandles="1" noChangeArrowheads="1" noChangeShapeType="1" noTextEdit="1"/>
+          </p:cNvSpPr>
+          <p:nvPr>
+            <p:extLst>
+              <p:ext uri="{386F3935-93C4-4BCD-93E2-E3B085C9AB24}">
+                <p16:designElem xmlns:p16="http://schemas.microsoft.com/office/powerpoint/2015/main" val="1"/>
+              </p:ext>
+            </p:extLst>
+          </p:nvPr>
+        </p:nvSpPr>
+        <p:spPr>
+          <a:xfrm>
+            <a:off x="0" y="1691641"/>
+            <a:ext cx="971654" cy="2096979"/>
+          </a:xfrm>
+          <a:custGeom>
+            <a:avLst/>
+            <a:gdLst>
+              <a:gd name="connsiteX0" fmla="*/ 0 w 971654"/>
+              <a:gd name="connsiteY0" fmla="*/ 0 h 2096979"/>
+              <a:gd name="connsiteX1" fmla="*/ 971654 w 971654"/>
+              <a:gd name="connsiteY1" fmla="*/ 0 h 2096979"/>
+              <a:gd name="connsiteX2" fmla="*/ 0 w 971654"/>
+              <a:gd name="connsiteY2" fmla="*/ 2096979 h 2096979"/>
+            </a:gdLst>
+            <a:ahLst/>
+            <a:cxnLst>
+              <a:cxn ang="0">
+                <a:pos x="connsiteX0" y="connsiteY0"/>
+              </a:cxn>
+              <a:cxn ang="0">
+                <a:pos x="connsiteX1" y="connsiteY1"/>
+              </a:cxn>
+              <a:cxn ang="0">
+                <a:pos x="connsiteX2" y="connsiteY2"/>
+              </a:cxn>
+            </a:cxnLst>
+            <a:rect l="l" t="t" r="r" b="b"/>
+            <a:pathLst>
+              <a:path w="971654" h="2096979">
+                <a:moveTo>
+                  <a:pt x="0" y="0"/>
+                </a:moveTo>
+                <a:lnTo>
+                  <a:pt x="971654" y="0"/>
+                </a:lnTo>
+                <a:lnTo>
+                  <a:pt x="0" y="2096979"/>
+                </a:lnTo>
+                <a:close/>
+              </a:path>
+            </a:pathLst>
+          </a:custGeom>
+          <a:solidFill>
+            <a:srgbClr val="404040"/>
+          </a:solidFill>
+          <a:ln>
+            <a:noFill/>
+          </a:ln>
+        </p:spPr>
+        <p:style>
+          <a:lnRef idx="2">
+            <a:schemeClr val="accent1">
+              <a:shade val="50000"/>
+            </a:schemeClr>
+          </a:lnRef>
+          <a:fillRef idx="1">
+            <a:schemeClr val="accent1"/>
+          </a:fillRef>
+          <a:effectRef idx="0">
+            <a:schemeClr val="accent1"/>
+          </a:effectRef>
+          <a:fontRef idx="minor">
+            <a:schemeClr val="lt1"/>
+          </a:fontRef>
+        </p:style>
+        <p:txBody>
+          <a:bodyPr wrap="square" rtlCol="0" anchor="ctr">
+            <a:noAutofit/>
+          </a:bodyPr>
+          <a:lstStyle/>
+          <a:p>
+            <a:pPr algn="ctr"/>
+            <a:endParaRPr lang="en-US"/>
           </a:p>
         </p:txBody>
       </p:sp>
       <p:graphicFrame>
         <p:nvGraphicFramePr>
-          <p:cNvPr id="7" name="Objekt 6">
-            <a:extLst>
-              <a:ext uri="{FF2B5EF4-FFF2-40B4-BE49-F238E27FC236}">
-                <a16:creationId xmlns:a16="http://schemas.microsoft.com/office/drawing/2014/main" id="{699A80DF-1C6B-4202-8370-E462016A463D}"/>
+          <p:cNvPr id="2" name="Tabelle 2">
+            <a:extLst>
+              <a:ext uri="{FF2B5EF4-FFF2-40B4-BE49-F238E27FC236}">
+                <a16:creationId xmlns:a16="http://schemas.microsoft.com/office/drawing/2014/main" id="{80DE7EB8-5382-49CB-B9CC-C607DAA65807}"/>
               </a:ext>
             </a:extLst>
           </p:cNvPr>
           <p:cNvGraphicFramePr>
-            <a:graphicFrameLocks noChangeAspect="1"/>
+            <a:graphicFrameLocks noGrp="1"/>
           </p:cNvGraphicFramePr>
           <p:nvPr>
             <p:extLst>
               <p:ext uri="{D42A27DB-BD31-4B8C-83A1-F6EECF244321}">
-                <p14:modId xmlns:p14="http://schemas.microsoft.com/office/powerpoint/2010/main" val="1117552489"/>
+                <p14:modId xmlns:p14="http://schemas.microsoft.com/office/powerpoint/2010/main" val="1503435427"/>
               </p:ext>
             </p:extLst>
           </p:nvPr>
         </p:nvGraphicFramePr>
         <p:xfrm>
-          <a:off x="4527804" y="835788"/>
-          <a:ext cx="7261225" cy="5678487"/>
+          <a:off x="2032000" y="1866900"/>
+          <a:ext cx="8128000" cy="4815840"/>
         </p:xfrm>
         <a:graphic>
-          <a:graphicData uri="http://schemas.openxmlformats.org/presentationml/2006/ole">
-            <mc:AlternateContent xmlns:mc="http://schemas.openxmlformats.org/markup-compatibility/2006">
-              <mc:Choice xmlns:v="urn:schemas-microsoft-com:vml" Requires="v">
-                <p:oleObj spid="_x0000_s4098" name="Worksheet" r:id="rId3" imgW="7343735" imgH="6896273" progId="Excel.Sheet.12">
-                  <p:embed/>
-                </p:oleObj>
-              </mc:Choice>
-              <mc:Fallback>
-                <p:oleObj name="Worksheet" r:id="rId3" imgW="7343735" imgH="6896273" progId="Excel.Sheet.12">
-                  <p:embed/>
-                  <p:pic>
-                    <p:nvPicPr>
-                      <p:cNvPr id="7" name="Objekt 6">
-                        <a:extLst>
-                          <a:ext uri="{FF2B5EF4-FFF2-40B4-BE49-F238E27FC236}">
-                            <a16:creationId xmlns:a16="http://schemas.microsoft.com/office/drawing/2014/main" id="{898943CA-DCD5-4CE9-97D1-B641B5727B45}"/>
-                          </a:ext>
-                        </a:extLst>
-                      </p:cNvPr>
-                      <p:cNvPicPr/>
-                      <p:nvPr/>
-                    </p:nvPicPr>
-                    <p:blipFill>
-                      <a:blip r:embed="rId4"/>
-                      <a:stretch>
-                        <a:fillRect/>
-                      </a:stretch>
-                    </p:blipFill>
-                    <p:spPr>
-                      <a:xfrm>
-                        <a:off x="4527804" y="835788"/>
-                        <a:ext cx="7261225" cy="5678487"/>
-                      </a:xfrm>
-                      <a:prstGeom prst="rect">
-                        <a:avLst/>
-                      </a:prstGeom>
-                    </p:spPr>
-                  </p:pic>
-                </p:oleObj>
-              </mc:Fallback>
-            </mc:AlternateContent>
+          <a:graphicData uri="http://schemas.openxmlformats.org/drawingml/2006/table">
+            <a:tbl>
+              <a:tblPr firstRow="1" bandRow="1">
+                <a:tableStyleId>{073A0DAA-6AF3-43AB-8588-CEC1D06C72B9}</a:tableStyleId>
+              </a:tblPr>
+              <a:tblGrid>
+                <a:gridCol w="4064000">
+                  <a:extLst>
+                    <a:ext uri="{9D8B030D-6E8A-4147-A177-3AD203B41FA5}">
+                      <a16:colId xmlns:a16="http://schemas.microsoft.com/office/drawing/2014/main" val="1495691404"/>
+                    </a:ext>
+                  </a:extLst>
+                </a:gridCol>
+                <a:gridCol w="4064000">
+                  <a:extLst>
+                    <a:ext uri="{9D8B030D-6E8A-4147-A177-3AD203B41FA5}">
+                      <a16:colId xmlns:a16="http://schemas.microsoft.com/office/drawing/2014/main" val="2101128999"/>
+                    </a:ext>
+                  </a:extLst>
+                </a:gridCol>
+              </a:tblGrid>
+              <a:tr h="0">
+                <a:tc>
+                  <a:txBody>
+                    <a:bodyPr/>
+                    <a:lstStyle/>
+                    <a:p>
+                      <a:r>
+                        <a:rPr lang="de-DE" dirty="0"/>
+                        <a:t>Variable </a:t>
+                      </a:r>
+                    </a:p>
+                  </a:txBody>
+                  <a:tcPr/>
+                </a:tc>
+                <a:tc>
+                  <a:txBody>
+                    <a:bodyPr/>
+                    <a:lstStyle/>
+                    <a:p>
+                      <a:r>
+                        <a:rPr lang="de-DE" dirty="0"/>
+                        <a:t>Impact</a:t>
+                      </a:r>
+                    </a:p>
+                  </a:txBody>
+                  <a:tcPr/>
+                </a:tc>
+                <a:extLst>
+                  <a:ext uri="{0D108BD9-81ED-4DB2-BD59-A6C34878D82A}">
+                    <a16:rowId xmlns:a16="http://schemas.microsoft.com/office/drawing/2014/main" val="833982691"/>
+                  </a:ext>
+                </a:extLst>
+              </a:tr>
+              <a:tr h="370840">
+                <a:tc>
+                  <a:txBody>
+                    <a:bodyPr/>
+                    <a:lstStyle/>
+                    <a:p>
+                      <a:endParaRPr lang="de-DE" dirty="0"/>
+                    </a:p>
+                  </a:txBody>
+                  <a:tcPr/>
+                </a:tc>
+                <a:tc>
+                  <a:txBody>
+                    <a:bodyPr/>
+                    <a:lstStyle/>
+                    <a:p>
+                      <a:endParaRPr lang="de-DE"/>
+                    </a:p>
+                  </a:txBody>
+                  <a:tcPr/>
+                </a:tc>
+                <a:extLst>
+                  <a:ext uri="{0D108BD9-81ED-4DB2-BD59-A6C34878D82A}">
+                    <a16:rowId xmlns:a16="http://schemas.microsoft.com/office/drawing/2014/main" val="406380766"/>
+                  </a:ext>
+                </a:extLst>
+              </a:tr>
+              <a:tr h="370840">
+                <a:tc>
+                  <a:txBody>
+                    <a:bodyPr/>
+                    <a:lstStyle/>
+                    <a:p>
+                      <a:endParaRPr lang="de-DE"/>
+                    </a:p>
+                  </a:txBody>
+                  <a:tcPr/>
+                </a:tc>
+                <a:tc>
+                  <a:txBody>
+                    <a:bodyPr/>
+                    <a:lstStyle/>
+                    <a:p>
+                      <a:endParaRPr lang="de-DE"/>
+                    </a:p>
+                  </a:txBody>
+                  <a:tcPr/>
+                </a:tc>
+                <a:extLst>
+                  <a:ext uri="{0D108BD9-81ED-4DB2-BD59-A6C34878D82A}">
+                    <a16:rowId xmlns:a16="http://schemas.microsoft.com/office/drawing/2014/main" val="2010818831"/>
+                  </a:ext>
+                </a:extLst>
+              </a:tr>
+              <a:tr h="370840">
+                <a:tc>
+                  <a:txBody>
+                    <a:bodyPr/>
+                    <a:lstStyle/>
+                    <a:p>
+                      <a:endParaRPr lang="de-DE"/>
+                    </a:p>
+                  </a:txBody>
+                  <a:tcPr/>
+                </a:tc>
+                <a:tc>
+                  <a:txBody>
+                    <a:bodyPr/>
+                    <a:lstStyle/>
+                    <a:p>
+                      <a:endParaRPr lang="de-DE"/>
+                    </a:p>
+                  </a:txBody>
+                  <a:tcPr/>
+                </a:tc>
+                <a:extLst>
+                  <a:ext uri="{0D108BD9-81ED-4DB2-BD59-A6C34878D82A}">
+                    <a16:rowId xmlns:a16="http://schemas.microsoft.com/office/drawing/2014/main" val="2380157233"/>
+                  </a:ext>
+                </a:extLst>
+              </a:tr>
+              <a:tr h="370840">
+                <a:tc>
+                  <a:txBody>
+                    <a:bodyPr/>
+                    <a:lstStyle/>
+                    <a:p>
+                      <a:endParaRPr lang="de-DE"/>
+                    </a:p>
+                  </a:txBody>
+                  <a:tcPr/>
+                </a:tc>
+                <a:tc>
+                  <a:txBody>
+                    <a:bodyPr/>
+                    <a:lstStyle/>
+                    <a:p>
+                      <a:endParaRPr lang="de-DE"/>
+                    </a:p>
+                  </a:txBody>
+                  <a:tcPr/>
+                </a:tc>
+                <a:extLst>
+                  <a:ext uri="{0D108BD9-81ED-4DB2-BD59-A6C34878D82A}">
+                    <a16:rowId xmlns:a16="http://schemas.microsoft.com/office/drawing/2014/main" val="402273806"/>
+                  </a:ext>
+                </a:extLst>
+              </a:tr>
+              <a:tr h="370840">
+                <a:tc>
+                  <a:txBody>
+                    <a:bodyPr/>
+                    <a:lstStyle/>
+                    <a:p>
+                      <a:endParaRPr lang="de-DE"/>
+                    </a:p>
+                  </a:txBody>
+                  <a:tcPr/>
+                </a:tc>
+                <a:tc>
+                  <a:txBody>
+                    <a:bodyPr/>
+                    <a:lstStyle/>
+                    <a:p>
+                      <a:endParaRPr lang="de-DE"/>
+                    </a:p>
+                  </a:txBody>
+                  <a:tcPr/>
+                </a:tc>
+                <a:extLst>
+                  <a:ext uri="{0D108BD9-81ED-4DB2-BD59-A6C34878D82A}">
+                    <a16:rowId xmlns:a16="http://schemas.microsoft.com/office/drawing/2014/main" val="1448718164"/>
+                  </a:ext>
+                </a:extLst>
+              </a:tr>
+              <a:tr h="370840">
+                <a:tc>
+                  <a:txBody>
+                    <a:bodyPr/>
+                    <a:lstStyle/>
+                    <a:p>
+                      <a:endParaRPr lang="de-DE" dirty="0"/>
+                    </a:p>
+                  </a:txBody>
+                  <a:tcPr/>
+                </a:tc>
+                <a:tc>
+                  <a:txBody>
+                    <a:bodyPr/>
+                    <a:lstStyle/>
+                    <a:p>
+                      <a:endParaRPr lang="de-DE" dirty="0"/>
+                    </a:p>
+                  </a:txBody>
+                  <a:tcPr/>
+                </a:tc>
+                <a:extLst>
+                  <a:ext uri="{0D108BD9-81ED-4DB2-BD59-A6C34878D82A}">
+                    <a16:rowId xmlns:a16="http://schemas.microsoft.com/office/drawing/2014/main" val="2171292425"/>
+                  </a:ext>
+                </a:extLst>
+              </a:tr>
+              <a:tr h="370840">
+                <a:tc>
+                  <a:txBody>
+                    <a:bodyPr/>
+                    <a:lstStyle/>
+                    <a:p>
+                      <a:endParaRPr lang="de-DE"/>
+                    </a:p>
+                  </a:txBody>
+                  <a:tcPr/>
+                </a:tc>
+                <a:tc>
+                  <a:txBody>
+                    <a:bodyPr/>
+                    <a:lstStyle/>
+                    <a:p>
+                      <a:endParaRPr lang="de-DE"/>
+                    </a:p>
+                  </a:txBody>
+                  <a:tcPr/>
+                </a:tc>
+                <a:extLst>
+                  <a:ext uri="{0D108BD9-81ED-4DB2-BD59-A6C34878D82A}">
+                    <a16:rowId xmlns:a16="http://schemas.microsoft.com/office/drawing/2014/main" val="1577727965"/>
+                  </a:ext>
+                </a:extLst>
+              </a:tr>
+              <a:tr h="370840">
+                <a:tc>
+                  <a:txBody>
+                    <a:bodyPr/>
+                    <a:lstStyle/>
+                    <a:p>
+                      <a:endParaRPr lang="de-DE"/>
+                    </a:p>
+                  </a:txBody>
+                  <a:tcPr/>
+                </a:tc>
+                <a:tc>
+                  <a:txBody>
+                    <a:bodyPr/>
+                    <a:lstStyle/>
+                    <a:p>
+                      <a:endParaRPr lang="de-DE"/>
+                    </a:p>
+                  </a:txBody>
+                  <a:tcPr/>
+                </a:tc>
+                <a:extLst>
+                  <a:ext uri="{0D108BD9-81ED-4DB2-BD59-A6C34878D82A}">
+                    <a16:rowId xmlns:a16="http://schemas.microsoft.com/office/drawing/2014/main" val="2364292227"/>
+                  </a:ext>
+                </a:extLst>
+              </a:tr>
+              <a:tr h="370840">
+                <a:tc>
+                  <a:txBody>
+                    <a:bodyPr/>
+                    <a:lstStyle/>
+                    <a:p>
+                      <a:endParaRPr lang="de-DE"/>
+                    </a:p>
+                  </a:txBody>
+                  <a:tcPr/>
+                </a:tc>
+                <a:tc>
+                  <a:txBody>
+                    <a:bodyPr/>
+                    <a:lstStyle/>
+                    <a:p>
+                      <a:endParaRPr lang="de-DE"/>
+                    </a:p>
+                  </a:txBody>
+                  <a:tcPr/>
+                </a:tc>
+                <a:extLst>
+                  <a:ext uri="{0D108BD9-81ED-4DB2-BD59-A6C34878D82A}">
+                    <a16:rowId xmlns:a16="http://schemas.microsoft.com/office/drawing/2014/main" val="401684175"/>
+                  </a:ext>
+                </a:extLst>
+              </a:tr>
+              <a:tr h="370840">
+                <a:tc>
+                  <a:txBody>
+                    <a:bodyPr/>
+                    <a:lstStyle/>
+                    <a:p>
+                      <a:endParaRPr lang="de-DE"/>
+                    </a:p>
+                  </a:txBody>
+                  <a:tcPr/>
+                </a:tc>
+                <a:tc>
+                  <a:txBody>
+                    <a:bodyPr/>
+                    <a:lstStyle/>
+                    <a:p>
+                      <a:endParaRPr lang="de-DE"/>
+                    </a:p>
+                  </a:txBody>
+                  <a:tcPr/>
+                </a:tc>
+                <a:extLst>
+                  <a:ext uri="{0D108BD9-81ED-4DB2-BD59-A6C34878D82A}">
+                    <a16:rowId xmlns:a16="http://schemas.microsoft.com/office/drawing/2014/main" val="387186087"/>
+                  </a:ext>
+                </a:extLst>
+              </a:tr>
+              <a:tr h="370840">
+                <a:tc>
+                  <a:txBody>
+                    <a:bodyPr/>
+                    <a:lstStyle/>
+                    <a:p>
+                      <a:endParaRPr lang="de-DE"/>
+                    </a:p>
+                  </a:txBody>
+                  <a:tcPr/>
+                </a:tc>
+                <a:tc>
+                  <a:txBody>
+                    <a:bodyPr/>
+                    <a:lstStyle/>
+                    <a:p>
+                      <a:endParaRPr lang="de-DE"/>
+                    </a:p>
+                  </a:txBody>
+                  <a:tcPr/>
+                </a:tc>
+                <a:extLst>
+                  <a:ext uri="{0D108BD9-81ED-4DB2-BD59-A6C34878D82A}">
+                    <a16:rowId xmlns:a16="http://schemas.microsoft.com/office/drawing/2014/main" val="747964008"/>
+                  </a:ext>
+                </a:extLst>
+              </a:tr>
+              <a:tr h="370840">
+                <a:tc>
+                  <a:txBody>
+                    <a:bodyPr/>
+                    <a:lstStyle/>
+                    <a:p>
+                      <a:endParaRPr lang="de-DE"/>
+                    </a:p>
+                  </a:txBody>
+                  <a:tcPr/>
+                </a:tc>
+                <a:tc>
+                  <a:txBody>
+                    <a:bodyPr/>
+                    <a:lstStyle/>
+                    <a:p>
+                      <a:endParaRPr lang="de-DE" dirty="0"/>
+                    </a:p>
+                  </a:txBody>
+                  <a:tcPr/>
+                </a:tc>
+                <a:extLst>
+                  <a:ext uri="{0D108BD9-81ED-4DB2-BD59-A6C34878D82A}">
+                    <a16:rowId xmlns:a16="http://schemas.microsoft.com/office/drawing/2014/main" val="3036198280"/>
+                  </a:ext>
+                </a:extLst>
+              </a:tr>
+            </a:tbl>
           </a:graphicData>
         </a:graphic>
       </p:graphicFrame>
     </p:spTree>
     <p:extLst>
       <p:ext uri="{BB962C8B-B14F-4D97-AF65-F5344CB8AC3E}">
-        <p14:creationId xmlns:p14="http://schemas.microsoft.com/office/powerpoint/2010/main" val="3815526155"/>
+        <p14:creationId xmlns:p14="http://schemas.microsoft.com/office/powerpoint/2010/main" val="3828761059"/>
       </p:ext>
     </p:extLst>
   </p:cSld>
@@ -4879,6 +5947,14 @@
 <file path=ppt/slides/slide4.xml><?xml version="1.0" encoding="utf-8"?>
 <p:sld xmlns:a="http://schemas.openxmlformats.org/drawingml/2006/main" xmlns:r="http://schemas.openxmlformats.org/officeDocument/2006/relationships" xmlns:p="http://schemas.openxmlformats.org/presentationml/2006/main">
   <p:cSld>
+    <p:bg>
+      <p:bgPr>
+        <a:solidFill>
+          <a:schemeClr val="bg1"/>
+        </a:solidFill>
+        <a:effectLst/>
+      </p:bgPr>
+    </p:bg>
     <p:spTree>
       <p:nvGrpSpPr>
         <p:cNvPr id="1" name=""/>
@@ -4917,29 +5993,510 @@
         </p:spPr>
         <p:txBody>
           <a:bodyPr vert="horz" lIns="91440" tIns="45720" rIns="91440" bIns="45720" rtlCol="0" anchor="ctr">
-            <a:normAutofit/>
+            <a:normAutofit fontScale="90000"/>
           </a:bodyPr>
           <a:lstStyle/>
           <a:p>
             <a:r>
-              <a:rPr lang="de-DE" altLang="zh-CN" sz="4400" b="1" dirty="0" err="1"/>
+              <a:rPr lang="en-US" sz="4400" dirty="0">
+                <a:solidFill>
+                  <a:schemeClr val="bg1"/>
+                </a:solidFill>
+              </a:rPr>
+              <a:t>How to predict the default of a borrower?</a:t>
+            </a:r>
+            <a:br>
+              <a:rPr lang="de-DE" sz="4400" dirty="0">
+                <a:solidFill>
+                  <a:schemeClr val="bg1"/>
+                </a:solidFill>
+              </a:rPr>
+            </a:br>
+            <a:r>
+              <a:rPr lang="de-DE" sz="4400" dirty="0" err="1"/>
               <a:t>Heatmap</a:t>
             </a:r>
-            <a:endParaRPr lang="en-US" altLang="zh-CN" sz="4400" b="1" kern="1200" dirty="0">
-              <a:solidFill>
-                <a:schemeClr val="tx1"/>
-              </a:solidFill>
-              <a:latin typeface="+mj-lt"/>
-              <a:ea typeface="+mj-ea"/>
-              <a:cs typeface="+mj-cs"/>
-            </a:endParaRPr>
+            <a:br>
+              <a:rPr lang="de-DE" sz="4400" dirty="0"/>
+            </a:br>
+            <a:endParaRPr lang="de-DE" sz="4400" dirty="0"/>
+          </a:p>
+        </p:txBody>
+      </p:sp>
+      <p:sp>
+        <p:nvSpPr>
+          <p:cNvPr id="11" name="Freeform: Shape 10">
+            <a:extLst>
+              <a:ext uri="{FF2B5EF4-FFF2-40B4-BE49-F238E27FC236}">
+                <a16:creationId xmlns:a16="http://schemas.microsoft.com/office/drawing/2014/main" id="{7CB4857B-ED7C-444D-9F04-2F885114A1C2}"/>
+              </a:ext>
+              <a:ext uri="{C183D7F6-B498-43B3-948B-1728B52AA6E4}">
+                <adec:decorative xmlns:adec="http://schemas.microsoft.com/office/drawing/2017/decorative" val="1"/>
+              </a:ext>
+            </a:extLst>
+          </p:cNvPr>
+          <p:cNvSpPr>
+            <a:spLocks noGrp="1" noRot="1" noChangeAspect="1" noMove="1" noResize="1" noEditPoints="1" noAdjustHandles="1" noChangeArrowheads="1" noChangeShapeType="1" noTextEdit="1"/>
+          </p:cNvSpPr>
+          <p:nvPr>
+            <p:extLst>
+              <p:ext uri="{386F3935-93C4-4BCD-93E2-E3B085C9AB24}">
+                <p16:designElem xmlns:p16="http://schemas.microsoft.com/office/powerpoint/2015/main" val="1"/>
+              </p:ext>
+            </p:extLst>
+          </p:nvPr>
+        </p:nvSpPr>
+        <p:spPr>
+          <a:xfrm>
+            <a:off x="1" y="0"/>
+            <a:ext cx="1764099" cy="1558212"/>
+          </a:xfrm>
+          <a:custGeom>
+            <a:avLst/>
+            <a:gdLst>
+              <a:gd name="connsiteX0" fmla="*/ 0 w 1764099"/>
+              <a:gd name="connsiteY0" fmla="*/ 0 h 1558212"/>
+              <a:gd name="connsiteX1" fmla="*/ 1764099 w 1764099"/>
+              <a:gd name="connsiteY1" fmla="*/ 0 h 1558212"/>
+              <a:gd name="connsiteX2" fmla="*/ 1042087 w 1764099"/>
+              <a:gd name="connsiteY2" fmla="*/ 1558212 h 1558212"/>
+              <a:gd name="connsiteX3" fmla="*/ 0 w 1764099"/>
+              <a:gd name="connsiteY3" fmla="*/ 1558212 h 1558212"/>
+            </a:gdLst>
+            <a:ahLst/>
+            <a:cxnLst>
+              <a:cxn ang="0">
+                <a:pos x="connsiteX0" y="connsiteY0"/>
+              </a:cxn>
+              <a:cxn ang="0">
+                <a:pos x="connsiteX1" y="connsiteY1"/>
+              </a:cxn>
+              <a:cxn ang="0">
+                <a:pos x="connsiteX2" y="connsiteY2"/>
+              </a:cxn>
+              <a:cxn ang="0">
+                <a:pos x="connsiteX3" y="connsiteY3"/>
+              </a:cxn>
+            </a:cxnLst>
+            <a:rect l="l" t="t" r="r" b="b"/>
+            <a:pathLst>
+              <a:path w="1764099" h="1558212">
+                <a:moveTo>
+                  <a:pt x="0" y="0"/>
+                </a:moveTo>
+                <a:lnTo>
+                  <a:pt x="1764099" y="0"/>
+                </a:lnTo>
+                <a:lnTo>
+                  <a:pt x="1042087" y="1558212"/>
+                </a:lnTo>
+                <a:lnTo>
+                  <a:pt x="0" y="1558212"/>
+                </a:lnTo>
+                <a:close/>
+              </a:path>
+            </a:pathLst>
+          </a:custGeom>
+          <a:solidFill>
+            <a:schemeClr val="accent4"/>
+          </a:solidFill>
+          <a:ln>
+            <a:noFill/>
+          </a:ln>
+        </p:spPr>
+        <p:style>
+          <a:lnRef idx="2">
+            <a:schemeClr val="accent1">
+              <a:shade val="50000"/>
+            </a:schemeClr>
+          </a:lnRef>
+          <a:fillRef idx="1">
+            <a:schemeClr val="accent1"/>
+          </a:fillRef>
+          <a:effectRef idx="0">
+            <a:schemeClr val="accent1"/>
+          </a:effectRef>
+          <a:fontRef idx="minor">
+            <a:schemeClr val="lt1"/>
+          </a:fontRef>
+        </p:style>
+        <p:txBody>
+          <a:bodyPr wrap="square" rtlCol="0" anchor="ctr">
+            <a:noAutofit/>
+          </a:bodyPr>
+          <a:lstStyle/>
+          <a:p>
+            <a:pPr algn="ctr"/>
+            <a:endParaRPr lang="en-US"/>
+          </a:p>
+        </p:txBody>
+      </p:sp>
+      <p:sp>
+        <p:nvSpPr>
+          <p:cNvPr id="13" name="Freeform: Shape 12">
+            <a:extLst>
+              <a:ext uri="{FF2B5EF4-FFF2-40B4-BE49-F238E27FC236}">
+                <a16:creationId xmlns:a16="http://schemas.microsoft.com/office/drawing/2014/main" id="{D18046FB-44EA-4FD8-A585-EA09A319B2D0}"/>
+              </a:ext>
+              <a:ext uri="{C183D7F6-B498-43B3-948B-1728B52AA6E4}">
+                <adec:decorative xmlns:adec="http://schemas.microsoft.com/office/drawing/2017/decorative" val="1"/>
+              </a:ext>
+            </a:extLst>
+          </p:cNvPr>
+          <p:cNvSpPr>
+            <a:spLocks noGrp="1" noRot="1" noChangeAspect="1" noMove="1" noResize="1" noEditPoints="1" noAdjustHandles="1" noChangeArrowheads="1" noChangeShapeType="1" noTextEdit="1"/>
+          </p:cNvSpPr>
+          <p:nvPr>
+            <p:extLst>
+              <p:ext uri="{386F3935-93C4-4BCD-93E2-E3B085C9AB24}">
+                <p16:designElem xmlns:p16="http://schemas.microsoft.com/office/powerpoint/2015/main" val="1"/>
+              </p:ext>
+            </p:extLst>
+          </p:nvPr>
+        </p:nvSpPr>
+        <p:spPr>
+          <a:xfrm>
+            <a:off x="1" y="1691640"/>
+            <a:ext cx="12191999" cy="5166360"/>
+          </a:xfrm>
+          <a:custGeom>
+            <a:avLst/>
+            <a:gdLst>
+              <a:gd name="connsiteX0" fmla="*/ 0 w 12191999"/>
+              <a:gd name="connsiteY0" fmla="*/ 0 h 5166360"/>
+              <a:gd name="connsiteX1" fmla="*/ 1822388 w 12191999"/>
+              <a:gd name="connsiteY1" fmla="*/ 0 h 5166360"/>
+              <a:gd name="connsiteX2" fmla="*/ 6468290 w 12191999"/>
+              <a:gd name="connsiteY2" fmla="*/ 0 h 5166360"/>
+              <a:gd name="connsiteX3" fmla="*/ 7796394 w 12191999"/>
+              <a:gd name="connsiteY3" fmla="*/ 0 h 5166360"/>
+              <a:gd name="connsiteX4" fmla="*/ 8376834 w 12191999"/>
+              <a:gd name="connsiteY4" fmla="*/ 0 h 5166360"/>
+              <a:gd name="connsiteX5" fmla="*/ 9704938 w 12191999"/>
+              <a:gd name="connsiteY5" fmla="*/ 0 h 5166360"/>
+              <a:gd name="connsiteX6" fmla="*/ 9704938 w 12191999"/>
+              <a:gd name="connsiteY6" fmla="*/ 2 h 5166360"/>
+              <a:gd name="connsiteX7" fmla="*/ 10283456 w 12191999"/>
+              <a:gd name="connsiteY7" fmla="*/ 2 h 5166360"/>
+              <a:gd name="connsiteX8" fmla="*/ 10863897 w 12191999"/>
+              <a:gd name="connsiteY8" fmla="*/ 2 h 5166360"/>
+              <a:gd name="connsiteX9" fmla="*/ 12191999 w 12191999"/>
+              <a:gd name="connsiteY9" fmla="*/ 2 h 5166360"/>
+              <a:gd name="connsiteX10" fmla="*/ 12191999 w 12191999"/>
+              <a:gd name="connsiteY10" fmla="*/ 5166360 h 5166360"/>
+              <a:gd name="connsiteX11" fmla="*/ 0 w 12191999"/>
+              <a:gd name="connsiteY11" fmla="*/ 5166360 h 5166360"/>
+              <a:gd name="connsiteX12" fmla="*/ 0 w 12191999"/>
+              <a:gd name="connsiteY12" fmla="*/ 2604436 h 5166360"/>
+              <a:gd name="connsiteX13" fmla="*/ 862341 w 12191999"/>
+              <a:gd name="connsiteY13" fmla="*/ 743371 h 5166360"/>
+              <a:gd name="connsiteX14" fmla="*/ 0 w 12191999"/>
+              <a:gd name="connsiteY14" fmla="*/ 743371 h 5166360"/>
+              <a:gd name="connsiteX15" fmla="*/ 0 w 12191999"/>
+              <a:gd name="connsiteY15" fmla="*/ 742508 h 5166360"/>
+              <a:gd name="connsiteX16" fmla="*/ 92826 w 12191999"/>
+              <a:gd name="connsiteY16" fmla="*/ 742508 h 5166360"/>
+              <a:gd name="connsiteX17" fmla="*/ 406486 w 12191999"/>
+              <a:gd name="connsiteY17" fmla="*/ 742508 h 5166360"/>
+              <a:gd name="connsiteX18" fmla="*/ 406486 w 12191999"/>
+              <a:gd name="connsiteY18" fmla="*/ 742507 h 5166360"/>
+              <a:gd name="connsiteX19" fmla="*/ 862741 w 12191999"/>
+              <a:gd name="connsiteY19" fmla="*/ 742507 h 5166360"/>
+              <a:gd name="connsiteX20" fmla="*/ 1206388 w 12191999"/>
+              <a:gd name="connsiteY20" fmla="*/ 864 h 5166360"/>
+              <a:gd name="connsiteX21" fmla="*/ 748500 w 12191999"/>
+              <a:gd name="connsiteY21" fmla="*/ 864 h 5166360"/>
+              <a:gd name="connsiteX22" fmla="*/ 0 w 12191999"/>
+              <a:gd name="connsiteY22" fmla="*/ 864 h 5166360"/>
+            </a:gdLst>
+            <a:ahLst/>
+            <a:cxnLst>
+              <a:cxn ang="0">
+                <a:pos x="connsiteX0" y="connsiteY0"/>
+              </a:cxn>
+              <a:cxn ang="0">
+                <a:pos x="connsiteX1" y="connsiteY1"/>
+              </a:cxn>
+              <a:cxn ang="0">
+                <a:pos x="connsiteX2" y="connsiteY2"/>
+              </a:cxn>
+              <a:cxn ang="0">
+                <a:pos x="connsiteX3" y="connsiteY3"/>
+              </a:cxn>
+              <a:cxn ang="0">
+                <a:pos x="connsiteX4" y="connsiteY4"/>
+              </a:cxn>
+              <a:cxn ang="0">
+                <a:pos x="connsiteX5" y="connsiteY5"/>
+              </a:cxn>
+              <a:cxn ang="0">
+                <a:pos x="connsiteX6" y="connsiteY6"/>
+              </a:cxn>
+              <a:cxn ang="0">
+                <a:pos x="connsiteX7" y="connsiteY7"/>
+              </a:cxn>
+              <a:cxn ang="0">
+                <a:pos x="connsiteX8" y="connsiteY8"/>
+              </a:cxn>
+              <a:cxn ang="0">
+                <a:pos x="connsiteX9" y="connsiteY9"/>
+              </a:cxn>
+              <a:cxn ang="0">
+                <a:pos x="connsiteX10" y="connsiteY10"/>
+              </a:cxn>
+              <a:cxn ang="0">
+                <a:pos x="connsiteX11" y="connsiteY11"/>
+              </a:cxn>
+              <a:cxn ang="0">
+                <a:pos x="connsiteX12" y="connsiteY12"/>
+              </a:cxn>
+              <a:cxn ang="0">
+                <a:pos x="connsiteX13" y="connsiteY13"/>
+              </a:cxn>
+              <a:cxn ang="0">
+                <a:pos x="connsiteX14" y="connsiteY14"/>
+              </a:cxn>
+              <a:cxn ang="0">
+                <a:pos x="connsiteX15" y="connsiteY15"/>
+              </a:cxn>
+              <a:cxn ang="0">
+                <a:pos x="connsiteX16" y="connsiteY16"/>
+              </a:cxn>
+              <a:cxn ang="0">
+                <a:pos x="connsiteX17" y="connsiteY17"/>
+              </a:cxn>
+              <a:cxn ang="0">
+                <a:pos x="connsiteX18" y="connsiteY18"/>
+              </a:cxn>
+              <a:cxn ang="0">
+                <a:pos x="connsiteX19" y="connsiteY19"/>
+              </a:cxn>
+              <a:cxn ang="0">
+                <a:pos x="connsiteX20" y="connsiteY20"/>
+              </a:cxn>
+              <a:cxn ang="0">
+                <a:pos x="connsiteX21" y="connsiteY21"/>
+              </a:cxn>
+              <a:cxn ang="0">
+                <a:pos x="connsiteX22" y="connsiteY22"/>
+              </a:cxn>
+            </a:cxnLst>
+            <a:rect l="l" t="t" r="r" b="b"/>
+            <a:pathLst>
+              <a:path w="12191999" h="5166360">
+                <a:moveTo>
+                  <a:pt x="0" y="0"/>
+                </a:moveTo>
+                <a:lnTo>
+                  <a:pt x="1822388" y="0"/>
+                </a:lnTo>
+                <a:lnTo>
+                  <a:pt x="6468290" y="0"/>
+                </a:lnTo>
+                <a:lnTo>
+                  <a:pt x="7796394" y="0"/>
+                </a:lnTo>
+                <a:lnTo>
+                  <a:pt x="8376834" y="0"/>
+                </a:lnTo>
+                <a:lnTo>
+                  <a:pt x="9704938" y="0"/>
+                </a:lnTo>
+                <a:lnTo>
+                  <a:pt x="9704938" y="2"/>
+                </a:lnTo>
+                <a:lnTo>
+                  <a:pt x="10283456" y="2"/>
+                </a:lnTo>
+                <a:lnTo>
+                  <a:pt x="10863897" y="2"/>
+                </a:lnTo>
+                <a:lnTo>
+                  <a:pt x="12191999" y="2"/>
+                </a:lnTo>
+                <a:lnTo>
+                  <a:pt x="12191999" y="5166360"/>
+                </a:lnTo>
+                <a:lnTo>
+                  <a:pt x="0" y="5166360"/>
+                </a:lnTo>
+                <a:lnTo>
+                  <a:pt x="0" y="2604436"/>
+                </a:lnTo>
+                <a:lnTo>
+                  <a:pt x="862341" y="743371"/>
+                </a:lnTo>
+                <a:lnTo>
+                  <a:pt x="0" y="743371"/>
+                </a:lnTo>
+                <a:lnTo>
+                  <a:pt x="0" y="742508"/>
+                </a:lnTo>
+                <a:lnTo>
+                  <a:pt x="92826" y="742508"/>
+                </a:lnTo>
+                <a:lnTo>
+                  <a:pt x="406486" y="742508"/>
+                </a:lnTo>
+                <a:lnTo>
+                  <a:pt x="406486" y="742507"/>
+                </a:lnTo>
+                <a:lnTo>
+                  <a:pt x="862741" y="742507"/>
+                </a:lnTo>
+                <a:lnTo>
+                  <a:pt x="1206388" y="864"/>
+                </a:lnTo>
+                <a:lnTo>
+                  <a:pt x="748500" y="864"/>
+                </a:lnTo>
+                <a:lnTo>
+                  <a:pt x="0" y="864"/>
+                </a:lnTo>
+                <a:close/>
+              </a:path>
+            </a:pathLst>
+          </a:custGeom>
+          <a:solidFill>
+            <a:srgbClr val="A6A6A6">
+              <a:alpha val="49804"/>
+            </a:srgbClr>
+          </a:solidFill>
+          <a:ln>
+            <a:noFill/>
+          </a:ln>
+        </p:spPr>
+        <p:style>
+          <a:lnRef idx="2">
+            <a:schemeClr val="accent1">
+              <a:shade val="50000"/>
+            </a:schemeClr>
+          </a:lnRef>
+          <a:fillRef idx="1">
+            <a:schemeClr val="accent1"/>
+          </a:fillRef>
+          <a:effectRef idx="0">
+            <a:schemeClr val="accent1"/>
+          </a:effectRef>
+          <a:fontRef idx="minor">
+            <a:schemeClr val="lt1"/>
+          </a:fontRef>
+        </p:style>
+        <p:txBody>
+          <a:bodyPr wrap="square" rtlCol="0" anchor="ctr">
+            <a:noAutofit/>
+          </a:bodyPr>
+          <a:lstStyle/>
+          <a:p>
+            <a:pPr algn="ctr"/>
+            <a:endParaRPr lang="en-US"/>
+          </a:p>
+        </p:txBody>
+      </p:sp>
+      <p:sp>
+        <p:nvSpPr>
+          <p:cNvPr id="15" name="Freeform: Shape 14">
+            <a:extLst>
+              <a:ext uri="{FF2B5EF4-FFF2-40B4-BE49-F238E27FC236}">
+                <a16:creationId xmlns:a16="http://schemas.microsoft.com/office/drawing/2014/main" id="{479F5F2B-8B58-4140-AE6A-51F6C67B18D9}"/>
+              </a:ext>
+              <a:ext uri="{C183D7F6-B498-43B3-948B-1728B52AA6E4}">
+                <adec:decorative xmlns:adec="http://schemas.microsoft.com/office/drawing/2017/decorative" val="1"/>
+              </a:ext>
+            </a:extLst>
+          </p:cNvPr>
+          <p:cNvSpPr>
+            <a:spLocks noGrp="1" noRot="1" noChangeAspect="1" noMove="1" noResize="1" noEditPoints="1" noAdjustHandles="1" noChangeArrowheads="1" noChangeShapeType="1" noTextEdit="1"/>
+          </p:cNvSpPr>
+          <p:nvPr>
+            <p:extLst>
+              <p:ext uri="{386F3935-93C4-4BCD-93E2-E3B085C9AB24}">
+                <p16:designElem xmlns:p16="http://schemas.microsoft.com/office/powerpoint/2015/main" val="1"/>
+              </p:ext>
+            </p:extLst>
+          </p:nvPr>
+        </p:nvSpPr>
+        <p:spPr>
+          <a:xfrm>
+            <a:off x="0" y="1691641"/>
+            <a:ext cx="971654" cy="2096979"/>
+          </a:xfrm>
+          <a:custGeom>
+            <a:avLst/>
+            <a:gdLst>
+              <a:gd name="connsiteX0" fmla="*/ 0 w 971654"/>
+              <a:gd name="connsiteY0" fmla="*/ 0 h 2096979"/>
+              <a:gd name="connsiteX1" fmla="*/ 971654 w 971654"/>
+              <a:gd name="connsiteY1" fmla="*/ 0 h 2096979"/>
+              <a:gd name="connsiteX2" fmla="*/ 0 w 971654"/>
+              <a:gd name="connsiteY2" fmla="*/ 2096979 h 2096979"/>
+            </a:gdLst>
+            <a:ahLst/>
+            <a:cxnLst>
+              <a:cxn ang="0">
+                <a:pos x="connsiteX0" y="connsiteY0"/>
+              </a:cxn>
+              <a:cxn ang="0">
+                <a:pos x="connsiteX1" y="connsiteY1"/>
+              </a:cxn>
+              <a:cxn ang="0">
+                <a:pos x="connsiteX2" y="connsiteY2"/>
+              </a:cxn>
+            </a:cxnLst>
+            <a:rect l="l" t="t" r="r" b="b"/>
+            <a:pathLst>
+              <a:path w="971654" h="2096979">
+                <a:moveTo>
+                  <a:pt x="0" y="0"/>
+                </a:moveTo>
+                <a:lnTo>
+                  <a:pt x="971654" y="0"/>
+                </a:lnTo>
+                <a:lnTo>
+                  <a:pt x="0" y="2096979"/>
+                </a:lnTo>
+                <a:close/>
+              </a:path>
+            </a:pathLst>
+          </a:custGeom>
+          <a:solidFill>
+            <a:srgbClr val="404040"/>
+          </a:solidFill>
+          <a:ln>
+            <a:noFill/>
+          </a:ln>
+        </p:spPr>
+        <p:style>
+          <a:lnRef idx="2">
+            <a:schemeClr val="accent1">
+              <a:shade val="50000"/>
+            </a:schemeClr>
+          </a:lnRef>
+          <a:fillRef idx="1">
+            <a:schemeClr val="accent1"/>
+          </a:fillRef>
+          <a:effectRef idx="0">
+            <a:schemeClr val="accent1"/>
+          </a:effectRef>
+          <a:fontRef idx="minor">
+            <a:schemeClr val="lt1"/>
+          </a:fontRef>
+        </p:style>
+        <p:txBody>
+          <a:bodyPr wrap="square" rtlCol="0" anchor="ctr">
+            <a:noAutofit/>
+          </a:bodyPr>
+          <a:lstStyle/>
+          <a:p>
+            <a:pPr algn="ctr"/>
+            <a:endParaRPr lang="en-US"/>
           </a:p>
         </p:txBody>
       </p:sp>
     </p:spTree>
     <p:extLst>
       <p:ext uri="{BB962C8B-B14F-4D97-AF65-F5344CB8AC3E}">
-        <p14:creationId xmlns:p14="http://schemas.microsoft.com/office/powerpoint/2010/main" val="2222069201"/>
+        <p14:creationId xmlns:p14="http://schemas.microsoft.com/office/powerpoint/2010/main" val="4126314215"/>
       </p:ext>
     </p:extLst>
   </p:cSld>
@@ -4952,6 +6509,14 @@
 <file path=ppt/slides/slide5.xml><?xml version="1.0" encoding="utf-8"?>
 <p:sld xmlns:a="http://schemas.openxmlformats.org/drawingml/2006/main" xmlns:r="http://schemas.openxmlformats.org/officeDocument/2006/relationships" xmlns:p="http://schemas.openxmlformats.org/presentationml/2006/main">
   <p:cSld>
+    <p:bg>
+      <p:bgPr>
+        <a:solidFill>
+          <a:schemeClr val="bg1"/>
+        </a:solidFill>
+        <a:effectLst/>
+      </p:bgPr>
+    </p:bg>
     <p:spTree>
       <p:nvGrpSpPr>
         <p:cNvPr id="1" name=""/>
@@ -4990,37 +6555,518 @@
         </p:spPr>
         <p:txBody>
           <a:bodyPr vert="horz" lIns="91440" tIns="45720" rIns="91440" bIns="45720" rtlCol="0" anchor="ctr">
-            <a:normAutofit/>
+            <a:normAutofit fontScale="90000"/>
           </a:bodyPr>
           <a:lstStyle/>
           <a:p>
             <a:r>
-              <a:rPr lang="de-DE" altLang="zh-CN" sz="4400" b="1" dirty="0"/>
+              <a:rPr lang="en-US" sz="4400" dirty="0">
+                <a:solidFill>
+                  <a:schemeClr val="bg1"/>
+                </a:solidFill>
+              </a:rPr>
+              <a:t>How to predict the default of a borrower?</a:t>
+            </a:r>
+            <a:br>
+              <a:rPr lang="de-DE" sz="4400" dirty="0">
+                <a:solidFill>
+                  <a:schemeClr val="bg1"/>
+                </a:solidFill>
+              </a:rPr>
+            </a:br>
+            <a:r>
+              <a:rPr lang="de-DE" sz="4400" dirty="0"/>
               <a:t>Who will </a:t>
             </a:r>
             <a:r>
-              <a:rPr lang="de-DE" altLang="zh-CN" sz="4400" b="1" dirty="0" err="1"/>
+              <a:rPr lang="de-DE" sz="4400" dirty="0" err="1"/>
               <a:t>default</a:t>
             </a:r>
             <a:r>
-              <a:rPr lang="de-DE" altLang="zh-CN" sz="4400" b="1" dirty="0"/>
+              <a:rPr lang="de-DE" sz="4400" dirty="0"/>
               <a:t>?</a:t>
             </a:r>
-            <a:endParaRPr lang="en-US" altLang="zh-CN" sz="4400" b="1" kern="1200" dirty="0">
-              <a:solidFill>
-                <a:schemeClr val="tx1"/>
-              </a:solidFill>
-              <a:latin typeface="+mj-lt"/>
-              <a:ea typeface="+mj-ea"/>
-              <a:cs typeface="+mj-cs"/>
-            </a:endParaRPr>
+            <a:br>
+              <a:rPr lang="de-DE" sz="4400" dirty="0"/>
+            </a:br>
+            <a:endParaRPr lang="de-DE" sz="4400" dirty="0"/>
+          </a:p>
+        </p:txBody>
+      </p:sp>
+      <p:sp>
+        <p:nvSpPr>
+          <p:cNvPr id="11" name="Freeform: Shape 10">
+            <a:extLst>
+              <a:ext uri="{FF2B5EF4-FFF2-40B4-BE49-F238E27FC236}">
+                <a16:creationId xmlns:a16="http://schemas.microsoft.com/office/drawing/2014/main" id="{7CB4857B-ED7C-444D-9F04-2F885114A1C2}"/>
+              </a:ext>
+              <a:ext uri="{C183D7F6-B498-43B3-948B-1728B52AA6E4}">
+                <adec:decorative xmlns:adec="http://schemas.microsoft.com/office/drawing/2017/decorative" val="1"/>
+              </a:ext>
+            </a:extLst>
+          </p:cNvPr>
+          <p:cNvSpPr>
+            <a:spLocks noGrp="1" noRot="1" noChangeAspect="1" noMove="1" noResize="1" noEditPoints="1" noAdjustHandles="1" noChangeArrowheads="1" noChangeShapeType="1" noTextEdit="1"/>
+          </p:cNvSpPr>
+          <p:nvPr>
+            <p:extLst>
+              <p:ext uri="{386F3935-93C4-4BCD-93E2-E3B085C9AB24}">
+                <p16:designElem xmlns:p16="http://schemas.microsoft.com/office/powerpoint/2015/main" val="1"/>
+              </p:ext>
+            </p:extLst>
+          </p:nvPr>
+        </p:nvSpPr>
+        <p:spPr>
+          <a:xfrm>
+            <a:off x="1" y="0"/>
+            <a:ext cx="1764099" cy="1558212"/>
+          </a:xfrm>
+          <a:custGeom>
+            <a:avLst/>
+            <a:gdLst>
+              <a:gd name="connsiteX0" fmla="*/ 0 w 1764099"/>
+              <a:gd name="connsiteY0" fmla="*/ 0 h 1558212"/>
+              <a:gd name="connsiteX1" fmla="*/ 1764099 w 1764099"/>
+              <a:gd name="connsiteY1" fmla="*/ 0 h 1558212"/>
+              <a:gd name="connsiteX2" fmla="*/ 1042087 w 1764099"/>
+              <a:gd name="connsiteY2" fmla="*/ 1558212 h 1558212"/>
+              <a:gd name="connsiteX3" fmla="*/ 0 w 1764099"/>
+              <a:gd name="connsiteY3" fmla="*/ 1558212 h 1558212"/>
+            </a:gdLst>
+            <a:ahLst/>
+            <a:cxnLst>
+              <a:cxn ang="0">
+                <a:pos x="connsiteX0" y="connsiteY0"/>
+              </a:cxn>
+              <a:cxn ang="0">
+                <a:pos x="connsiteX1" y="connsiteY1"/>
+              </a:cxn>
+              <a:cxn ang="0">
+                <a:pos x="connsiteX2" y="connsiteY2"/>
+              </a:cxn>
+              <a:cxn ang="0">
+                <a:pos x="connsiteX3" y="connsiteY3"/>
+              </a:cxn>
+            </a:cxnLst>
+            <a:rect l="l" t="t" r="r" b="b"/>
+            <a:pathLst>
+              <a:path w="1764099" h="1558212">
+                <a:moveTo>
+                  <a:pt x="0" y="0"/>
+                </a:moveTo>
+                <a:lnTo>
+                  <a:pt x="1764099" y="0"/>
+                </a:lnTo>
+                <a:lnTo>
+                  <a:pt x="1042087" y="1558212"/>
+                </a:lnTo>
+                <a:lnTo>
+                  <a:pt x="0" y="1558212"/>
+                </a:lnTo>
+                <a:close/>
+              </a:path>
+            </a:pathLst>
+          </a:custGeom>
+          <a:solidFill>
+            <a:schemeClr val="accent4"/>
+          </a:solidFill>
+          <a:ln>
+            <a:noFill/>
+          </a:ln>
+        </p:spPr>
+        <p:style>
+          <a:lnRef idx="2">
+            <a:schemeClr val="accent1">
+              <a:shade val="50000"/>
+            </a:schemeClr>
+          </a:lnRef>
+          <a:fillRef idx="1">
+            <a:schemeClr val="accent1"/>
+          </a:fillRef>
+          <a:effectRef idx="0">
+            <a:schemeClr val="accent1"/>
+          </a:effectRef>
+          <a:fontRef idx="minor">
+            <a:schemeClr val="lt1"/>
+          </a:fontRef>
+        </p:style>
+        <p:txBody>
+          <a:bodyPr wrap="square" rtlCol="0" anchor="ctr">
+            <a:noAutofit/>
+          </a:bodyPr>
+          <a:lstStyle/>
+          <a:p>
+            <a:pPr algn="ctr"/>
+            <a:endParaRPr lang="en-US"/>
+          </a:p>
+        </p:txBody>
+      </p:sp>
+      <p:sp>
+        <p:nvSpPr>
+          <p:cNvPr id="13" name="Freeform: Shape 12">
+            <a:extLst>
+              <a:ext uri="{FF2B5EF4-FFF2-40B4-BE49-F238E27FC236}">
+                <a16:creationId xmlns:a16="http://schemas.microsoft.com/office/drawing/2014/main" id="{D18046FB-44EA-4FD8-A585-EA09A319B2D0}"/>
+              </a:ext>
+              <a:ext uri="{C183D7F6-B498-43B3-948B-1728B52AA6E4}">
+                <adec:decorative xmlns:adec="http://schemas.microsoft.com/office/drawing/2017/decorative" val="1"/>
+              </a:ext>
+            </a:extLst>
+          </p:cNvPr>
+          <p:cNvSpPr>
+            <a:spLocks noGrp="1" noRot="1" noChangeAspect="1" noMove="1" noResize="1" noEditPoints="1" noAdjustHandles="1" noChangeArrowheads="1" noChangeShapeType="1" noTextEdit="1"/>
+          </p:cNvSpPr>
+          <p:nvPr>
+            <p:extLst>
+              <p:ext uri="{386F3935-93C4-4BCD-93E2-E3B085C9AB24}">
+                <p16:designElem xmlns:p16="http://schemas.microsoft.com/office/powerpoint/2015/main" val="1"/>
+              </p:ext>
+            </p:extLst>
+          </p:nvPr>
+        </p:nvSpPr>
+        <p:spPr>
+          <a:xfrm>
+            <a:off x="1" y="1691640"/>
+            <a:ext cx="12191999" cy="5166360"/>
+          </a:xfrm>
+          <a:custGeom>
+            <a:avLst/>
+            <a:gdLst>
+              <a:gd name="connsiteX0" fmla="*/ 0 w 12191999"/>
+              <a:gd name="connsiteY0" fmla="*/ 0 h 5166360"/>
+              <a:gd name="connsiteX1" fmla="*/ 1822388 w 12191999"/>
+              <a:gd name="connsiteY1" fmla="*/ 0 h 5166360"/>
+              <a:gd name="connsiteX2" fmla="*/ 6468290 w 12191999"/>
+              <a:gd name="connsiteY2" fmla="*/ 0 h 5166360"/>
+              <a:gd name="connsiteX3" fmla="*/ 7796394 w 12191999"/>
+              <a:gd name="connsiteY3" fmla="*/ 0 h 5166360"/>
+              <a:gd name="connsiteX4" fmla="*/ 8376834 w 12191999"/>
+              <a:gd name="connsiteY4" fmla="*/ 0 h 5166360"/>
+              <a:gd name="connsiteX5" fmla="*/ 9704938 w 12191999"/>
+              <a:gd name="connsiteY5" fmla="*/ 0 h 5166360"/>
+              <a:gd name="connsiteX6" fmla="*/ 9704938 w 12191999"/>
+              <a:gd name="connsiteY6" fmla="*/ 2 h 5166360"/>
+              <a:gd name="connsiteX7" fmla="*/ 10283456 w 12191999"/>
+              <a:gd name="connsiteY7" fmla="*/ 2 h 5166360"/>
+              <a:gd name="connsiteX8" fmla="*/ 10863897 w 12191999"/>
+              <a:gd name="connsiteY8" fmla="*/ 2 h 5166360"/>
+              <a:gd name="connsiteX9" fmla="*/ 12191999 w 12191999"/>
+              <a:gd name="connsiteY9" fmla="*/ 2 h 5166360"/>
+              <a:gd name="connsiteX10" fmla="*/ 12191999 w 12191999"/>
+              <a:gd name="connsiteY10" fmla="*/ 5166360 h 5166360"/>
+              <a:gd name="connsiteX11" fmla="*/ 0 w 12191999"/>
+              <a:gd name="connsiteY11" fmla="*/ 5166360 h 5166360"/>
+              <a:gd name="connsiteX12" fmla="*/ 0 w 12191999"/>
+              <a:gd name="connsiteY12" fmla="*/ 2604436 h 5166360"/>
+              <a:gd name="connsiteX13" fmla="*/ 862341 w 12191999"/>
+              <a:gd name="connsiteY13" fmla="*/ 743371 h 5166360"/>
+              <a:gd name="connsiteX14" fmla="*/ 0 w 12191999"/>
+              <a:gd name="connsiteY14" fmla="*/ 743371 h 5166360"/>
+              <a:gd name="connsiteX15" fmla="*/ 0 w 12191999"/>
+              <a:gd name="connsiteY15" fmla="*/ 742508 h 5166360"/>
+              <a:gd name="connsiteX16" fmla="*/ 92826 w 12191999"/>
+              <a:gd name="connsiteY16" fmla="*/ 742508 h 5166360"/>
+              <a:gd name="connsiteX17" fmla="*/ 406486 w 12191999"/>
+              <a:gd name="connsiteY17" fmla="*/ 742508 h 5166360"/>
+              <a:gd name="connsiteX18" fmla="*/ 406486 w 12191999"/>
+              <a:gd name="connsiteY18" fmla="*/ 742507 h 5166360"/>
+              <a:gd name="connsiteX19" fmla="*/ 862741 w 12191999"/>
+              <a:gd name="connsiteY19" fmla="*/ 742507 h 5166360"/>
+              <a:gd name="connsiteX20" fmla="*/ 1206388 w 12191999"/>
+              <a:gd name="connsiteY20" fmla="*/ 864 h 5166360"/>
+              <a:gd name="connsiteX21" fmla="*/ 748500 w 12191999"/>
+              <a:gd name="connsiteY21" fmla="*/ 864 h 5166360"/>
+              <a:gd name="connsiteX22" fmla="*/ 0 w 12191999"/>
+              <a:gd name="connsiteY22" fmla="*/ 864 h 5166360"/>
+            </a:gdLst>
+            <a:ahLst/>
+            <a:cxnLst>
+              <a:cxn ang="0">
+                <a:pos x="connsiteX0" y="connsiteY0"/>
+              </a:cxn>
+              <a:cxn ang="0">
+                <a:pos x="connsiteX1" y="connsiteY1"/>
+              </a:cxn>
+              <a:cxn ang="0">
+                <a:pos x="connsiteX2" y="connsiteY2"/>
+              </a:cxn>
+              <a:cxn ang="0">
+                <a:pos x="connsiteX3" y="connsiteY3"/>
+              </a:cxn>
+              <a:cxn ang="0">
+                <a:pos x="connsiteX4" y="connsiteY4"/>
+              </a:cxn>
+              <a:cxn ang="0">
+                <a:pos x="connsiteX5" y="connsiteY5"/>
+              </a:cxn>
+              <a:cxn ang="0">
+                <a:pos x="connsiteX6" y="connsiteY6"/>
+              </a:cxn>
+              <a:cxn ang="0">
+                <a:pos x="connsiteX7" y="connsiteY7"/>
+              </a:cxn>
+              <a:cxn ang="0">
+                <a:pos x="connsiteX8" y="connsiteY8"/>
+              </a:cxn>
+              <a:cxn ang="0">
+                <a:pos x="connsiteX9" y="connsiteY9"/>
+              </a:cxn>
+              <a:cxn ang="0">
+                <a:pos x="connsiteX10" y="connsiteY10"/>
+              </a:cxn>
+              <a:cxn ang="0">
+                <a:pos x="connsiteX11" y="connsiteY11"/>
+              </a:cxn>
+              <a:cxn ang="0">
+                <a:pos x="connsiteX12" y="connsiteY12"/>
+              </a:cxn>
+              <a:cxn ang="0">
+                <a:pos x="connsiteX13" y="connsiteY13"/>
+              </a:cxn>
+              <a:cxn ang="0">
+                <a:pos x="connsiteX14" y="connsiteY14"/>
+              </a:cxn>
+              <a:cxn ang="0">
+                <a:pos x="connsiteX15" y="connsiteY15"/>
+              </a:cxn>
+              <a:cxn ang="0">
+                <a:pos x="connsiteX16" y="connsiteY16"/>
+              </a:cxn>
+              <a:cxn ang="0">
+                <a:pos x="connsiteX17" y="connsiteY17"/>
+              </a:cxn>
+              <a:cxn ang="0">
+                <a:pos x="connsiteX18" y="connsiteY18"/>
+              </a:cxn>
+              <a:cxn ang="0">
+                <a:pos x="connsiteX19" y="connsiteY19"/>
+              </a:cxn>
+              <a:cxn ang="0">
+                <a:pos x="connsiteX20" y="connsiteY20"/>
+              </a:cxn>
+              <a:cxn ang="0">
+                <a:pos x="connsiteX21" y="connsiteY21"/>
+              </a:cxn>
+              <a:cxn ang="0">
+                <a:pos x="connsiteX22" y="connsiteY22"/>
+              </a:cxn>
+            </a:cxnLst>
+            <a:rect l="l" t="t" r="r" b="b"/>
+            <a:pathLst>
+              <a:path w="12191999" h="5166360">
+                <a:moveTo>
+                  <a:pt x="0" y="0"/>
+                </a:moveTo>
+                <a:lnTo>
+                  <a:pt x="1822388" y="0"/>
+                </a:lnTo>
+                <a:lnTo>
+                  <a:pt x="6468290" y="0"/>
+                </a:lnTo>
+                <a:lnTo>
+                  <a:pt x="7796394" y="0"/>
+                </a:lnTo>
+                <a:lnTo>
+                  <a:pt x="8376834" y="0"/>
+                </a:lnTo>
+                <a:lnTo>
+                  <a:pt x="9704938" y="0"/>
+                </a:lnTo>
+                <a:lnTo>
+                  <a:pt x="9704938" y="2"/>
+                </a:lnTo>
+                <a:lnTo>
+                  <a:pt x="10283456" y="2"/>
+                </a:lnTo>
+                <a:lnTo>
+                  <a:pt x="10863897" y="2"/>
+                </a:lnTo>
+                <a:lnTo>
+                  <a:pt x="12191999" y="2"/>
+                </a:lnTo>
+                <a:lnTo>
+                  <a:pt x="12191999" y="5166360"/>
+                </a:lnTo>
+                <a:lnTo>
+                  <a:pt x="0" y="5166360"/>
+                </a:lnTo>
+                <a:lnTo>
+                  <a:pt x="0" y="2604436"/>
+                </a:lnTo>
+                <a:lnTo>
+                  <a:pt x="862341" y="743371"/>
+                </a:lnTo>
+                <a:lnTo>
+                  <a:pt x="0" y="743371"/>
+                </a:lnTo>
+                <a:lnTo>
+                  <a:pt x="0" y="742508"/>
+                </a:lnTo>
+                <a:lnTo>
+                  <a:pt x="92826" y="742508"/>
+                </a:lnTo>
+                <a:lnTo>
+                  <a:pt x="406486" y="742508"/>
+                </a:lnTo>
+                <a:lnTo>
+                  <a:pt x="406486" y="742507"/>
+                </a:lnTo>
+                <a:lnTo>
+                  <a:pt x="862741" y="742507"/>
+                </a:lnTo>
+                <a:lnTo>
+                  <a:pt x="1206388" y="864"/>
+                </a:lnTo>
+                <a:lnTo>
+                  <a:pt x="748500" y="864"/>
+                </a:lnTo>
+                <a:lnTo>
+                  <a:pt x="0" y="864"/>
+                </a:lnTo>
+                <a:close/>
+              </a:path>
+            </a:pathLst>
+          </a:custGeom>
+          <a:solidFill>
+            <a:srgbClr val="A6A6A6">
+              <a:alpha val="49804"/>
+            </a:srgbClr>
+          </a:solidFill>
+          <a:ln>
+            <a:noFill/>
+          </a:ln>
+        </p:spPr>
+        <p:style>
+          <a:lnRef idx="2">
+            <a:schemeClr val="accent1">
+              <a:shade val="50000"/>
+            </a:schemeClr>
+          </a:lnRef>
+          <a:fillRef idx="1">
+            <a:schemeClr val="accent1"/>
+          </a:fillRef>
+          <a:effectRef idx="0">
+            <a:schemeClr val="accent1"/>
+          </a:effectRef>
+          <a:fontRef idx="minor">
+            <a:schemeClr val="lt1"/>
+          </a:fontRef>
+        </p:style>
+        <p:txBody>
+          <a:bodyPr wrap="square" rtlCol="0" anchor="ctr">
+            <a:noAutofit/>
+          </a:bodyPr>
+          <a:lstStyle/>
+          <a:p>
+            <a:pPr algn="ctr"/>
+            <a:endParaRPr lang="en-US"/>
+          </a:p>
+        </p:txBody>
+      </p:sp>
+      <p:sp>
+        <p:nvSpPr>
+          <p:cNvPr id="15" name="Freeform: Shape 14">
+            <a:extLst>
+              <a:ext uri="{FF2B5EF4-FFF2-40B4-BE49-F238E27FC236}">
+                <a16:creationId xmlns:a16="http://schemas.microsoft.com/office/drawing/2014/main" id="{479F5F2B-8B58-4140-AE6A-51F6C67B18D9}"/>
+              </a:ext>
+              <a:ext uri="{C183D7F6-B498-43B3-948B-1728B52AA6E4}">
+                <adec:decorative xmlns:adec="http://schemas.microsoft.com/office/drawing/2017/decorative" val="1"/>
+              </a:ext>
+            </a:extLst>
+          </p:cNvPr>
+          <p:cNvSpPr>
+            <a:spLocks noGrp="1" noRot="1" noChangeAspect="1" noMove="1" noResize="1" noEditPoints="1" noAdjustHandles="1" noChangeArrowheads="1" noChangeShapeType="1" noTextEdit="1"/>
+          </p:cNvSpPr>
+          <p:nvPr>
+            <p:extLst>
+              <p:ext uri="{386F3935-93C4-4BCD-93E2-E3B085C9AB24}">
+                <p16:designElem xmlns:p16="http://schemas.microsoft.com/office/powerpoint/2015/main" val="1"/>
+              </p:ext>
+            </p:extLst>
+          </p:nvPr>
+        </p:nvSpPr>
+        <p:spPr>
+          <a:xfrm>
+            <a:off x="0" y="1691641"/>
+            <a:ext cx="971654" cy="2096979"/>
+          </a:xfrm>
+          <a:custGeom>
+            <a:avLst/>
+            <a:gdLst>
+              <a:gd name="connsiteX0" fmla="*/ 0 w 971654"/>
+              <a:gd name="connsiteY0" fmla="*/ 0 h 2096979"/>
+              <a:gd name="connsiteX1" fmla="*/ 971654 w 971654"/>
+              <a:gd name="connsiteY1" fmla="*/ 0 h 2096979"/>
+              <a:gd name="connsiteX2" fmla="*/ 0 w 971654"/>
+              <a:gd name="connsiteY2" fmla="*/ 2096979 h 2096979"/>
+            </a:gdLst>
+            <a:ahLst/>
+            <a:cxnLst>
+              <a:cxn ang="0">
+                <a:pos x="connsiteX0" y="connsiteY0"/>
+              </a:cxn>
+              <a:cxn ang="0">
+                <a:pos x="connsiteX1" y="connsiteY1"/>
+              </a:cxn>
+              <a:cxn ang="0">
+                <a:pos x="connsiteX2" y="connsiteY2"/>
+              </a:cxn>
+            </a:cxnLst>
+            <a:rect l="l" t="t" r="r" b="b"/>
+            <a:pathLst>
+              <a:path w="971654" h="2096979">
+                <a:moveTo>
+                  <a:pt x="0" y="0"/>
+                </a:moveTo>
+                <a:lnTo>
+                  <a:pt x="971654" y="0"/>
+                </a:lnTo>
+                <a:lnTo>
+                  <a:pt x="0" y="2096979"/>
+                </a:lnTo>
+                <a:close/>
+              </a:path>
+            </a:pathLst>
+          </a:custGeom>
+          <a:solidFill>
+            <a:srgbClr val="404040"/>
+          </a:solidFill>
+          <a:ln>
+            <a:noFill/>
+          </a:ln>
+        </p:spPr>
+        <p:style>
+          <a:lnRef idx="2">
+            <a:schemeClr val="accent1">
+              <a:shade val="50000"/>
+            </a:schemeClr>
+          </a:lnRef>
+          <a:fillRef idx="1">
+            <a:schemeClr val="accent1"/>
+          </a:fillRef>
+          <a:effectRef idx="0">
+            <a:schemeClr val="accent1"/>
+          </a:effectRef>
+          <a:fontRef idx="minor">
+            <a:schemeClr val="lt1"/>
+          </a:fontRef>
+        </p:style>
+        <p:txBody>
+          <a:bodyPr wrap="square" rtlCol="0" anchor="ctr">
+            <a:noAutofit/>
+          </a:bodyPr>
+          <a:lstStyle/>
+          <a:p>
+            <a:pPr algn="ctr"/>
+            <a:endParaRPr lang="en-US"/>
           </a:p>
         </p:txBody>
       </p:sp>
     </p:spTree>
     <p:extLst>
       <p:ext uri="{BB962C8B-B14F-4D97-AF65-F5344CB8AC3E}">
-        <p14:creationId xmlns:p14="http://schemas.microsoft.com/office/powerpoint/2010/main" val="1534785821"/>
+        <p14:creationId xmlns:p14="http://schemas.microsoft.com/office/powerpoint/2010/main" val="2294727082"/>
       </p:ext>
     </p:extLst>
   </p:cSld>
@@ -5033,6 +7079,14 @@
 <file path=ppt/slides/slide6.xml><?xml version="1.0" encoding="utf-8"?>
 <p:sld xmlns:a="http://schemas.openxmlformats.org/drawingml/2006/main" xmlns:r="http://schemas.openxmlformats.org/officeDocument/2006/relationships" xmlns:p="http://schemas.openxmlformats.org/presentationml/2006/main">
   <p:cSld>
+    <p:bg>
+      <p:bgPr>
+        <a:solidFill>
+          <a:schemeClr val="bg1"/>
+        </a:solidFill>
+        <a:effectLst/>
+      </p:bgPr>
+    </p:bg>
     <p:spTree>
       <p:nvGrpSpPr>
         <p:cNvPr id="1" name=""/>
@@ -5071,33 +7125,514 @@
         </p:spPr>
         <p:txBody>
           <a:bodyPr vert="horz" lIns="91440" tIns="45720" rIns="91440" bIns="45720" rtlCol="0" anchor="ctr">
-            <a:normAutofit/>
+            <a:normAutofit fontScale="90000"/>
           </a:bodyPr>
           <a:lstStyle/>
           <a:p>
             <a:r>
-              <a:rPr lang="de-DE" altLang="zh-CN" sz="4400" b="1" dirty="0"/>
+              <a:rPr lang="en-US" sz="4400" dirty="0">
+                <a:solidFill>
+                  <a:schemeClr val="bg1"/>
+                </a:solidFill>
+              </a:rPr>
+              <a:t>How to predict the default of a borrower?</a:t>
+            </a:r>
+            <a:br>
+              <a:rPr lang="de-DE" sz="4400" dirty="0">
+                <a:solidFill>
+                  <a:schemeClr val="bg1"/>
+                </a:solidFill>
+              </a:rPr>
+            </a:br>
+            <a:r>
+              <a:rPr lang="de-DE" sz="4400" dirty="0"/>
               <a:t>Default </a:t>
             </a:r>
             <a:r>
-              <a:rPr lang="de-DE" altLang="zh-CN" sz="4400" b="1" dirty="0" err="1"/>
+              <a:rPr lang="de-DE" sz="4400" dirty="0" err="1"/>
               <a:t>Prediction</a:t>
             </a:r>
-            <a:endParaRPr lang="en-US" altLang="zh-CN" sz="4400" b="1" kern="1200" dirty="0">
-              <a:solidFill>
-                <a:schemeClr val="tx1"/>
-              </a:solidFill>
-              <a:latin typeface="+mj-lt"/>
-              <a:ea typeface="+mj-ea"/>
-              <a:cs typeface="+mj-cs"/>
-            </a:endParaRPr>
+            <a:br>
+              <a:rPr lang="de-DE" sz="4400" dirty="0"/>
+            </a:br>
+            <a:endParaRPr lang="de-DE" sz="4400" dirty="0"/>
+          </a:p>
+        </p:txBody>
+      </p:sp>
+      <p:sp>
+        <p:nvSpPr>
+          <p:cNvPr id="11" name="Freeform: Shape 10">
+            <a:extLst>
+              <a:ext uri="{FF2B5EF4-FFF2-40B4-BE49-F238E27FC236}">
+                <a16:creationId xmlns:a16="http://schemas.microsoft.com/office/drawing/2014/main" id="{7CB4857B-ED7C-444D-9F04-2F885114A1C2}"/>
+              </a:ext>
+              <a:ext uri="{C183D7F6-B498-43B3-948B-1728B52AA6E4}">
+                <adec:decorative xmlns:adec="http://schemas.microsoft.com/office/drawing/2017/decorative" val="1"/>
+              </a:ext>
+            </a:extLst>
+          </p:cNvPr>
+          <p:cNvSpPr>
+            <a:spLocks noGrp="1" noRot="1" noChangeAspect="1" noMove="1" noResize="1" noEditPoints="1" noAdjustHandles="1" noChangeArrowheads="1" noChangeShapeType="1" noTextEdit="1"/>
+          </p:cNvSpPr>
+          <p:nvPr>
+            <p:extLst>
+              <p:ext uri="{386F3935-93C4-4BCD-93E2-E3B085C9AB24}">
+                <p16:designElem xmlns:p16="http://schemas.microsoft.com/office/powerpoint/2015/main" val="1"/>
+              </p:ext>
+            </p:extLst>
+          </p:nvPr>
+        </p:nvSpPr>
+        <p:spPr>
+          <a:xfrm>
+            <a:off x="1" y="0"/>
+            <a:ext cx="1764099" cy="1558212"/>
+          </a:xfrm>
+          <a:custGeom>
+            <a:avLst/>
+            <a:gdLst>
+              <a:gd name="connsiteX0" fmla="*/ 0 w 1764099"/>
+              <a:gd name="connsiteY0" fmla="*/ 0 h 1558212"/>
+              <a:gd name="connsiteX1" fmla="*/ 1764099 w 1764099"/>
+              <a:gd name="connsiteY1" fmla="*/ 0 h 1558212"/>
+              <a:gd name="connsiteX2" fmla="*/ 1042087 w 1764099"/>
+              <a:gd name="connsiteY2" fmla="*/ 1558212 h 1558212"/>
+              <a:gd name="connsiteX3" fmla="*/ 0 w 1764099"/>
+              <a:gd name="connsiteY3" fmla="*/ 1558212 h 1558212"/>
+            </a:gdLst>
+            <a:ahLst/>
+            <a:cxnLst>
+              <a:cxn ang="0">
+                <a:pos x="connsiteX0" y="connsiteY0"/>
+              </a:cxn>
+              <a:cxn ang="0">
+                <a:pos x="connsiteX1" y="connsiteY1"/>
+              </a:cxn>
+              <a:cxn ang="0">
+                <a:pos x="connsiteX2" y="connsiteY2"/>
+              </a:cxn>
+              <a:cxn ang="0">
+                <a:pos x="connsiteX3" y="connsiteY3"/>
+              </a:cxn>
+            </a:cxnLst>
+            <a:rect l="l" t="t" r="r" b="b"/>
+            <a:pathLst>
+              <a:path w="1764099" h="1558212">
+                <a:moveTo>
+                  <a:pt x="0" y="0"/>
+                </a:moveTo>
+                <a:lnTo>
+                  <a:pt x="1764099" y="0"/>
+                </a:lnTo>
+                <a:lnTo>
+                  <a:pt x="1042087" y="1558212"/>
+                </a:lnTo>
+                <a:lnTo>
+                  <a:pt x="0" y="1558212"/>
+                </a:lnTo>
+                <a:close/>
+              </a:path>
+            </a:pathLst>
+          </a:custGeom>
+          <a:solidFill>
+            <a:schemeClr val="accent4"/>
+          </a:solidFill>
+          <a:ln>
+            <a:noFill/>
+          </a:ln>
+        </p:spPr>
+        <p:style>
+          <a:lnRef idx="2">
+            <a:schemeClr val="accent1">
+              <a:shade val="50000"/>
+            </a:schemeClr>
+          </a:lnRef>
+          <a:fillRef idx="1">
+            <a:schemeClr val="accent1"/>
+          </a:fillRef>
+          <a:effectRef idx="0">
+            <a:schemeClr val="accent1"/>
+          </a:effectRef>
+          <a:fontRef idx="minor">
+            <a:schemeClr val="lt1"/>
+          </a:fontRef>
+        </p:style>
+        <p:txBody>
+          <a:bodyPr wrap="square" rtlCol="0" anchor="ctr">
+            <a:noAutofit/>
+          </a:bodyPr>
+          <a:lstStyle/>
+          <a:p>
+            <a:pPr algn="ctr"/>
+            <a:endParaRPr lang="en-US"/>
+          </a:p>
+        </p:txBody>
+      </p:sp>
+      <p:sp>
+        <p:nvSpPr>
+          <p:cNvPr id="13" name="Freeform: Shape 12">
+            <a:extLst>
+              <a:ext uri="{FF2B5EF4-FFF2-40B4-BE49-F238E27FC236}">
+                <a16:creationId xmlns:a16="http://schemas.microsoft.com/office/drawing/2014/main" id="{D18046FB-44EA-4FD8-A585-EA09A319B2D0}"/>
+              </a:ext>
+              <a:ext uri="{C183D7F6-B498-43B3-948B-1728B52AA6E4}">
+                <adec:decorative xmlns:adec="http://schemas.microsoft.com/office/drawing/2017/decorative" val="1"/>
+              </a:ext>
+            </a:extLst>
+          </p:cNvPr>
+          <p:cNvSpPr>
+            <a:spLocks noGrp="1" noRot="1" noChangeAspect="1" noMove="1" noResize="1" noEditPoints="1" noAdjustHandles="1" noChangeArrowheads="1" noChangeShapeType="1" noTextEdit="1"/>
+          </p:cNvSpPr>
+          <p:nvPr>
+            <p:extLst>
+              <p:ext uri="{386F3935-93C4-4BCD-93E2-E3B085C9AB24}">
+                <p16:designElem xmlns:p16="http://schemas.microsoft.com/office/powerpoint/2015/main" val="1"/>
+              </p:ext>
+            </p:extLst>
+          </p:nvPr>
+        </p:nvSpPr>
+        <p:spPr>
+          <a:xfrm>
+            <a:off x="1" y="1691640"/>
+            <a:ext cx="12191999" cy="5166360"/>
+          </a:xfrm>
+          <a:custGeom>
+            <a:avLst/>
+            <a:gdLst>
+              <a:gd name="connsiteX0" fmla="*/ 0 w 12191999"/>
+              <a:gd name="connsiteY0" fmla="*/ 0 h 5166360"/>
+              <a:gd name="connsiteX1" fmla="*/ 1822388 w 12191999"/>
+              <a:gd name="connsiteY1" fmla="*/ 0 h 5166360"/>
+              <a:gd name="connsiteX2" fmla="*/ 6468290 w 12191999"/>
+              <a:gd name="connsiteY2" fmla="*/ 0 h 5166360"/>
+              <a:gd name="connsiteX3" fmla="*/ 7796394 w 12191999"/>
+              <a:gd name="connsiteY3" fmla="*/ 0 h 5166360"/>
+              <a:gd name="connsiteX4" fmla="*/ 8376834 w 12191999"/>
+              <a:gd name="connsiteY4" fmla="*/ 0 h 5166360"/>
+              <a:gd name="connsiteX5" fmla="*/ 9704938 w 12191999"/>
+              <a:gd name="connsiteY5" fmla="*/ 0 h 5166360"/>
+              <a:gd name="connsiteX6" fmla="*/ 9704938 w 12191999"/>
+              <a:gd name="connsiteY6" fmla="*/ 2 h 5166360"/>
+              <a:gd name="connsiteX7" fmla="*/ 10283456 w 12191999"/>
+              <a:gd name="connsiteY7" fmla="*/ 2 h 5166360"/>
+              <a:gd name="connsiteX8" fmla="*/ 10863897 w 12191999"/>
+              <a:gd name="connsiteY8" fmla="*/ 2 h 5166360"/>
+              <a:gd name="connsiteX9" fmla="*/ 12191999 w 12191999"/>
+              <a:gd name="connsiteY9" fmla="*/ 2 h 5166360"/>
+              <a:gd name="connsiteX10" fmla="*/ 12191999 w 12191999"/>
+              <a:gd name="connsiteY10" fmla="*/ 5166360 h 5166360"/>
+              <a:gd name="connsiteX11" fmla="*/ 0 w 12191999"/>
+              <a:gd name="connsiteY11" fmla="*/ 5166360 h 5166360"/>
+              <a:gd name="connsiteX12" fmla="*/ 0 w 12191999"/>
+              <a:gd name="connsiteY12" fmla="*/ 2604436 h 5166360"/>
+              <a:gd name="connsiteX13" fmla="*/ 862341 w 12191999"/>
+              <a:gd name="connsiteY13" fmla="*/ 743371 h 5166360"/>
+              <a:gd name="connsiteX14" fmla="*/ 0 w 12191999"/>
+              <a:gd name="connsiteY14" fmla="*/ 743371 h 5166360"/>
+              <a:gd name="connsiteX15" fmla="*/ 0 w 12191999"/>
+              <a:gd name="connsiteY15" fmla="*/ 742508 h 5166360"/>
+              <a:gd name="connsiteX16" fmla="*/ 92826 w 12191999"/>
+              <a:gd name="connsiteY16" fmla="*/ 742508 h 5166360"/>
+              <a:gd name="connsiteX17" fmla="*/ 406486 w 12191999"/>
+              <a:gd name="connsiteY17" fmla="*/ 742508 h 5166360"/>
+              <a:gd name="connsiteX18" fmla="*/ 406486 w 12191999"/>
+              <a:gd name="connsiteY18" fmla="*/ 742507 h 5166360"/>
+              <a:gd name="connsiteX19" fmla="*/ 862741 w 12191999"/>
+              <a:gd name="connsiteY19" fmla="*/ 742507 h 5166360"/>
+              <a:gd name="connsiteX20" fmla="*/ 1206388 w 12191999"/>
+              <a:gd name="connsiteY20" fmla="*/ 864 h 5166360"/>
+              <a:gd name="connsiteX21" fmla="*/ 748500 w 12191999"/>
+              <a:gd name="connsiteY21" fmla="*/ 864 h 5166360"/>
+              <a:gd name="connsiteX22" fmla="*/ 0 w 12191999"/>
+              <a:gd name="connsiteY22" fmla="*/ 864 h 5166360"/>
+            </a:gdLst>
+            <a:ahLst/>
+            <a:cxnLst>
+              <a:cxn ang="0">
+                <a:pos x="connsiteX0" y="connsiteY0"/>
+              </a:cxn>
+              <a:cxn ang="0">
+                <a:pos x="connsiteX1" y="connsiteY1"/>
+              </a:cxn>
+              <a:cxn ang="0">
+                <a:pos x="connsiteX2" y="connsiteY2"/>
+              </a:cxn>
+              <a:cxn ang="0">
+                <a:pos x="connsiteX3" y="connsiteY3"/>
+              </a:cxn>
+              <a:cxn ang="0">
+                <a:pos x="connsiteX4" y="connsiteY4"/>
+              </a:cxn>
+              <a:cxn ang="0">
+                <a:pos x="connsiteX5" y="connsiteY5"/>
+              </a:cxn>
+              <a:cxn ang="0">
+                <a:pos x="connsiteX6" y="connsiteY6"/>
+              </a:cxn>
+              <a:cxn ang="0">
+                <a:pos x="connsiteX7" y="connsiteY7"/>
+              </a:cxn>
+              <a:cxn ang="0">
+                <a:pos x="connsiteX8" y="connsiteY8"/>
+              </a:cxn>
+              <a:cxn ang="0">
+                <a:pos x="connsiteX9" y="connsiteY9"/>
+              </a:cxn>
+              <a:cxn ang="0">
+                <a:pos x="connsiteX10" y="connsiteY10"/>
+              </a:cxn>
+              <a:cxn ang="0">
+                <a:pos x="connsiteX11" y="connsiteY11"/>
+              </a:cxn>
+              <a:cxn ang="0">
+                <a:pos x="connsiteX12" y="connsiteY12"/>
+              </a:cxn>
+              <a:cxn ang="0">
+                <a:pos x="connsiteX13" y="connsiteY13"/>
+              </a:cxn>
+              <a:cxn ang="0">
+                <a:pos x="connsiteX14" y="connsiteY14"/>
+              </a:cxn>
+              <a:cxn ang="0">
+                <a:pos x="connsiteX15" y="connsiteY15"/>
+              </a:cxn>
+              <a:cxn ang="0">
+                <a:pos x="connsiteX16" y="connsiteY16"/>
+              </a:cxn>
+              <a:cxn ang="0">
+                <a:pos x="connsiteX17" y="connsiteY17"/>
+              </a:cxn>
+              <a:cxn ang="0">
+                <a:pos x="connsiteX18" y="connsiteY18"/>
+              </a:cxn>
+              <a:cxn ang="0">
+                <a:pos x="connsiteX19" y="connsiteY19"/>
+              </a:cxn>
+              <a:cxn ang="0">
+                <a:pos x="connsiteX20" y="connsiteY20"/>
+              </a:cxn>
+              <a:cxn ang="0">
+                <a:pos x="connsiteX21" y="connsiteY21"/>
+              </a:cxn>
+              <a:cxn ang="0">
+                <a:pos x="connsiteX22" y="connsiteY22"/>
+              </a:cxn>
+            </a:cxnLst>
+            <a:rect l="l" t="t" r="r" b="b"/>
+            <a:pathLst>
+              <a:path w="12191999" h="5166360">
+                <a:moveTo>
+                  <a:pt x="0" y="0"/>
+                </a:moveTo>
+                <a:lnTo>
+                  <a:pt x="1822388" y="0"/>
+                </a:lnTo>
+                <a:lnTo>
+                  <a:pt x="6468290" y="0"/>
+                </a:lnTo>
+                <a:lnTo>
+                  <a:pt x="7796394" y="0"/>
+                </a:lnTo>
+                <a:lnTo>
+                  <a:pt x="8376834" y="0"/>
+                </a:lnTo>
+                <a:lnTo>
+                  <a:pt x="9704938" y="0"/>
+                </a:lnTo>
+                <a:lnTo>
+                  <a:pt x="9704938" y="2"/>
+                </a:lnTo>
+                <a:lnTo>
+                  <a:pt x="10283456" y="2"/>
+                </a:lnTo>
+                <a:lnTo>
+                  <a:pt x="10863897" y="2"/>
+                </a:lnTo>
+                <a:lnTo>
+                  <a:pt x="12191999" y="2"/>
+                </a:lnTo>
+                <a:lnTo>
+                  <a:pt x="12191999" y="5166360"/>
+                </a:lnTo>
+                <a:lnTo>
+                  <a:pt x="0" y="5166360"/>
+                </a:lnTo>
+                <a:lnTo>
+                  <a:pt x="0" y="2604436"/>
+                </a:lnTo>
+                <a:lnTo>
+                  <a:pt x="862341" y="743371"/>
+                </a:lnTo>
+                <a:lnTo>
+                  <a:pt x="0" y="743371"/>
+                </a:lnTo>
+                <a:lnTo>
+                  <a:pt x="0" y="742508"/>
+                </a:lnTo>
+                <a:lnTo>
+                  <a:pt x="92826" y="742508"/>
+                </a:lnTo>
+                <a:lnTo>
+                  <a:pt x="406486" y="742508"/>
+                </a:lnTo>
+                <a:lnTo>
+                  <a:pt x="406486" y="742507"/>
+                </a:lnTo>
+                <a:lnTo>
+                  <a:pt x="862741" y="742507"/>
+                </a:lnTo>
+                <a:lnTo>
+                  <a:pt x="1206388" y="864"/>
+                </a:lnTo>
+                <a:lnTo>
+                  <a:pt x="748500" y="864"/>
+                </a:lnTo>
+                <a:lnTo>
+                  <a:pt x="0" y="864"/>
+                </a:lnTo>
+                <a:close/>
+              </a:path>
+            </a:pathLst>
+          </a:custGeom>
+          <a:solidFill>
+            <a:srgbClr val="A6A6A6">
+              <a:alpha val="49804"/>
+            </a:srgbClr>
+          </a:solidFill>
+          <a:ln>
+            <a:noFill/>
+          </a:ln>
+        </p:spPr>
+        <p:style>
+          <a:lnRef idx="2">
+            <a:schemeClr val="accent1">
+              <a:shade val="50000"/>
+            </a:schemeClr>
+          </a:lnRef>
+          <a:fillRef idx="1">
+            <a:schemeClr val="accent1"/>
+          </a:fillRef>
+          <a:effectRef idx="0">
+            <a:schemeClr val="accent1"/>
+          </a:effectRef>
+          <a:fontRef idx="minor">
+            <a:schemeClr val="lt1"/>
+          </a:fontRef>
+        </p:style>
+        <p:txBody>
+          <a:bodyPr wrap="square" rtlCol="0" anchor="ctr">
+            <a:noAutofit/>
+          </a:bodyPr>
+          <a:lstStyle/>
+          <a:p>
+            <a:pPr algn="ctr"/>
+            <a:endParaRPr lang="en-US"/>
+          </a:p>
+        </p:txBody>
+      </p:sp>
+      <p:sp>
+        <p:nvSpPr>
+          <p:cNvPr id="15" name="Freeform: Shape 14">
+            <a:extLst>
+              <a:ext uri="{FF2B5EF4-FFF2-40B4-BE49-F238E27FC236}">
+                <a16:creationId xmlns:a16="http://schemas.microsoft.com/office/drawing/2014/main" id="{479F5F2B-8B58-4140-AE6A-51F6C67B18D9}"/>
+              </a:ext>
+              <a:ext uri="{C183D7F6-B498-43B3-948B-1728B52AA6E4}">
+                <adec:decorative xmlns:adec="http://schemas.microsoft.com/office/drawing/2017/decorative" val="1"/>
+              </a:ext>
+            </a:extLst>
+          </p:cNvPr>
+          <p:cNvSpPr>
+            <a:spLocks noGrp="1" noRot="1" noChangeAspect="1" noMove="1" noResize="1" noEditPoints="1" noAdjustHandles="1" noChangeArrowheads="1" noChangeShapeType="1" noTextEdit="1"/>
+          </p:cNvSpPr>
+          <p:nvPr>
+            <p:extLst>
+              <p:ext uri="{386F3935-93C4-4BCD-93E2-E3B085C9AB24}">
+                <p16:designElem xmlns:p16="http://schemas.microsoft.com/office/powerpoint/2015/main" val="1"/>
+              </p:ext>
+            </p:extLst>
+          </p:nvPr>
+        </p:nvSpPr>
+        <p:spPr>
+          <a:xfrm>
+            <a:off x="0" y="1691641"/>
+            <a:ext cx="971654" cy="2096979"/>
+          </a:xfrm>
+          <a:custGeom>
+            <a:avLst/>
+            <a:gdLst>
+              <a:gd name="connsiteX0" fmla="*/ 0 w 971654"/>
+              <a:gd name="connsiteY0" fmla="*/ 0 h 2096979"/>
+              <a:gd name="connsiteX1" fmla="*/ 971654 w 971654"/>
+              <a:gd name="connsiteY1" fmla="*/ 0 h 2096979"/>
+              <a:gd name="connsiteX2" fmla="*/ 0 w 971654"/>
+              <a:gd name="connsiteY2" fmla="*/ 2096979 h 2096979"/>
+            </a:gdLst>
+            <a:ahLst/>
+            <a:cxnLst>
+              <a:cxn ang="0">
+                <a:pos x="connsiteX0" y="connsiteY0"/>
+              </a:cxn>
+              <a:cxn ang="0">
+                <a:pos x="connsiteX1" y="connsiteY1"/>
+              </a:cxn>
+              <a:cxn ang="0">
+                <a:pos x="connsiteX2" y="connsiteY2"/>
+              </a:cxn>
+            </a:cxnLst>
+            <a:rect l="l" t="t" r="r" b="b"/>
+            <a:pathLst>
+              <a:path w="971654" h="2096979">
+                <a:moveTo>
+                  <a:pt x="0" y="0"/>
+                </a:moveTo>
+                <a:lnTo>
+                  <a:pt x="971654" y="0"/>
+                </a:lnTo>
+                <a:lnTo>
+                  <a:pt x="0" y="2096979"/>
+                </a:lnTo>
+                <a:close/>
+              </a:path>
+            </a:pathLst>
+          </a:custGeom>
+          <a:solidFill>
+            <a:srgbClr val="404040"/>
+          </a:solidFill>
+          <a:ln>
+            <a:noFill/>
+          </a:ln>
+        </p:spPr>
+        <p:style>
+          <a:lnRef idx="2">
+            <a:schemeClr val="accent1">
+              <a:shade val="50000"/>
+            </a:schemeClr>
+          </a:lnRef>
+          <a:fillRef idx="1">
+            <a:schemeClr val="accent1"/>
+          </a:fillRef>
+          <a:effectRef idx="0">
+            <a:schemeClr val="accent1"/>
+          </a:effectRef>
+          <a:fontRef idx="minor">
+            <a:schemeClr val="lt1"/>
+          </a:fontRef>
+        </p:style>
+        <p:txBody>
+          <a:bodyPr wrap="square" rtlCol="0" anchor="ctr">
+            <a:noAutofit/>
+          </a:bodyPr>
+          <a:lstStyle/>
+          <a:p>
+            <a:pPr algn="ctr"/>
+            <a:endParaRPr lang="en-US"/>
           </a:p>
         </p:txBody>
       </p:sp>
     </p:spTree>
     <p:extLst>
       <p:ext uri="{BB962C8B-B14F-4D97-AF65-F5344CB8AC3E}">
-        <p14:creationId xmlns:p14="http://schemas.microsoft.com/office/powerpoint/2010/main" val="3812814749"/>
+        <p14:creationId xmlns:p14="http://schemas.microsoft.com/office/powerpoint/2010/main" val="1345784225"/>
       </p:ext>
     </p:extLst>
   </p:cSld>
@@ -5110,6 +7645,14 @@
 <file path=ppt/slides/slide7.xml><?xml version="1.0" encoding="utf-8"?>
 <p:sld xmlns:a="http://schemas.openxmlformats.org/drawingml/2006/main" xmlns:r="http://schemas.openxmlformats.org/officeDocument/2006/relationships" xmlns:p="http://schemas.openxmlformats.org/presentationml/2006/main">
   <p:cSld>
+    <p:bg>
+      <p:bgPr>
+        <a:solidFill>
+          <a:schemeClr val="bg1"/>
+        </a:solidFill>
+        <a:effectLst/>
+      </p:bgPr>
+    </p:bg>
     <p:spTree>
       <p:nvGrpSpPr>
         <p:cNvPr id="1" name=""/>
@@ -5148,29 +7691,510 @@
         </p:spPr>
         <p:txBody>
           <a:bodyPr vert="horz" lIns="91440" tIns="45720" rIns="91440" bIns="45720" rtlCol="0" anchor="ctr">
-            <a:normAutofit/>
+            <a:normAutofit fontScale="90000"/>
           </a:bodyPr>
           <a:lstStyle/>
           <a:p>
             <a:r>
-              <a:rPr lang="de-DE" altLang="zh-CN" sz="4400" b="1" dirty="0"/>
-              <a:t>Further Development</a:t>
+              <a:rPr lang="en-US" sz="4400" dirty="0">
+                <a:solidFill>
+                  <a:schemeClr val="bg1"/>
+                </a:solidFill>
+              </a:rPr>
+              <a:t>How to predict the default of a borrower?</a:t>
             </a:r>
-            <a:endParaRPr lang="en-US" altLang="zh-CN" sz="4400" b="1" kern="1200" dirty="0">
-              <a:solidFill>
-                <a:schemeClr val="tx1"/>
-              </a:solidFill>
-              <a:latin typeface="+mj-lt"/>
-              <a:ea typeface="+mj-ea"/>
-              <a:cs typeface="+mj-cs"/>
-            </a:endParaRPr>
+            <a:br>
+              <a:rPr lang="de-DE" sz="4400" dirty="0">
+                <a:solidFill>
+                  <a:schemeClr val="bg1"/>
+                </a:solidFill>
+              </a:rPr>
+            </a:br>
+            <a:r>
+              <a:rPr lang="de-DE" sz="4400" dirty="0"/>
+              <a:t>FURTHER Development</a:t>
+            </a:r>
+            <a:br>
+              <a:rPr lang="de-DE" sz="4400" dirty="0"/>
+            </a:br>
+            <a:endParaRPr lang="de-DE" sz="4400" dirty="0"/>
+          </a:p>
+        </p:txBody>
+      </p:sp>
+      <p:sp>
+        <p:nvSpPr>
+          <p:cNvPr id="11" name="Freeform: Shape 10">
+            <a:extLst>
+              <a:ext uri="{FF2B5EF4-FFF2-40B4-BE49-F238E27FC236}">
+                <a16:creationId xmlns:a16="http://schemas.microsoft.com/office/drawing/2014/main" id="{7CB4857B-ED7C-444D-9F04-2F885114A1C2}"/>
+              </a:ext>
+              <a:ext uri="{C183D7F6-B498-43B3-948B-1728B52AA6E4}">
+                <adec:decorative xmlns:adec="http://schemas.microsoft.com/office/drawing/2017/decorative" val="1"/>
+              </a:ext>
+            </a:extLst>
+          </p:cNvPr>
+          <p:cNvSpPr>
+            <a:spLocks noGrp="1" noRot="1" noChangeAspect="1" noMove="1" noResize="1" noEditPoints="1" noAdjustHandles="1" noChangeArrowheads="1" noChangeShapeType="1" noTextEdit="1"/>
+          </p:cNvSpPr>
+          <p:nvPr>
+            <p:extLst>
+              <p:ext uri="{386F3935-93C4-4BCD-93E2-E3B085C9AB24}">
+                <p16:designElem xmlns:p16="http://schemas.microsoft.com/office/powerpoint/2015/main" val="1"/>
+              </p:ext>
+            </p:extLst>
+          </p:nvPr>
+        </p:nvSpPr>
+        <p:spPr>
+          <a:xfrm>
+            <a:off x="1" y="0"/>
+            <a:ext cx="1764099" cy="1558212"/>
+          </a:xfrm>
+          <a:custGeom>
+            <a:avLst/>
+            <a:gdLst>
+              <a:gd name="connsiteX0" fmla="*/ 0 w 1764099"/>
+              <a:gd name="connsiteY0" fmla="*/ 0 h 1558212"/>
+              <a:gd name="connsiteX1" fmla="*/ 1764099 w 1764099"/>
+              <a:gd name="connsiteY1" fmla="*/ 0 h 1558212"/>
+              <a:gd name="connsiteX2" fmla="*/ 1042087 w 1764099"/>
+              <a:gd name="connsiteY2" fmla="*/ 1558212 h 1558212"/>
+              <a:gd name="connsiteX3" fmla="*/ 0 w 1764099"/>
+              <a:gd name="connsiteY3" fmla="*/ 1558212 h 1558212"/>
+            </a:gdLst>
+            <a:ahLst/>
+            <a:cxnLst>
+              <a:cxn ang="0">
+                <a:pos x="connsiteX0" y="connsiteY0"/>
+              </a:cxn>
+              <a:cxn ang="0">
+                <a:pos x="connsiteX1" y="connsiteY1"/>
+              </a:cxn>
+              <a:cxn ang="0">
+                <a:pos x="connsiteX2" y="connsiteY2"/>
+              </a:cxn>
+              <a:cxn ang="0">
+                <a:pos x="connsiteX3" y="connsiteY3"/>
+              </a:cxn>
+            </a:cxnLst>
+            <a:rect l="l" t="t" r="r" b="b"/>
+            <a:pathLst>
+              <a:path w="1764099" h="1558212">
+                <a:moveTo>
+                  <a:pt x="0" y="0"/>
+                </a:moveTo>
+                <a:lnTo>
+                  <a:pt x="1764099" y="0"/>
+                </a:lnTo>
+                <a:lnTo>
+                  <a:pt x="1042087" y="1558212"/>
+                </a:lnTo>
+                <a:lnTo>
+                  <a:pt x="0" y="1558212"/>
+                </a:lnTo>
+                <a:close/>
+              </a:path>
+            </a:pathLst>
+          </a:custGeom>
+          <a:solidFill>
+            <a:schemeClr val="accent4"/>
+          </a:solidFill>
+          <a:ln>
+            <a:noFill/>
+          </a:ln>
+        </p:spPr>
+        <p:style>
+          <a:lnRef idx="2">
+            <a:schemeClr val="accent1">
+              <a:shade val="50000"/>
+            </a:schemeClr>
+          </a:lnRef>
+          <a:fillRef idx="1">
+            <a:schemeClr val="accent1"/>
+          </a:fillRef>
+          <a:effectRef idx="0">
+            <a:schemeClr val="accent1"/>
+          </a:effectRef>
+          <a:fontRef idx="minor">
+            <a:schemeClr val="lt1"/>
+          </a:fontRef>
+        </p:style>
+        <p:txBody>
+          <a:bodyPr wrap="square" rtlCol="0" anchor="ctr">
+            <a:noAutofit/>
+          </a:bodyPr>
+          <a:lstStyle/>
+          <a:p>
+            <a:pPr algn="ctr"/>
+            <a:endParaRPr lang="en-US"/>
+          </a:p>
+        </p:txBody>
+      </p:sp>
+      <p:sp>
+        <p:nvSpPr>
+          <p:cNvPr id="13" name="Freeform: Shape 12">
+            <a:extLst>
+              <a:ext uri="{FF2B5EF4-FFF2-40B4-BE49-F238E27FC236}">
+                <a16:creationId xmlns:a16="http://schemas.microsoft.com/office/drawing/2014/main" id="{D18046FB-44EA-4FD8-A585-EA09A319B2D0}"/>
+              </a:ext>
+              <a:ext uri="{C183D7F6-B498-43B3-948B-1728B52AA6E4}">
+                <adec:decorative xmlns:adec="http://schemas.microsoft.com/office/drawing/2017/decorative" val="1"/>
+              </a:ext>
+            </a:extLst>
+          </p:cNvPr>
+          <p:cNvSpPr>
+            <a:spLocks noGrp="1" noRot="1" noChangeAspect="1" noMove="1" noResize="1" noEditPoints="1" noAdjustHandles="1" noChangeArrowheads="1" noChangeShapeType="1" noTextEdit="1"/>
+          </p:cNvSpPr>
+          <p:nvPr>
+            <p:extLst>
+              <p:ext uri="{386F3935-93C4-4BCD-93E2-E3B085C9AB24}">
+                <p16:designElem xmlns:p16="http://schemas.microsoft.com/office/powerpoint/2015/main" val="1"/>
+              </p:ext>
+            </p:extLst>
+          </p:nvPr>
+        </p:nvSpPr>
+        <p:spPr>
+          <a:xfrm>
+            <a:off x="1" y="1691640"/>
+            <a:ext cx="12191999" cy="5166360"/>
+          </a:xfrm>
+          <a:custGeom>
+            <a:avLst/>
+            <a:gdLst>
+              <a:gd name="connsiteX0" fmla="*/ 0 w 12191999"/>
+              <a:gd name="connsiteY0" fmla="*/ 0 h 5166360"/>
+              <a:gd name="connsiteX1" fmla="*/ 1822388 w 12191999"/>
+              <a:gd name="connsiteY1" fmla="*/ 0 h 5166360"/>
+              <a:gd name="connsiteX2" fmla="*/ 6468290 w 12191999"/>
+              <a:gd name="connsiteY2" fmla="*/ 0 h 5166360"/>
+              <a:gd name="connsiteX3" fmla="*/ 7796394 w 12191999"/>
+              <a:gd name="connsiteY3" fmla="*/ 0 h 5166360"/>
+              <a:gd name="connsiteX4" fmla="*/ 8376834 w 12191999"/>
+              <a:gd name="connsiteY4" fmla="*/ 0 h 5166360"/>
+              <a:gd name="connsiteX5" fmla="*/ 9704938 w 12191999"/>
+              <a:gd name="connsiteY5" fmla="*/ 0 h 5166360"/>
+              <a:gd name="connsiteX6" fmla="*/ 9704938 w 12191999"/>
+              <a:gd name="connsiteY6" fmla="*/ 2 h 5166360"/>
+              <a:gd name="connsiteX7" fmla="*/ 10283456 w 12191999"/>
+              <a:gd name="connsiteY7" fmla="*/ 2 h 5166360"/>
+              <a:gd name="connsiteX8" fmla="*/ 10863897 w 12191999"/>
+              <a:gd name="connsiteY8" fmla="*/ 2 h 5166360"/>
+              <a:gd name="connsiteX9" fmla="*/ 12191999 w 12191999"/>
+              <a:gd name="connsiteY9" fmla="*/ 2 h 5166360"/>
+              <a:gd name="connsiteX10" fmla="*/ 12191999 w 12191999"/>
+              <a:gd name="connsiteY10" fmla="*/ 5166360 h 5166360"/>
+              <a:gd name="connsiteX11" fmla="*/ 0 w 12191999"/>
+              <a:gd name="connsiteY11" fmla="*/ 5166360 h 5166360"/>
+              <a:gd name="connsiteX12" fmla="*/ 0 w 12191999"/>
+              <a:gd name="connsiteY12" fmla="*/ 2604436 h 5166360"/>
+              <a:gd name="connsiteX13" fmla="*/ 862341 w 12191999"/>
+              <a:gd name="connsiteY13" fmla="*/ 743371 h 5166360"/>
+              <a:gd name="connsiteX14" fmla="*/ 0 w 12191999"/>
+              <a:gd name="connsiteY14" fmla="*/ 743371 h 5166360"/>
+              <a:gd name="connsiteX15" fmla="*/ 0 w 12191999"/>
+              <a:gd name="connsiteY15" fmla="*/ 742508 h 5166360"/>
+              <a:gd name="connsiteX16" fmla="*/ 92826 w 12191999"/>
+              <a:gd name="connsiteY16" fmla="*/ 742508 h 5166360"/>
+              <a:gd name="connsiteX17" fmla="*/ 406486 w 12191999"/>
+              <a:gd name="connsiteY17" fmla="*/ 742508 h 5166360"/>
+              <a:gd name="connsiteX18" fmla="*/ 406486 w 12191999"/>
+              <a:gd name="connsiteY18" fmla="*/ 742507 h 5166360"/>
+              <a:gd name="connsiteX19" fmla="*/ 862741 w 12191999"/>
+              <a:gd name="connsiteY19" fmla="*/ 742507 h 5166360"/>
+              <a:gd name="connsiteX20" fmla="*/ 1206388 w 12191999"/>
+              <a:gd name="connsiteY20" fmla="*/ 864 h 5166360"/>
+              <a:gd name="connsiteX21" fmla="*/ 748500 w 12191999"/>
+              <a:gd name="connsiteY21" fmla="*/ 864 h 5166360"/>
+              <a:gd name="connsiteX22" fmla="*/ 0 w 12191999"/>
+              <a:gd name="connsiteY22" fmla="*/ 864 h 5166360"/>
+            </a:gdLst>
+            <a:ahLst/>
+            <a:cxnLst>
+              <a:cxn ang="0">
+                <a:pos x="connsiteX0" y="connsiteY0"/>
+              </a:cxn>
+              <a:cxn ang="0">
+                <a:pos x="connsiteX1" y="connsiteY1"/>
+              </a:cxn>
+              <a:cxn ang="0">
+                <a:pos x="connsiteX2" y="connsiteY2"/>
+              </a:cxn>
+              <a:cxn ang="0">
+                <a:pos x="connsiteX3" y="connsiteY3"/>
+              </a:cxn>
+              <a:cxn ang="0">
+                <a:pos x="connsiteX4" y="connsiteY4"/>
+              </a:cxn>
+              <a:cxn ang="0">
+                <a:pos x="connsiteX5" y="connsiteY5"/>
+              </a:cxn>
+              <a:cxn ang="0">
+                <a:pos x="connsiteX6" y="connsiteY6"/>
+              </a:cxn>
+              <a:cxn ang="0">
+                <a:pos x="connsiteX7" y="connsiteY7"/>
+              </a:cxn>
+              <a:cxn ang="0">
+                <a:pos x="connsiteX8" y="connsiteY8"/>
+              </a:cxn>
+              <a:cxn ang="0">
+                <a:pos x="connsiteX9" y="connsiteY9"/>
+              </a:cxn>
+              <a:cxn ang="0">
+                <a:pos x="connsiteX10" y="connsiteY10"/>
+              </a:cxn>
+              <a:cxn ang="0">
+                <a:pos x="connsiteX11" y="connsiteY11"/>
+              </a:cxn>
+              <a:cxn ang="0">
+                <a:pos x="connsiteX12" y="connsiteY12"/>
+              </a:cxn>
+              <a:cxn ang="0">
+                <a:pos x="connsiteX13" y="connsiteY13"/>
+              </a:cxn>
+              <a:cxn ang="0">
+                <a:pos x="connsiteX14" y="connsiteY14"/>
+              </a:cxn>
+              <a:cxn ang="0">
+                <a:pos x="connsiteX15" y="connsiteY15"/>
+              </a:cxn>
+              <a:cxn ang="0">
+                <a:pos x="connsiteX16" y="connsiteY16"/>
+              </a:cxn>
+              <a:cxn ang="0">
+                <a:pos x="connsiteX17" y="connsiteY17"/>
+              </a:cxn>
+              <a:cxn ang="0">
+                <a:pos x="connsiteX18" y="connsiteY18"/>
+              </a:cxn>
+              <a:cxn ang="0">
+                <a:pos x="connsiteX19" y="connsiteY19"/>
+              </a:cxn>
+              <a:cxn ang="0">
+                <a:pos x="connsiteX20" y="connsiteY20"/>
+              </a:cxn>
+              <a:cxn ang="0">
+                <a:pos x="connsiteX21" y="connsiteY21"/>
+              </a:cxn>
+              <a:cxn ang="0">
+                <a:pos x="connsiteX22" y="connsiteY22"/>
+              </a:cxn>
+            </a:cxnLst>
+            <a:rect l="l" t="t" r="r" b="b"/>
+            <a:pathLst>
+              <a:path w="12191999" h="5166360">
+                <a:moveTo>
+                  <a:pt x="0" y="0"/>
+                </a:moveTo>
+                <a:lnTo>
+                  <a:pt x="1822388" y="0"/>
+                </a:lnTo>
+                <a:lnTo>
+                  <a:pt x="6468290" y="0"/>
+                </a:lnTo>
+                <a:lnTo>
+                  <a:pt x="7796394" y="0"/>
+                </a:lnTo>
+                <a:lnTo>
+                  <a:pt x="8376834" y="0"/>
+                </a:lnTo>
+                <a:lnTo>
+                  <a:pt x="9704938" y="0"/>
+                </a:lnTo>
+                <a:lnTo>
+                  <a:pt x="9704938" y="2"/>
+                </a:lnTo>
+                <a:lnTo>
+                  <a:pt x="10283456" y="2"/>
+                </a:lnTo>
+                <a:lnTo>
+                  <a:pt x="10863897" y="2"/>
+                </a:lnTo>
+                <a:lnTo>
+                  <a:pt x="12191999" y="2"/>
+                </a:lnTo>
+                <a:lnTo>
+                  <a:pt x="12191999" y="5166360"/>
+                </a:lnTo>
+                <a:lnTo>
+                  <a:pt x="0" y="5166360"/>
+                </a:lnTo>
+                <a:lnTo>
+                  <a:pt x="0" y="2604436"/>
+                </a:lnTo>
+                <a:lnTo>
+                  <a:pt x="862341" y="743371"/>
+                </a:lnTo>
+                <a:lnTo>
+                  <a:pt x="0" y="743371"/>
+                </a:lnTo>
+                <a:lnTo>
+                  <a:pt x="0" y="742508"/>
+                </a:lnTo>
+                <a:lnTo>
+                  <a:pt x="92826" y="742508"/>
+                </a:lnTo>
+                <a:lnTo>
+                  <a:pt x="406486" y="742508"/>
+                </a:lnTo>
+                <a:lnTo>
+                  <a:pt x="406486" y="742507"/>
+                </a:lnTo>
+                <a:lnTo>
+                  <a:pt x="862741" y="742507"/>
+                </a:lnTo>
+                <a:lnTo>
+                  <a:pt x="1206388" y="864"/>
+                </a:lnTo>
+                <a:lnTo>
+                  <a:pt x="748500" y="864"/>
+                </a:lnTo>
+                <a:lnTo>
+                  <a:pt x="0" y="864"/>
+                </a:lnTo>
+                <a:close/>
+              </a:path>
+            </a:pathLst>
+          </a:custGeom>
+          <a:solidFill>
+            <a:srgbClr val="A6A6A6">
+              <a:alpha val="49804"/>
+            </a:srgbClr>
+          </a:solidFill>
+          <a:ln>
+            <a:noFill/>
+          </a:ln>
+        </p:spPr>
+        <p:style>
+          <a:lnRef idx="2">
+            <a:schemeClr val="accent1">
+              <a:shade val="50000"/>
+            </a:schemeClr>
+          </a:lnRef>
+          <a:fillRef idx="1">
+            <a:schemeClr val="accent1"/>
+          </a:fillRef>
+          <a:effectRef idx="0">
+            <a:schemeClr val="accent1"/>
+          </a:effectRef>
+          <a:fontRef idx="minor">
+            <a:schemeClr val="lt1"/>
+          </a:fontRef>
+        </p:style>
+        <p:txBody>
+          <a:bodyPr wrap="square" rtlCol="0" anchor="ctr">
+            <a:noAutofit/>
+          </a:bodyPr>
+          <a:lstStyle/>
+          <a:p>
+            <a:pPr algn="ctr"/>
+            <a:endParaRPr lang="en-US"/>
+          </a:p>
+        </p:txBody>
+      </p:sp>
+      <p:sp>
+        <p:nvSpPr>
+          <p:cNvPr id="15" name="Freeform: Shape 14">
+            <a:extLst>
+              <a:ext uri="{FF2B5EF4-FFF2-40B4-BE49-F238E27FC236}">
+                <a16:creationId xmlns:a16="http://schemas.microsoft.com/office/drawing/2014/main" id="{479F5F2B-8B58-4140-AE6A-51F6C67B18D9}"/>
+              </a:ext>
+              <a:ext uri="{C183D7F6-B498-43B3-948B-1728B52AA6E4}">
+                <adec:decorative xmlns:adec="http://schemas.microsoft.com/office/drawing/2017/decorative" val="1"/>
+              </a:ext>
+            </a:extLst>
+          </p:cNvPr>
+          <p:cNvSpPr>
+            <a:spLocks noGrp="1" noRot="1" noChangeAspect="1" noMove="1" noResize="1" noEditPoints="1" noAdjustHandles="1" noChangeArrowheads="1" noChangeShapeType="1" noTextEdit="1"/>
+          </p:cNvSpPr>
+          <p:nvPr>
+            <p:extLst>
+              <p:ext uri="{386F3935-93C4-4BCD-93E2-E3B085C9AB24}">
+                <p16:designElem xmlns:p16="http://schemas.microsoft.com/office/powerpoint/2015/main" val="1"/>
+              </p:ext>
+            </p:extLst>
+          </p:nvPr>
+        </p:nvSpPr>
+        <p:spPr>
+          <a:xfrm>
+            <a:off x="0" y="1691641"/>
+            <a:ext cx="971654" cy="2096979"/>
+          </a:xfrm>
+          <a:custGeom>
+            <a:avLst/>
+            <a:gdLst>
+              <a:gd name="connsiteX0" fmla="*/ 0 w 971654"/>
+              <a:gd name="connsiteY0" fmla="*/ 0 h 2096979"/>
+              <a:gd name="connsiteX1" fmla="*/ 971654 w 971654"/>
+              <a:gd name="connsiteY1" fmla="*/ 0 h 2096979"/>
+              <a:gd name="connsiteX2" fmla="*/ 0 w 971654"/>
+              <a:gd name="connsiteY2" fmla="*/ 2096979 h 2096979"/>
+            </a:gdLst>
+            <a:ahLst/>
+            <a:cxnLst>
+              <a:cxn ang="0">
+                <a:pos x="connsiteX0" y="connsiteY0"/>
+              </a:cxn>
+              <a:cxn ang="0">
+                <a:pos x="connsiteX1" y="connsiteY1"/>
+              </a:cxn>
+              <a:cxn ang="0">
+                <a:pos x="connsiteX2" y="connsiteY2"/>
+              </a:cxn>
+            </a:cxnLst>
+            <a:rect l="l" t="t" r="r" b="b"/>
+            <a:pathLst>
+              <a:path w="971654" h="2096979">
+                <a:moveTo>
+                  <a:pt x="0" y="0"/>
+                </a:moveTo>
+                <a:lnTo>
+                  <a:pt x="971654" y="0"/>
+                </a:lnTo>
+                <a:lnTo>
+                  <a:pt x="0" y="2096979"/>
+                </a:lnTo>
+                <a:close/>
+              </a:path>
+            </a:pathLst>
+          </a:custGeom>
+          <a:solidFill>
+            <a:srgbClr val="404040"/>
+          </a:solidFill>
+          <a:ln>
+            <a:noFill/>
+          </a:ln>
+        </p:spPr>
+        <p:style>
+          <a:lnRef idx="2">
+            <a:schemeClr val="accent1">
+              <a:shade val="50000"/>
+            </a:schemeClr>
+          </a:lnRef>
+          <a:fillRef idx="1">
+            <a:schemeClr val="accent1"/>
+          </a:fillRef>
+          <a:effectRef idx="0">
+            <a:schemeClr val="accent1"/>
+          </a:effectRef>
+          <a:fontRef idx="minor">
+            <a:schemeClr val="lt1"/>
+          </a:fontRef>
+        </p:style>
+        <p:txBody>
+          <a:bodyPr wrap="square" rtlCol="0" anchor="ctr">
+            <a:noAutofit/>
+          </a:bodyPr>
+          <a:lstStyle/>
+          <a:p>
+            <a:pPr algn="ctr"/>
+            <a:endParaRPr lang="en-US"/>
           </a:p>
         </p:txBody>
       </p:sp>
     </p:spTree>
     <p:extLst>
       <p:ext uri="{BB962C8B-B14F-4D97-AF65-F5344CB8AC3E}">
-        <p14:creationId xmlns:p14="http://schemas.microsoft.com/office/powerpoint/2010/main" val="1766654814"/>
+        <p14:creationId xmlns:p14="http://schemas.microsoft.com/office/powerpoint/2010/main" val="1555843968"/>
       </p:ext>
     </p:extLst>
   </p:cSld>
@@ -5183,6 +8207,14 @@
 <file path=ppt/slides/slide8.xml><?xml version="1.0" encoding="utf-8"?>
 <p:sld xmlns:a="http://schemas.openxmlformats.org/drawingml/2006/main" xmlns:r="http://schemas.openxmlformats.org/officeDocument/2006/relationships" xmlns:p="http://schemas.openxmlformats.org/presentationml/2006/main">
   <p:cSld>
+    <p:bg>
+      <p:bgPr>
+        <a:solidFill>
+          <a:schemeClr val="bg1"/>
+        </a:solidFill>
+        <a:effectLst/>
+      </p:bgPr>
+    </p:bg>
     <p:spTree>
       <p:nvGrpSpPr>
         <p:cNvPr id="1" name=""/>
@@ -5215,87 +8247,516 @@
         </p:nvSpPr>
         <p:spPr>
           <a:xfrm>
-            <a:off x="1028700" y="1967266"/>
-            <a:ext cx="2628900" cy="2219723"/>
+            <a:off x="1653363" y="365760"/>
+            <a:ext cx="9367203" cy="1188720"/>
           </a:xfrm>
-          <a:noFill/>
         </p:spPr>
         <p:txBody>
           <a:bodyPr vert="horz" lIns="91440" tIns="45720" rIns="91440" bIns="45720" rtlCol="0" anchor="ctr">
-            <a:normAutofit/>
+            <a:normAutofit fontScale="90000"/>
           </a:bodyPr>
           <a:lstStyle/>
           <a:p>
-            <a:pPr algn="ctr"/>
             <a:r>
-              <a:rPr lang="de-DE" altLang="zh-CN" sz="3600" b="1" kern="1200">
+              <a:rPr lang="en-US" sz="4400" dirty="0">
                 <a:solidFill>
-                  <a:srgbClr val="FFFFFF"/>
-                </a:solidFill>
-                <a:latin typeface="+mj-lt"/>
-                <a:ea typeface="+mj-ea"/>
-                <a:cs typeface="+mj-cs"/>
-              </a:rPr>
-              <a:t>Input </a:t>
-            </a:r>
-            <a:r>
-              <a:rPr lang="de-DE" altLang="zh-CN" sz="3600" b="1">
-                <a:solidFill>
-                  <a:srgbClr val="FFFFFF"/>
+                  <a:schemeClr val="bg1"/>
                 </a:solidFill>
               </a:rPr>
-              <a:t>briefing</a:t>
+              <a:t>How to predict the default of a borrower?</a:t>
             </a:r>
-            <a:endParaRPr lang="en-US" altLang="zh-CN" sz="3600" b="1" kern="1200">
-              <a:solidFill>
-                <a:srgbClr val="FFFFFF"/>
-              </a:solidFill>
-              <a:latin typeface="+mj-lt"/>
-              <a:ea typeface="+mj-ea"/>
-              <a:cs typeface="+mj-cs"/>
-            </a:endParaRPr>
-          </a:p>
-        </p:txBody>
-      </p:sp>
-      <p:sp>
-        <p:nvSpPr>
-          <p:cNvPr id="2" name="Textfeld 1">
-            <a:extLst>
-              <a:ext uri="{FF2B5EF4-FFF2-40B4-BE49-F238E27FC236}">
-                <a16:creationId xmlns:a16="http://schemas.microsoft.com/office/drawing/2014/main" id="{A309584B-D9E4-4082-81BE-2D5AB1F703D9}"/>
-              </a:ext>
-            </a:extLst>
-          </p:cNvPr>
-          <p:cNvSpPr txBox="1"/>
-          <p:nvPr/>
+            <a:br>
+              <a:rPr lang="de-DE" sz="4400" dirty="0">
+                <a:solidFill>
+                  <a:schemeClr val="bg1"/>
+                </a:solidFill>
+              </a:rPr>
+            </a:br>
+            <a:r>
+              <a:rPr lang="de-DE" sz="4400" dirty="0"/>
+              <a:t>End</a:t>
+            </a:r>
+            <a:br>
+              <a:rPr lang="de-DE" sz="4400" dirty="0"/>
+            </a:br>
+            <a:endParaRPr lang="de-DE" sz="4400" dirty="0"/>
+          </a:p>
+        </p:txBody>
+      </p:sp>
+      <p:sp>
+        <p:nvSpPr>
+          <p:cNvPr id="11" name="Freeform: Shape 10">
+            <a:extLst>
+              <a:ext uri="{FF2B5EF4-FFF2-40B4-BE49-F238E27FC236}">
+                <a16:creationId xmlns:a16="http://schemas.microsoft.com/office/drawing/2014/main" id="{7CB4857B-ED7C-444D-9F04-2F885114A1C2}"/>
+              </a:ext>
+              <a:ext uri="{C183D7F6-B498-43B3-948B-1728B52AA6E4}">
+                <adec:decorative xmlns:adec="http://schemas.microsoft.com/office/drawing/2017/decorative" val="1"/>
+              </a:ext>
+            </a:extLst>
+          </p:cNvPr>
+          <p:cNvSpPr>
+            <a:spLocks noGrp="1" noRot="1" noChangeAspect="1" noMove="1" noResize="1" noEditPoints="1" noAdjustHandles="1" noChangeArrowheads="1" noChangeShapeType="1" noTextEdit="1"/>
+          </p:cNvSpPr>
+          <p:nvPr>
+            <p:extLst>
+              <p:ext uri="{386F3935-93C4-4BCD-93E2-E3B085C9AB24}">
+                <p16:designElem xmlns:p16="http://schemas.microsoft.com/office/powerpoint/2015/main" val="1"/>
+              </p:ext>
+            </p:extLst>
+          </p:nvPr>
         </p:nvSpPr>
         <p:spPr>
           <a:xfrm>
-            <a:off x="3036815" y="1786855"/>
-            <a:ext cx="4588778" cy="369332"/>
+            <a:off x="1" y="0"/>
+            <a:ext cx="1764099" cy="1558212"/>
           </a:xfrm>
-          <a:prstGeom prst="rect">
+          <a:custGeom>
             <a:avLst/>
-          </a:prstGeom>
-          <a:noFill/>
+            <a:gdLst>
+              <a:gd name="connsiteX0" fmla="*/ 0 w 1764099"/>
+              <a:gd name="connsiteY0" fmla="*/ 0 h 1558212"/>
+              <a:gd name="connsiteX1" fmla="*/ 1764099 w 1764099"/>
+              <a:gd name="connsiteY1" fmla="*/ 0 h 1558212"/>
+              <a:gd name="connsiteX2" fmla="*/ 1042087 w 1764099"/>
+              <a:gd name="connsiteY2" fmla="*/ 1558212 h 1558212"/>
+              <a:gd name="connsiteX3" fmla="*/ 0 w 1764099"/>
+              <a:gd name="connsiteY3" fmla="*/ 1558212 h 1558212"/>
+            </a:gdLst>
+            <a:ahLst/>
+            <a:cxnLst>
+              <a:cxn ang="0">
+                <a:pos x="connsiteX0" y="connsiteY0"/>
+              </a:cxn>
+              <a:cxn ang="0">
+                <a:pos x="connsiteX1" y="connsiteY1"/>
+              </a:cxn>
+              <a:cxn ang="0">
+                <a:pos x="connsiteX2" y="connsiteY2"/>
+              </a:cxn>
+              <a:cxn ang="0">
+                <a:pos x="connsiteX3" y="connsiteY3"/>
+              </a:cxn>
+            </a:cxnLst>
+            <a:rect l="l" t="t" r="r" b="b"/>
+            <a:pathLst>
+              <a:path w="1764099" h="1558212">
+                <a:moveTo>
+                  <a:pt x="0" y="0"/>
+                </a:moveTo>
+                <a:lnTo>
+                  <a:pt x="1764099" y="0"/>
+                </a:lnTo>
+                <a:lnTo>
+                  <a:pt x="1042087" y="1558212"/>
+                </a:lnTo>
+                <a:lnTo>
+                  <a:pt x="0" y="1558212"/>
+                </a:lnTo>
+                <a:close/>
+              </a:path>
+            </a:pathLst>
+          </a:custGeom>
+          <a:solidFill>
+            <a:schemeClr val="accent4"/>
+          </a:solidFill>
+          <a:ln>
+            <a:noFill/>
+          </a:ln>
         </p:spPr>
-        <p:txBody>
-          <a:bodyPr wrap="square" rtlCol="0">
-            <a:spAutoFit/>
+        <p:style>
+          <a:lnRef idx="2">
+            <a:schemeClr val="accent1">
+              <a:shade val="50000"/>
+            </a:schemeClr>
+          </a:lnRef>
+          <a:fillRef idx="1">
+            <a:schemeClr val="accent1"/>
+          </a:fillRef>
+          <a:effectRef idx="0">
+            <a:schemeClr val="accent1"/>
+          </a:effectRef>
+          <a:fontRef idx="minor">
+            <a:schemeClr val="lt1"/>
+          </a:fontRef>
+        </p:style>
+        <p:txBody>
+          <a:bodyPr wrap="square" rtlCol="0" anchor="ctr">
+            <a:noAutofit/>
           </a:bodyPr>
           <a:lstStyle/>
           <a:p>
-            <a:r>
-              <a:rPr lang="de-DE" dirty="0"/>
-              <a:t>End</a:t>
-            </a:r>
+            <a:pPr algn="ctr"/>
+            <a:endParaRPr lang="en-US"/>
+          </a:p>
+        </p:txBody>
+      </p:sp>
+      <p:sp>
+        <p:nvSpPr>
+          <p:cNvPr id="13" name="Freeform: Shape 12">
+            <a:extLst>
+              <a:ext uri="{FF2B5EF4-FFF2-40B4-BE49-F238E27FC236}">
+                <a16:creationId xmlns:a16="http://schemas.microsoft.com/office/drawing/2014/main" id="{D18046FB-44EA-4FD8-A585-EA09A319B2D0}"/>
+              </a:ext>
+              <a:ext uri="{C183D7F6-B498-43B3-948B-1728B52AA6E4}">
+                <adec:decorative xmlns:adec="http://schemas.microsoft.com/office/drawing/2017/decorative" val="1"/>
+              </a:ext>
+            </a:extLst>
+          </p:cNvPr>
+          <p:cNvSpPr>
+            <a:spLocks noGrp="1" noRot="1" noChangeAspect="1" noMove="1" noResize="1" noEditPoints="1" noAdjustHandles="1" noChangeArrowheads="1" noChangeShapeType="1" noTextEdit="1"/>
+          </p:cNvSpPr>
+          <p:nvPr>
+            <p:extLst>
+              <p:ext uri="{386F3935-93C4-4BCD-93E2-E3B085C9AB24}">
+                <p16:designElem xmlns:p16="http://schemas.microsoft.com/office/powerpoint/2015/main" val="1"/>
+              </p:ext>
+            </p:extLst>
+          </p:nvPr>
+        </p:nvSpPr>
+        <p:spPr>
+          <a:xfrm>
+            <a:off x="1" y="1691640"/>
+            <a:ext cx="12191999" cy="5166360"/>
+          </a:xfrm>
+          <a:custGeom>
+            <a:avLst/>
+            <a:gdLst>
+              <a:gd name="connsiteX0" fmla="*/ 0 w 12191999"/>
+              <a:gd name="connsiteY0" fmla="*/ 0 h 5166360"/>
+              <a:gd name="connsiteX1" fmla="*/ 1822388 w 12191999"/>
+              <a:gd name="connsiteY1" fmla="*/ 0 h 5166360"/>
+              <a:gd name="connsiteX2" fmla="*/ 6468290 w 12191999"/>
+              <a:gd name="connsiteY2" fmla="*/ 0 h 5166360"/>
+              <a:gd name="connsiteX3" fmla="*/ 7796394 w 12191999"/>
+              <a:gd name="connsiteY3" fmla="*/ 0 h 5166360"/>
+              <a:gd name="connsiteX4" fmla="*/ 8376834 w 12191999"/>
+              <a:gd name="connsiteY4" fmla="*/ 0 h 5166360"/>
+              <a:gd name="connsiteX5" fmla="*/ 9704938 w 12191999"/>
+              <a:gd name="connsiteY5" fmla="*/ 0 h 5166360"/>
+              <a:gd name="connsiteX6" fmla="*/ 9704938 w 12191999"/>
+              <a:gd name="connsiteY6" fmla="*/ 2 h 5166360"/>
+              <a:gd name="connsiteX7" fmla="*/ 10283456 w 12191999"/>
+              <a:gd name="connsiteY7" fmla="*/ 2 h 5166360"/>
+              <a:gd name="connsiteX8" fmla="*/ 10863897 w 12191999"/>
+              <a:gd name="connsiteY8" fmla="*/ 2 h 5166360"/>
+              <a:gd name="connsiteX9" fmla="*/ 12191999 w 12191999"/>
+              <a:gd name="connsiteY9" fmla="*/ 2 h 5166360"/>
+              <a:gd name="connsiteX10" fmla="*/ 12191999 w 12191999"/>
+              <a:gd name="connsiteY10" fmla="*/ 5166360 h 5166360"/>
+              <a:gd name="connsiteX11" fmla="*/ 0 w 12191999"/>
+              <a:gd name="connsiteY11" fmla="*/ 5166360 h 5166360"/>
+              <a:gd name="connsiteX12" fmla="*/ 0 w 12191999"/>
+              <a:gd name="connsiteY12" fmla="*/ 2604436 h 5166360"/>
+              <a:gd name="connsiteX13" fmla="*/ 862341 w 12191999"/>
+              <a:gd name="connsiteY13" fmla="*/ 743371 h 5166360"/>
+              <a:gd name="connsiteX14" fmla="*/ 0 w 12191999"/>
+              <a:gd name="connsiteY14" fmla="*/ 743371 h 5166360"/>
+              <a:gd name="connsiteX15" fmla="*/ 0 w 12191999"/>
+              <a:gd name="connsiteY15" fmla="*/ 742508 h 5166360"/>
+              <a:gd name="connsiteX16" fmla="*/ 92826 w 12191999"/>
+              <a:gd name="connsiteY16" fmla="*/ 742508 h 5166360"/>
+              <a:gd name="connsiteX17" fmla="*/ 406486 w 12191999"/>
+              <a:gd name="connsiteY17" fmla="*/ 742508 h 5166360"/>
+              <a:gd name="connsiteX18" fmla="*/ 406486 w 12191999"/>
+              <a:gd name="connsiteY18" fmla="*/ 742507 h 5166360"/>
+              <a:gd name="connsiteX19" fmla="*/ 862741 w 12191999"/>
+              <a:gd name="connsiteY19" fmla="*/ 742507 h 5166360"/>
+              <a:gd name="connsiteX20" fmla="*/ 1206388 w 12191999"/>
+              <a:gd name="connsiteY20" fmla="*/ 864 h 5166360"/>
+              <a:gd name="connsiteX21" fmla="*/ 748500 w 12191999"/>
+              <a:gd name="connsiteY21" fmla="*/ 864 h 5166360"/>
+              <a:gd name="connsiteX22" fmla="*/ 0 w 12191999"/>
+              <a:gd name="connsiteY22" fmla="*/ 864 h 5166360"/>
+            </a:gdLst>
+            <a:ahLst/>
+            <a:cxnLst>
+              <a:cxn ang="0">
+                <a:pos x="connsiteX0" y="connsiteY0"/>
+              </a:cxn>
+              <a:cxn ang="0">
+                <a:pos x="connsiteX1" y="connsiteY1"/>
+              </a:cxn>
+              <a:cxn ang="0">
+                <a:pos x="connsiteX2" y="connsiteY2"/>
+              </a:cxn>
+              <a:cxn ang="0">
+                <a:pos x="connsiteX3" y="connsiteY3"/>
+              </a:cxn>
+              <a:cxn ang="0">
+                <a:pos x="connsiteX4" y="connsiteY4"/>
+              </a:cxn>
+              <a:cxn ang="0">
+                <a:pos x="connsiteX5" y="connsiteY5"/>
+              </a:cxn>
+              <a:cxn ang="0">
+                <a:pos x="connsiteX6" y="connsiteY6"/>
+              </a:cxn>
+              <a:cxn ang="0">
+                <a:pos x="connsiteX7" y="connsiteY7"/>
+              </a:cxn>
+              <a:cxn ang="0">
+                <a:pos x="connsiteX8" y="connsiteY8"/>
+              </a:cxn>
+              <a:cxn ang="0">
+                <a:pos x="connsiteX9" y="connsiteY9"/>
+              </a:cxn>
+              <a:cxn ang="0">
+                <a:pos x="connsiteX10" y="connsiteY10"/>
+              </a:cxn>
+              <a:cxn ang="0">
+                <a:pos x="connsiteX11" y="connsiteY11"/>
+              </a:cxn>
+              <a:cxn ang="0">
+                <a:pos x="connsiteX12" y="connsiteY12"/>
+              </a:cxn>
+              <a:cxn ang="0">
+                <a:pos x="connsiteX13" y="connsiteY13"/>
+              </a:cxn>
+              <a:cxn ang="0">
+                <a:pos x="connsiteX14" y="connsiteY14"/>
+              </a:cxn>
+              <a:cxn ang="0">
+                <a:pos x="connsiteX15" y="connsiteY15"/>
+              </a:cxn>
+              <a:cxn ang="0">
+                <a:pos x="connsiteX16" y="connsiteY16"/>
+              </a:cxn>
+              <a:cxn ang="0">
+                <a:pos x="connsiteX17" y="connsiteY17"/>
+              </a:cxn>
+              <a:cxn ang="0">
+                <a:pos x="connsiteX18" y="connsiteY18"/>
+              </a:cxn>
+              <a:cxn ang="0">
+                <a:pos x="connsiteX19" y="connsiteY19"/>
+              </a:cxn>
+              <a:cxn ang="0">
+                <a:pos x="connsiteX20" y="connsiteY20"/>
+              </a:cxn>
+              <a:cxn ang="0">
+                <a:pos x="connsiteX21" y="connsiteY21"/>
+              </a:cxn>
+              <a:cxn ang="0">
+                <a:pos x="connsiteX22" y="connsiteY22"/>
+              </a:cxn>
+            </a:cxnLst>
+            <a:rect l="l" t="t" r="r" b="b"/>
+            <a:pathLst>
+              <a:path w="12191999" h="5166360">
+                <a:moveTo>
+                  <a:pt x="0" y="0"/>
+                </a:moveTo>
+                <a:lnTo>
+                  <a:pt x="1822388" y="0"/>
+                </a:lnTo>
+                <a:lnTo>
+                  <a:pt x="6468290" y="0"/>
+                </a:lnTo>
+                <a:lnTo>
+                  <a:pt x="7796394" y="0"/>
+                </a:lnTo>
+                <a:lnTo>
+                  <a:pt x="8376834" y="0"/>
+                </a:lnTo>
+                <a:lnTo>
+                  <a:pt x="9704938" y="0"/>
+                </a:lnTo>
+                <a:lnTo>
+                  <a:pt x="9704938" y="2"/>
+                </a:lnTo>
+                <a:lnTo>
+                  <a:pt x="10283456" y="2"/>
+                </a:lnTo>
+                <a:lnTo>
+                  <a:pt x="10863897" y="2"/>
+                </a:lnTo>
+                <a:lnTo>
+                  <a:pt x="12191999" y="2"/>
+                </a:lnTo>
+                <a:lnTo>
+                  <a:pt x="12191999" y="5166360"/>
+                </a:lnTo>
+                <a:lnTo>
+                  <a:pt x="0" y="5166360"/>
+                </a:lnTo>
+                <a:lnTo>
+                  <a:pt x="0" y="2604436"/>
+                </a:lnTo>
+                <a:lnTo>
+                  <a:pt x="862341" y="743371"/>
+                </a:lnTo>
+                <a:lnTo>
+                  <a:pt x="0" y="743371"/>
+                </a:lnTo>
+                <a:lnTo>
+                  <a:pt x="0" y="742508"/>
+                </a:lnTo>
+                <a:lnTo>
+                  <a:pt x="92826" y="742508"/>
+                </a:lnTo>
+                <a:lnTo>
+                  <a:pt x="406486" y="742508"/>
+                </a:lnTo>
+                <a:lnTo>
+                  <a:pt x="406486" y="742507"/>
+                </a:lnTo>
+                <a:lnTo>
+                  <a:pt x="862741" y="742507"/>
+                </a:lnTo>
+                <a:lnTo>
+                  <a:pt x="1206388" y="864"/>
+                </a:lnTo>
+                <a:lnTo>
+                  <a:pt x="748500" y="864"/>
+                </a:lnTo>
+                <a:lnTo>
+                  <a:pt x="0" y="864"/>
+                </a:lnTo>
+                <a:close/>
+              </a:path>
+            </a:pathLst>
+          </a:custGeom>
+          <a:solidFill>
+            <a:srgbClr val="A6A6A6">
+              <a:alpha val="49804"/>
+            </a:srgbClr>
+          </a:solidFill>
+          <a:ln>
+            <a:noFill/>
+          </a:ln>
+        </p:spPr>
+        <p:style>
+          <a:lnRef idx="2">
+            <a:schemeClr val="accent1">
+              <a:shade val="50000"/>
+            </a:schemeClr>
+          </a:lnRef>
+          <a:fillRef idx="1">
+            <a:schemeClr val="accent1"/>
+          </a:fillRef>
+          <a:effectRef idx="0">
+            <a:schemeClr val="accent1"/>
+          </a:effectRef>
+          <a:fontRef idx="minor">
+            <a:schemeClr val="lt1"/>
+          </a:fontRef>
+        </p:style>
+        <p:txBody>
+          <a:bodyPr wrap="square" rtlCol="0" anchor="ctr">
+            <a:noAutofit/>
+          </a:bodyPr>
+          <a:lstStyle/>
+          <a:p>
+            <a:pPr algn="ctr"/>
+            <a:endParaRPr lang="en-US"/>
+          </a:p>
+        </p:txBody>
+      </p:sp>
+      <p:sp>
+        <p:nvSpPr>
+          <p:cNvPr id="15" name="Freeform: Shape 14">
+            <a:extLst>
+              <a:ext uri="{FF2B5EF4-FFF2-40B4-BE49-F238E27FC236}">
+                <a16:creationId xmlns:a16="http://schemas.microsoft.com/office/drawing/2014/main" id="{479F5F2B-8B58-4140-AE6A-51F6C67B18D9}"/>
+              </a:ext>
+              <a:ext uri="{C183D7F6-B498-43B3-948B-1728B52AA6E4}">
+                <adec:decorative xmlns:adec="http://schemas.microsoft.com/office/drawing/2017/decorative" val="1"/>
+              </a:ext>
+            </a:extLst>
+          </p:cNvPr>
+          <p:cNvSpPr>
+            <a:spLocks noGrp="1" noRot="1" noChangeAspect="1" noMove="1" noResize="1" noEditPoints="1" noAdjustHandles="1" noChangeArrowheads="1" noChangeShapeType="1" noTextEdit="1"/>
+          </p:cNvSpPr>
+          <p:nvPr>
+            <p:extLst>
+              <p:ext uri="{386F3935-93C4-4BCD-93E2-E3B085C9AB24}">
+                <p16:designElem xmlns:p16="http://schemas.microsoft.com/office/powerpoint/2015/main" val="1"/>
+              </p:ext>
+            </p:extLst>
+          </p:nvPr>
+        </p:nvSpPr>
+        <p:spPr>
+          <a:xfrm>
+            <a:off x="0" y="1691641"/>
+            <a:ext cx="971654" cy="2096979"/>
+          </a:xfrm>
+          <a:custGeom>
+            <a:avLst/>
+            <a:gdLst>
+              <a:gd name="connsiteX0" fmla="*/ 0 w 971654"/>
+              <a:gd name="connsiteY0" fmla="*/ 0 h 2096979"/>
+              <a:gd name="connsiteX1" fmla="*/ 971654 w 971654"/>
+              <a:gd name="connsiteY1" fmla="*/ 0 h 2096979"/>
+              <a:gd name="connsiteX2" fmla="*/ 0 w 971654"/>
+              <a:gd name="connsiteY2" fmla="*/ 2096979 h 2096979"/>
+            </a:gdLst>
+            <a:ahLst/>
+            <a:cxnLst>
+              <a:cxn ang="0">
+                <a:pos x="connsiteX0" y="connsiteY0"/>
+              </a:cxn>
+              <a:cxn ang="0">
+                <a:pos x="connsiteX1" y="connsiteY1"/>
+              </a:cxn>
+              <a:cxn ang="0">
+                <a:pos x="connsiteX2" y="connsiteY2"/>
+              </a:cxn>
+            </a:cxnLst>
+            <a:rect l="l" t="t" r="r" b="b"/>
+            <a:pathLst>
+              <a:path w="971654" h="2096979">
+                <a:moveTo>
+                  <a:pt x="0" y="0"/>
+                </a:moveTo>
+                <a:lnTo>
+                  <a:pt x="971654" y="0"/>
+                </a:lnTo>
+                <a:lnTo>
+                  <a:pt x="0" y="2096979"/>
+                </a:lnTo>
+                <a:close/>
+              </a:path>
+            </a:pathLst>
+          </a:custGeom>
+          <a:solidFill>
+            <a:srgbClr val="404040"/>
+          </a:solidFill>
+          <a:ln>
+            <a:noFill/>
+          </a:ln>
+        </p:spPr>
+        <p:style>
+          <a:lnRef idx="2">
+            <a:schemeClr val="accent1">
+              <a:shade val="50000"/>
+            </a:schemeClr>
+          </a:lnRef>
+          <a:fillRef idx="1">
+            <a:schemeClr val="accent1"/>
+          </a:fillRef>
+          <a:effectRef idx="0">
+            <a:schemeClr val="accent1"/>
+          </a:effectRef>
+          <a:fontRef idx="minor">
+            <a:schemeClr val="lt1"/>
+          </a:fontRef>
+        </p:style>
+        <p:txBody>
+          <a:bodyPr wrap="square" rtlCol="0" anchor="ctr">
+            <a:noAutofit/>
+          </a:bodyPr>
+          <a:lstStyle/>
+          <a:p>
+            <a:pPr algn="ctr"/>
+            <a:endParaRPr lang="en-US"/>
           </a:p>
         </p:txBody>
       </p:sp>
     </p:spTree>
     <p:extLst>
       <p:ext uri="{BB962C8B-B14F-4D97-AF65-F5344CB8AC3E}">
-        <p14:creationId xmlns:p14="http://schemas.microsoft.com/office/powerpoint/2010/main" val="310653553"/>
+        <p14:creationId xmlns:p14="http://schemas.microsoft.com/office/powerpoint/2010/main" val="1346837372"/>
       </p:ext>
     </p:extLst>
   </p:cSld>

--- a/Default prediction model_bene.pptx
+++ b/Default prediction model_bene.pptx
@@ -121,7 +121,7 @@
 
 <file path=ppt/commentAuthors.xml><?xml version="1.0" encoding="utf-8"?>
 <p:cmAuthorLst xmlns:a="http://schemas.openxmlformats.org/drawingml/2006/main" xmlns:r="http://schemas.openxmlformats.org/officeDocument/2006/relationships" xmlns:p="http://schemas.openxmlformats.org/presentationml/2006/main">
-  <p:cmAuthor id="1" name="Benedikt Roth" initials="BR" lastIdx="1" clrIdx="0">
+  <p:cmAuthor id="1" name="Benedikt Roth" initials="BR" lastIdx="2" clrIdx="0">
     <p:extLst>
       <p:ext uri="{19B8F6BF-5375-455C-9EA6-DF929625EA0E}">
         <p15:presenceInfo xmlns:p15="http://schemas.microsoft.com/office/powerpoint/2012/main" userId="af14ea373a273bf1" providerId="Windows Live"/>
@@ -143,8 +143,8 @@
 <pc:chgInfo xmlns:a="http://schemas.openxmlformats.org/drawingml/2006/main" xmlns:r="http://schemas.openxmlformats.org/officeDocument/2006/relationships" xmlns:ac="http://schemas.microsoft.com/office/drawing/2013/main/command" xmlns:pc="http://schemas.microsoft.com/office/powerpoint/2013/main/command">
   <pc:docChgLst>
     <pc:chgData name="Benedikt Roth" userId="af14ea373a273bf1" providerId="LiveId" clId="{7EF9C819-F427-4753-9A5B-83F837DC536F}"/>
-    <pc:docChg chg="undo custSel addSld delSld modSld">
-      <pc:chgData name="Benedikt Roth" userId="af14ea373a273bf1" providerId="LiveId" clId="{7EF9C819-F427-4753-9A5B-83F837DC536F}" dt="2020-12-12T11:30:20.653" v="232" actId="20577"/>
+    <pc:docChg chg="undo custSel mod addSld delSld modSld">
+      <pc:chgData name="Benedikt Roth" userId="af14ea373a273bf1" providerId="LiveId" clId="{7EF9C819-F427-4753-9A5B-83F837DC536F}" dt="2020-12-12T13:16:47.036" v="927" actId="20577"/>
       <pc:docMkLst>
         <pc:docMk/>
       </pc:docMkLst>
@@ -237,26 +237,66 @@
           </ac:spMkLst>
         </pc:spChg>
       </pc:sldChg>
-      <pc:sldChg chg="addSp delSp modSp add mod">
-        <pc:chgData name="Benedikt Roth" userId="af14ea373a273bf1" providerId="LiveId" clId="{7EF9C819-F427-4753-9A5B-83F837DC536F}" dt="2020-12-12T11:22:45.665" v="124" actId="20577"/>
+      <pc:sldChg chg="addSp delSp modSp add mod modAnim addCm delCm">
+        <pc:chgData name="Benedikt Roth" userId="af14ea373a273bf1" providerId="LiveId" clId="{7EF9C819-F427-4753-9A5B-83F837DC536F}" dt="2020-12-12T13:16:47.036" v="927" actId="20577"/>
         <pc:sldMkLst>
           <pc:docMk/>
           <pc:sldMk cId="3828761059" sldId="268"/>
         </pc:sldMkLst>
         <pc:spChg chg="mod">
-          <ac:chgData name="Benedikt Roth" userId="af14ea373a273bf1" providerId="LiveId" clId="{7EF9C819-F427-4753-9A5B-83F837DC536F}" dt="2020-12-12T11:21:26.618" v="104" actId="207"/>
+          <ac:chgData name="Benedikt Roth" userId="af14ea373a273bf1" providerId="LiveId" clId="{7EF9C819-F427-4753-9A5B-83F837DC536F}" dt="2020-12-12T12:49:31.329" v="739" actId="20577"/>
           <ac:spMkLst>
             <pc:docMk/>
             <pc:sldMk cId="3828761059" sldId="268"/>
             <ac:spMk id="4" creationId="{5E06E777-7059-4F19-AD12-D75C5EB8F195}"/>
           </ac:spMkLst>
         </pc:spChg>
-        <pc:graphicFrameChg chg="add mod modGraphic">
-          <ac:chgData name="Benedikt Roth" userId="af14ea373a273bf1" providerId="LiveId" clId="{7EF9C819-F427-4753-9A5B-83F837DC536F}" dt="2020-12-12T11:22:45.665" v="124" actId="20577"/>
+        <pc:spChg chg="add mod">
+          <ac:chgData name="Benedikt Roth" userId="af14ea373a273bf1" providerId="LiveId" clId="{7EF9C819-F427-4753-9A5B-83F837DC536F}" dt="2020-12-12T12:58:27.227" v="793" actId="207"/>
+          <ac:spMkLst>
+            <pc:docMk/>
+            <pc:sldMk cId="3828761059" sldId="268"/>
+            <ac:spMk id="7" creationId="{4EA62EA0-7F56-4AEA-927A-65C439809601}"/>
+          </ac:spMkLst>
+        </pc:spChg>
+        <pc:spChg chg="add mod">
+          <ac:chgData name="Benedikt Roth" userId="af14ea373a273bf1" providerId="LiveId" clId="{7EF9C819-F427-4753-9A5B-83F837DC536F}" dt="2020-12-12T12:58:15.635" v="792" actId="207"/>
+          <ac:spMkLst>
+            <pc:docMk/>
+            <pc:sldMk cId="3828761059" sldId="268"/>
+            <ac:spMk id="9" creationId="{12F62EB5-2541-466E-89D4-AC1CE252CB8D}"/>
+          </ac:spMkLst>
+        </pc:spChg>
+        <pc:spChg chg="add mod">
+          <ac:chgData name="Benedikt Roth" userId="af14ea373a273bf1" providerId="LiveId" clId="{7EF9C819-F427-4753-9A5B-83F837DC536F}" dt="2020-12-12T12:55:28.833" v="786" actId="1076"/>
+          <ac:spMkLst>
+            <pc:docMk/>
+            <pc:sldMk cId="3828761059" sldId="268"/>
+            <ac:spMk id="12" creationId="{8EC6F8D0-FE1D-4474-B03E-B71359B20E3B}"/>
+          </ac:spMkLst>
+        </pc:spChg>
+        <pc:graphicFrameChg chg="add del mod modGraphic">
+          <ac:chgData name="Benedikt Roth" userId="af14ea373a273bf1" providerId="LiveId" clId="{7EF9C819-F427-4753-9A5B-83F837DC536F}" dt="2020-12-12T12:49:39.763" v="740" actId="478"/>
           <ac:graphicFrameMkLst>
             <pc:docMk/>
             <pc:sldMk cId="3828761059" sldId="268"/>
             <ac:graphicFrameMk id="2" creationId="{80DE7EB8-5382-49CB-B9CC-C607DAA65807}"/>
+          </ac:graphicFrameMkLst>
+        </pc:graphicFrameChg>
+        <pc:graphicFrameChg chg="add del mod modGraphic">
+          <ac:chgData name="Benedikt Roth" userId="af14ea373a273bf1" providerId="LiveId" clId="{7EF9C819-F427-4753-9A5B-83F837DC536F}" dt="2020-12-12T13:16:31.782" v="918" actId="478"/>
+          <ac:graphicFrameMkLst>
+            <pc:docMk/>
+            <pc:sldMk cId="3828761059" sldId="268"/>
+            <ac:graphicFrameMk id="10" creationId="{C8529A0B-5D3E-4D7D-AF49-1812779BC8F7}"/>
+          </ac:graphicFrameMkLst>
+        </pc:graphicFrameChg>
+        <pc:graphicFrameChg chg="add mod modGraphic">
+          <ac:chgData name="Benedikt Roth" userId="af14ea373a273bf1" providerId="LiveId" clId="{7EF9C819-F427-4753-9A5B-83F837DC536F}" dt="2020-12-12T13:16:47.036" v="927" actId="20577"/>
+          <ac:graphicFrameMkLst>
+            <pc:docMk/>
+            <pc:sldMk cId="3828761059" sldId="268"/>
+            <ac:graphicFrameMk id="17" creationId="{E7F94E98-081F-4D48-A5BB-3E064BDD25B2}"/>
           </ac:graphicFrameMkLst>
         </pc:graphicFrameChg>
         <pc:picChg chg="del">
@@ -267,19 +307,147 @@
             <ac:picMk id="8" creationId="{D6DF432E-F43C-4601-A267-C201C469D936}"/>
           </ac:picMkLst>
         </pc:picChg>
+        <pc:picChg chg="add del mod">
+          <ac:chgData name="Benedikt Roth" userId="af14ea373a273bf1" providerId="LiveId" clId="{7EF9C819-F427-4753-9A5B-83F837DC536F}" dt="2020-12-12T12:52:30.726" v="762" actId="478"/>
+          <ac:picMkLst>
+            <pc:docMk/>
+            <pc:sldMk cId="3828761059" sldId="268"/>
+            <ac:picMk id="14" creationId="{F1B47DC7-4EDE-4B1E-A674-CEF70C430839}"/>
+          </ac:picMkLst>
+        </pc:picChg>
+        <pc:picChg chg="add mod">
+          <ac:chgData name="Benedikt Roth" userId="af14ea373a273bf1" providerId="LiveId" clId="{7EF9C819-F427-4753-9A5B-83F837DC536F}" dt="2020-12-12T12:56:11.581" v="788" actId="1076"/>
+          <ac:picMkLst>
+            <pc:docMk/>
+            <pc:sldMk cId="3828761059" sldId="268"/>
+            <ac:picMk id="16" creationId="{43A40B11-DB4E-4556-BDF1-1C105C9179D3}"/>
+          </ac:picMkLst>
+        </pc:picChg>
+        <pc:cxnChg chg="add mod">
+          <ac:chgData name="Benedikt Roth" userId="af14ea373a273bf1" providerId="LiveId" clId="{7EF9C819-F427-4753-9A5B-83F837DC536F}" dt="2020-12-12T13:08:28.930" v="794" actId="208"/>
+          <ac:cxnSpMkLst>
+            <pc:docMk/>
+            <pc:sldMk cId="3828761059" sldId="268"/>
+            <ac:cxnSpMk id="8" creationId="{41FAC595-7C46-4CEA-881D-CE3A69EEF251}"/>
+          </ac:cxnSpMkLst>
+        </pc:cxnChg>
       </pc:sldChg>
-      <pc:sldChg chg="delSp modSp add mod">
-        <pc:chgData name="Benedikt Roth" userId="af14ea373a273bf1" providerId="LiveId" clId="{7EF9C819-F427-4753-9A5B-83F837DC536F}" dt="2020-12-12T11:23:24.291" v="136" actId="478"/>
+      <pc:sldChg chg="addSp delSp modSp add mod delAnim modAnim">
+        <pc:chgData name="Benedikt Roth" userId="af14ea373a273bf1" providerId="LiveId" clId="{7EF9C819-F427-4753-9A5B-83F837DC536F}" dt="2020-12-12T12:48:34.249" v="736" actId="207"/>
         <pc:sldMkLst>
           <pc:docMk/>
           <pc:sldMk cId="4126314215" sldId="269"/>
         </pc:sldMkLst>
-        <pc:spChg chg="mod">
-          <ac:chgData name="Benedikt Roth" userId="af14ea373a273bf1" providerId="LiveId" clId="{7EF9C819-F427-4753-9A5B-83F837DC536F}" dt="2020-12-12T11:23:22.493" v="135" actId="20577"/>
+        <pc:spChg chg="mod ord">
+          <ac:chgData name="Benedikt Roth" userId="af14ea373a273bf1" providerId="LiveId" clId="{7EF9C819-F427-4753-9A5B-83F837DC536F}" dt="2020-12-12T12:37:54.708" v="676" actId="20577"/>
           <ac:spMkLst>
             <pc:docMk/>
             <pc:sldMk cId="4126314215" sldId="269"/>
             <ac:spMk id="4" creationId="{5E06E777-7059-4F19-AD12-D75C5EB8F195}"/>
+          </ac:spMkLst>
+        </pc:spChg>
+        <pc:spChg chg="add del">
+          <ac:chgData name="Benedikt Roth" userId="af14ea373a273bf1" providerId="LiveId" clId="{7EF9C819-F427-4753-9A5B-83F837DC536F}" dt="2020-12-12T11:34:33.448" v="273" actId="26606"/>
+          <ac:spMkLst>
+            <pc:docMk/>
+            <pc:sldMk cId="4126314215" sldId="269"/>
+            <ac:spMk id="11" creationId="{7CB4857B-ED7C-444D-9F04-2F885114A1C2}"/>
+          </ac:spMkLst>
+        </pc:spChg>
+        <pc:spChg chg="add del">
+          <ac:chgData name="Benedikt Roth" userId="af14ea373a273bf1" providerId="LiveId" clId="{7EF9C819-F427-4753-9A5B-83F837DC536F}" dt="2020-12-12T11:34:33.448" v="273" actId="26606"/>
+          <ac:spMkLst>
+            <pc:docMk/>
+            <pc:sldMk cId="4126314215" sldId="269"/>
+            <ac:spMk id="13" creationId="{D18046FB-44EA-4FD8-A585-EA09A319B2D0}"/>
+          </ac:spMkLst>
+        </pc:spChg>
+        <pc:spChg chg="add del">
+          <ac:chgData name="Benedikt Roth" userId="af14ea373a273bf1" providerId="LiveId" clId="{7EF9C819-F427-4753-9A5B-83F837DC536F}" dt="2020-12-12T11:34:33.448" v="273" actId="26606"/>
+          <ac:spMkLst>
+            <pc:docMk/>
+            <pc:sldMk cId="4126314215" sldId="269"/>
+            <ac:spMk id="15" creationId="{479F5F2B-8B58-4140-AE6A-51F6C67B18D9}"/>
+          </ac:spMkLst>
+        </pc:spChg>
+        <pc:spChg chg="add mod">
+          <ac:chgData name="Benedikt Roth" userId="af14ea373a273bf1" providerId="LiveId" clId="{7EF9C819-F427-4753-9A5B-83F837DC536F}" dt="2020-12-12T12:36:16.914" v="614" actId="207"/>
+          <ac:spMkLst>
+            <pc:docMk/>
+            <pc:sldMk cId="4126314215" sldId="269"/>
+            <ac:spMk id="18" creationId="{817A0350-B011-4E6A-99E9-95707F3655E9}"/>
+          </ac:spMkLst>
+        </pc:spChg>
+        <pc:spChg chg="add mod">
+          <ac:chgData name="Benedikt Roth" userId="af14ea373a273bf1" providerId="LiveId" clId="{7EF9C819-F427-4753-9A5B-83F837DC536F}" dt="2020-12-12T12:39:08.517" v="678" actId="207"/>
+          <ac:spMkLst>
+            <pc:docMk/>
+            <pc:sldMk cId="4126314215" sldId="269"/>
+            <ac:spMk id="19" creationId="{8D9F8E36-BEF5-476D-BDAD-2A48085C3025}"/>
+          </ac:spMkLst>
+        </pc:spChg>
+        <pc:spChg chg="add del">
+          <ac:chgData name="Benedikt Roth" userId="af14ea373a273bf1" providerId="LiveId" clId="{7EF9C819-F427-4753-9A5B-83F837DC536F}" dt="2020-12-12T11:34:09.932" v="267" actId="26606"/>
+          <ac:spMkLst>
+            <pc:docMk/>
+            <pc:sldMk cId="4126314215" sldId="269"/>
+            <ac:spMk id="20" creationId="{5A92BC41-5AE1-432E-87C7-12BF9E03D928}"/>
+          </ac:spMkLst>
+        </pc:spChg>
+        <pc:spChg chg="add mod">
+          <ac:chgData name="Benedikt Roth" userId="af14ea373a273bf1" providerId="LiveId" clId="{7EF9C819-F427-4753-9A5B-83F837DC536F}" dt="2020-12-12T12:48:34.249" v="736" actId="207"/>
+          <ac:spMkLst>
+            <pc:docMk/>
+            <pc:sldMk cId="4126314215" sldId="269"/>
+            <ac:spMk id="21" creationId="{5AE873AC-D9FB-484F-8ED5-18ECB7C87167}"/>
+          </ac:spMkLst>
+        </pc:spChg>
+        <pc:spChg chg="add del">
+          <ac:chgData name="Benedikt Roth" userId="af14ea373a273bf1" providerId="LiveId" clId="{7EF9C819-F427-4753-9A5B-83F837DC536F}" dt="2020-12-12T11:34:33.448" v="273" actId="26606"/>
+          <ac:spMkLst>
+            <pc:docMk/>
+            <pc:sldMk cId="4126314215" sldId="269"/>
+            <ac:spMk id="24" creationId="{463E6235-1649-4B47-9862-4026FC473B6F}"/>
+          </ac:spMkLst>
+        </pc:spChg>
+        <pc:spChg chg="add del">
+          <ac:chgData name="Benedikt Roth" userId="af14ea373a273bf1" providerId="LiveId" clId="{7EF9C819-F427-4753-9A5B-83F837DC536F}" dt="2020-12-12T11:34:33.448" v="273" actId="26606"/>
+          <ac:spMkLst>
+            <pc:docMk/>
+            <pc:sldMk cId="4126314215" sldId="269"/>
+            <ac:spMk id="25" creationId="{B9D7E975-9161-4F2D-AC53-69E1912F6B5D}"/>
+          </ac:spMkLst>
+        </pc:spChg>
+        <pc:spChg chg="add del">
+          <ac:chgData name="Benedikt Roth" userId="af14ea373a273bf1" providerId="LiveId" clId="{7EF9C819-F427-4753-9A5B-83F837DC536F}" dt="2020-12-12T11:34:33.448" v="273" actId="26606"/>
+          <ac:spMkLst>
+            <pc:docMk/>
+            <pc:sldMk cId="4126314215" sldId="269"/>
+            <ac:spMk id="26" creationId="{827DC2C4-B485-428A-BF4A-472D2967F47F}"/>
+          </ac:spMkLst>
+        </pc:spChg>
+        <pc:spChg chg="add del">
+          <ac:chgData name="Benedikt Roth" userId="af14ea373a273bf1" providerId="LiveId" clId="{7EF9C819-F427-4753-9A5B-83F837DC536F}" dt="2020-12-12T11:34:32.316" v="271" actId="26606"/>
+          <ac:spMkLst>
+            <pc:docMk/>
+            <pc:sldMk cId="4126314215" sldId="269"/>
+            <ac:spMk id="31" creationId="{19D32F93-50AC-4C46-A5DB-291C60DDB7BD}"/>
+          </ac:spMkLst>
+        </pc:spChg>
+        <pc:spChg chg="add del">
+          <ac:chgData name="Benedikt Roth" userId="af14ea373a273bf1" providerId="LiveId" clId="{7EF9C819-F427-4753-9A5B-83F837DC536F}" dt="2020-12-12T11:34:32.316" v="271" actId="26606"/>
+          <ac:spMkLst>
+            <pc:docMk/>
+            <pc:sldMk cId="4126314215" sldId="269"/>
+            <ac:spMk id="33" creationId="{827DC2C4-B485-428A-BF4A-472D2967F47F}"/>
+          </ac:spMkLst>
+        </pc:spChg>
+        <pc:spChg chg="add del">
+          <ac:chgData name="Benedikt Roth" userId="af14ea373a273bf1" providerId="LiveId" clId="{7EF9C819-F427-4753-9A5B-83F837DC536F}" dt="2020-12-12T11:34:32.316" v="271" actId="26606"/>
+          <ac:spMkLst>
+            <pc:docMk/>
+            <pc:sldMk cId="4126314215" sldId="269"/>
+            <ac:spMk id="35" creationId="{EE04B5EB-F158-4507-90DD-BD23620C7CC9}"/>
           </ac:spMkLst>
         </pc:spChg>
         <pc:graphicFrameChg chg="del">
@@ -290,9 +458,41 @@
             <ac:graphicFrameMk id="2" creationId="{80DE7EB8-5382-49CB-B9CC-C607DAA65807}"/>
           </ac:graphicFrameMkLst>
         </pc:graphicFrameChg>
+        <pc:picChg chg="add mod">
+          <ac:chgData name="Benedikt Roth" userId="af14ea373a273bf1" providerId="LiveId" clId="{7EF9C819-F427-4753-9A5B-83F837DC536F}" dt="2020-12-12T12:35:40.478" v="607" actId="1076"/>
+          <ac:picMkLst>
+            <pc:docMk/>
+            <pc:sldMk cId="4126314215" sldId="269"/>
+            <ac:picMk id="3" creationId="{C35BFD7E-9504-4D26-A4DF-629CB6DE8BD2}"/>
+          </ac:picMkLst>
+        </pc:picChg>
+        <pc:picChg chg="add del mod">
+          <ac:chgData name="Benedikt Roth" userId="af14ea373a273bf1" providerId="LiveId" clId="{7EF9C819-F427-4753-9A5B-83F837DC536F}" dt="2020-12-12T11:34:44.453" v="274" actId="478"/>
+          <ac:picMkLst>
+            <pc:docMk/>
+            <pc:sldMk cId="4126314215" sldId="269"/>
+            <ac:picMk id="6" creationId="{D363877B-4775-4D51-B07D-5C94EA38BD1A}"/>
+          </ac:picMkLst>
+        </pc:picChg>
+        <pc:picChg chg="add del mod">
+          <ac:chgData name="Benedikt Roth" userId="af14ea373a273bf1" providerId="LiveId" clId="{7EF9C819-F427-4753-9A5B-83F837DC536F}" dt="2020-12-12T12:28:42.024" v="563" actId="478"/>
+          <ac:picMkLst>
+            <pc:docMk/>
+            <pc:sldMk cId="4126314215" sldId="269"/>
+            <ac:picMk id="16" creationId="{0D9F76E2-281C-4265-8EEC-2180A5E2D2DF}"/>
+          </ac:picMkLst>
+        </pc:picChg>
+        <pc:cxnChg chg="add del">
+          <ac:chgData name="Benedikt Roth" userId="af14ea373a273bf1" providerId="LiveId" clId="{7EF9C819-F427-4753-9A5B-83F837DC536F}" dt="2020-12-12T11:34:09.932" v="267" actId="26606"/>
+          <ac:cxnSpMkLst>
+            <pc:docMk/>
+            <pc:sldMk cId="4126314215" sldId="269"/>
+            <ac:cxnSpMk id="22" creationId="{DC0E1208-0B30-4396-AE7C-AEBFFAEE66DB}"/>
+          </ac:cxnSpMkLst>
+        </pc:cxnChg>
       </pc:sldChg>
-      <pc:sldChg chg="modSp add mod">
-        <pc:chgData name="Benedikt Roth" userId="af14ea373a273bf1" providerId="LiveId" clId="{7EF9C819-F427-4753-9A5B-83F837DC536F}" dt="2020-12-12T11:23:36.194" v="154" actId="20577"/>
+      <pc:sldChg chg="addSp delSp modSp add mod">
+        <pc:chgData name="Benedikt Roth" userId="af14ea373a273bf1" providerId="LiveId" clId="{7EF9C819-F427-4753-9A5B-83F837DC536F}" dt="2020-12-12T12:16:23.168" v="560" actId="20577"/>
         <pc:sldMkLst>
           <pc:docMk/>
           <pc:sldMk cId="2294727082" sldId="270"/>
@@ -305,6 +505,22 @@
             <ac:spMk id="4" creationId="{5E06E777-7059-4F19-AD12-D75C5EB8F195}"/>
           </ac:spMkLst>
         </pc:spChg>
+        <pc:graphicFrameChg chg="add del mod modGraphic">
+          <ac:chgData name="Benedikt Roth" userId="af14ea373a273bf1" providerId="LiveId" clId="{7EF9C819-F427-4753-9A5B-83F837DC536F}" dt="2020-12-12T11:48:35.387" v="421" actId="478"/>
+          <ac:graphicFrameMkLst>
+            <pc:docMk/>
+            <pc:sldMk cId="2294727082" sldId="270"/>
+            <ac:graphicFrameMk id="2" creationId="{9F4A9F18-FC34-4E06-B320-4E7AF6996016}"/>
+          </ac:graphicFrameMkLst>
+        </pc:graphicFrameChg>
+        <pc:graphicFrameChg chg="add mod modGraphic">
+          <ac:chgData name="Benedikt Roth" userId="af14ea373a273bf1" providerId="LiveId" clId="{7EF9C819-F427-4753-9A5B-83F837DC536F}" dt="2020-12-12T12:16:23.168" v="560" actId="20577"/>
+          <ac:graphicFrameMkLst>
+            <pc:docMk/>
+            <pc:sldMk cId="2294727082" sldId="270"/>
+            <ac:graphicFrameMk id="3" creationId="{D8E0CB45-F34E-4D62-9C34-94F07883E552}"/>
+          </ac:graphicFrameMkLst>
+        </pc:graphicFrameChg>
       </pc:sldChg>
       <pc:sldChg chg="add del addCm delCm">
         <pc:chgData name="Benedikt Roth" userId="af14ea373a273bf1" providerId="LiveId" clId="{7EF9C819-F427-4753-9A5B-83F837DC536F}" dt="2020-12-12T11:23:54.070" v="160" actId="2890"/>
@@ -313,8 +529,8 @@
           <pc:sldMk cId="915178626" sldId="271"/>
         </pc:sldMkLst>
       </pc:sldChg>
-      <pc:sldChg chg="modSp add mod">
-        <pc:chgData name="Benedikt Roth" userId="af14ea373a273bf1" providerId="LiveId" clId="{7EF9C819-F427-4753-9A5B-83F837DC536F}" dt="2020-12-12T11:24:20.980" v="179" actId="20577"/>
+      <pc:sldChg chg="addSp delSp modSp add mod">
+        <pc:chgData name="Benedikt Roth" userId="af14ea373a273bf1" providerId="LiveId" clId="{7EF9C819-F427-4753-9A5B-83F837DC536F}" dt="2020-12-12T12:15:53.382" v="554" actId="1076"/>
         <pc:sldMkLst>
           <pc:docMk/>
           <pc:sldMk cId="1345784225" sldId="271"/>
@@ -327,30 +543,150 @@
             <ac:spMk id="4" creationId="{5E06E777-7059-4F19-AD12-D75C5EB8F195}"/>
           </ac:spMkLst>
         </pc:spChg>
+        <pc:spChg chg="add mod">
+          <ac:chgData name="Benedikt Roth" userId="af14ea373a273bf1" providerId="LiveId" clId="{7EF9C819-F427-4753-9A5B-83F837DC536F}" dt="2020-12-12T12:09:43.439" v="493" actId="1076"/>
+          <ac:spMkLst>
+            <pc:docMk/>
+            <pc:sldMk cId="1345784225" sldId="271"/>
+            <ac:spMk id="6" creationId="{B290AA6C-D75F-463C-B938-F7920EE31598}"/>
+          </ac:spMkLst>
+        </pc:spChg>
+        <pc:spChg chg="add mod">
+          <ac:chgData name="Benedikt Roth" userId="af14ea373a273bf1" providerId="LiveId" clId="{7EF9C819-F427-4753-9A5B-83F837DC536F}" dt="2020-12-12T12:15:53.382" v="554" actId="1076"/>
+          <ac:spMkLst>
+            <pc:docMk/>
+            <pc:sldMk cId="1345784225" sldId="271"/>
+            <ac:spMk id="8" creationId="{72941032-F0D6-4FA1-9FDD-837FD468C0F8}"/>
+          </ac:spMkLst>
+        </pc:spChg>
+        <pc:spChg chg="add del mod">
+          <ac:chgData name="Benedikt Roth" userId="af14ea373a273bf1" providerId="LiveId" clId="{7EF9C819-F427-4753-9A5B-83F837DC536F}" dt="2020-12-12T11:37:13.019" v="306" actId="478"/>
+          <ac:spMkLst>
+            <pc:docMk/>
+            <pc:sldMk cId="1345784225" sldId="271"/>
+            <ac:spMk id="9" creationId="{9F8B6408-0FD1-4F0F-8B9D-627D41D8D6D2}"/>
+          </ac:spMkLst>
+        </pc:spChg>
+        <pc:spChg chg="add mod">
+          <ac:chgData name="Benedikt Roth" userId="af14ea373a273bf1" providerId="LiveId" clId="{7EF9C819-F427-4753-9A5B-83F837DC536F}" dt="2020-12-12T12:14:12.701" v="544" actId="1076"/>
+          <ac:spMkLst>
+            <pc:docMk/>
+            <pc:sldMk cId="1345784225" sldId="271"/>
+            <ac:spMk id="17" creationId="{FA547DF3-93F6-4147-9CBB-D8246FF5117F}"/>
+          </ac:spMkLst>
+        </pc:spChg>
+        <pc:graphicFrameChg chg="add mod modGraphic">
+          <ac:chgData name="Benedikt Roth" userId="af14ea373a273bf1" providerId="LiveId" clId="{7EF9C819-F427-4753-9A5B-83F837DC536F}" dt="2020-12-12T12:15:44.750" v="552" actId="1076"/>
+          <ac:graphicFrameMkLst>
+            <pc:docMk/>
+            <pc:sldMk cId="1345784225" sldId="271"/>
+            <ac:graphicFrameMk id="10" creationId="{A8B7BE14-F1E8-4E61-9089-E99867E6D944}"/>
+          </ac:graphicFrameMkLst>
+        </pc:graphicFrameChg>
+        <pc:cxnChg chg="add mod">
+          <ac:chgData name="Benedikt Roth" userId="af14ea373a273bf1" providerId="LiveId" clId="{7EF9C819-F427-4753-9A5B-83F837DC536F}" dt="2020-12-12T12:14:35.945" v="545" actId="208"/>
+          <ac:cxnSpMkLst>
+            <pc:docMk/>
+            <pc:sldMk cId="1345784225" sldId="271"/>
+            <ac:cxnSpMk id="7" creationId="{3B9F3F69-F20F-404F-97D4-5A9585322177}"/>
+          </ac:cxnSpMkLst>
+        </pc:cxnChg>
+        <pc:cxnChg chg="add del mod">
+          <ac:chgData name="Benedikt Roth" userId="af14ea373a273bf1" providerId="LiveId" clId="{7EF9C819-F427-4753-9A5B-83F837DC536F}" dt="2020-12-12T12:08:00.958" v="468" actId="478"/>
+          <ac:cxnSpMkLst>
+            <pc:docMk/>
+            <pc:sldMk cId="1345784225" sldId="271"/>
+            <ac:cxnSpMk id="14" creationId="{66711A11-C063-4DA2-A9CC-FA6A5118A4B3}"/>
+          </ac:cxnSpMkLst>
+        </pc:cxnChg>
+        <pc:cxnChg chg="add del mod">
+          <ac:chgData name="Benedikt Roth" userId="af14ea373a273bf1" providerId="LiveId" clId="{7EF9C819-F427-4753-9A5B-83F837DC536F}" dt="2020-12-12T12:10:24.689" v="503" actId="478"/>
+          <ac:cxnSpMkLst>
+            <pc:docMk/>
+            <pc:sldMk cId="1345784225" sldId="271"/>
+            <ac:cxnSpMk id="16" creationId="{3041E0A7-270A-4F06-81C7-1E7DC41B0801}"/>
+          </ac:cxnSpMkLst>
+        </pc:cxnChg>
+        <pc:cxnChg chg="add del mod">
+          <ac:chgData name="Benedikt Roth" userId="af14ea373a273bf1" providerId="LiveId" clId="{7EF9C819-F427-4753-9A5B-83F837DC536F}" dt="2020-12-12T12:10:40.097" v="507" actId="478"/>
+          <ac:cxnSpMkLst>
+            <pc:docMk/>
+            <pc:sldMk cId="1345784225" sldId="271"/>
+            <ac:cxnSpMk id="18" creationId="{0EC4196F-ABC6-464D-A81C-6ACB3AB64E18}"/>
+          </ac:cxnSpMkLst>
+        </pc:cxnChg>
+        <pc:cxnChg chg="add del mod">
+          <ac:chgData name="Benedikt Roth" userId="af14ea373a273bf1" providerId="LiveId" clId="{7EF9C819-F427-4753-9A5B-83F837DC536F}" dt="2020-12-12T12:13:32.240" v="534" actId="478"/>
+          <ac:cxnSpMkLst>
+            <pc:docMk/>
+            <pc:sldMk cId="1345784225" sldId="271"/>
+            <ac:cxnSpMk id="20" creationId="{921BAD1D-B564-4B92-86D1-7115C966EC9A}"/>
+          </ac:cxnSpMkLst>
+        </pc:cxnChg>
+        <pc:cxnChg chg="add del mod">
+          <ac:chgData name="Benedikt Roth" userId="af14ea373a273bf1" providerId="LiveId" clId="{7EF9C819-F427-4753-9A5B-83F837DC536F}" dt="2020-12-12T12:14:01.435" v="541" actId="478"/>
+          <ac:cxnSpMkLst>
+            <pc:docMk/>
+            <pc:sldMk cId="1345784225" sldId="271"/>
+            <ac:cxnSpMk id="21" creationId="{278A6A1E-47A3-4BF3-BA8E-DCD3B2D77205}"/>
+          </ac:cxnSpMkLst>
+        </pc:cxnChg>
+        <pc:cxnChg chg="add mod">
+          <ac:chgData name="Benedikt Roth" userId="af14ea373a273bf1" providerId="LiveId" clId="{7EF9C819-F427-4753-9A5B-83F837DC536F}" dt="2020-12-12T12:15:49.332" v="553" actId="1076"/>
+          <ac:cxnSpMkLst>
+            <pc:docMk/>
+            <pc:sldMk cId="1345784225" sldId="271"/>
+            <ac:cxnSpMk id="23" creationId="{A19E7BA5-D38D-4213-89DD-E743C024C76D}"/>
+          </ac:cxnSpMkLst>
+        </pc:cxnChg>
+        <pc:cxnChg chg="add mod">
+          <ac:chgData name="Benedikt Roth" userId="af14ea373a273bf1" providerId="LiveId" clId="{7EF9C819-F427-4753-9A5B-83F837DC536F}" dt="2020-12-12T12:14:50.282" v="547" actId="208"/>
+          <ac:cxnSpMkLst>
+            <pc:docMk/>
+            <pc:sldMk cId="1345784225" sldId="271"/>
+            <ac:cxnSpMk id="24" creationId="{2B22B883-4A2C-4E3D-8DAA-EDD675A0B427}"/>
+          </ac:cxnSpMkLst>
+        </pc:cxnChg>
       </pc:sldChg>
-      <pc:sldChg chg="modSp add mod">
-        <pc:chgData name="Benedikt Roth" userId="af14ea373a273bf1" providerId="LiveId" clId="{7EF9C819-F427-4753-9A5B-83F837DC536F}" dt="2020-12-12T11:30:08.591" v="226" actId="20577"/>
+      <pc:sldChg chg="addSp modSp add mod">
+        <pc:chgData name="Benedikt Roth" userId="af14ea373a273bf1" providerId="LiveId" clId="{7EF9C819-F427-4753-9A5B-83F837DC536F}" dt="2020-12-12T12:48:03.575" v="734" actId="14100"/>
         <pc:sldMkLst>
           <pc:docMk/>
           <pc:sldMk cId="1555843968" sldId="272"/>
         </pc:sldMkLst>
         <pc:spChg chg="mod">
-          <ac:chgData name="Benedikt Roth" userId="af14ea373a273bf1" providerId="LiveId" clId="{7EF9C819-F427-4753-9A5B-83F837DC536F}" dt="2020-12-12T11:30:08.591" v="226" actId="20577"/>
+          <ac:chgData name="Benedikt Roth" userId="af14ea373a273bf1" providerId="LiveId" clId="{7EF9C819-F427-4753-9A5B-83F837DC536F}" dt="2020-12-12T11:39:30.555" v="368" actId="207"/>
           <ac:spMkLst>
             <pc:docMk/>
             <pc:sldMk cId="1555843968" sldId="272"/>
             <ac:spMk id="4" creationId="{5E06E777-7059-4F19-AD12-D75C5EB8F195}"/>
           </ac:spMkLst>
         </pc:spChg>
+        <pc:spChg chg="add mod">
+          <ac:chgData name="Benedikt Roth" userId="af14ea373a273bf1" providerId="LiveId" clId="{7EF9C819-F427-4753-9A5B-83F837DC536F}" dt="2020-12-12T12:48:03.575" v="734" actId="14100"/>
+          <ac:spMkLst>
+            <pc:docMk/>
+            <pc:sldMk cId="1555843968" sldId="272"/>
+            <ac:spMk id="7" creationId="{70745053-D065-44B1-99BB-72D7D9145F7F}"/>
+          </ac:spMkLst>
+        </pc:spChg>
       </pc:sldChg>
-      <pc:sldChg chg="modSp add mod">
-        <pc:chgData name="Benedikt Roth" userId="af14ea373a273bf1" providerId="LiveId" clId="{7EF9C819-F427-4753-9A5B-83F837DC536F}" dt="2020-12-12T11:30:20.653" v="232" actId="20577"/>
+      <pc:sldChg chg="addSp delSp modSp add mod">
+        <pc:chgData name="Benedikt Roth" userId="af14ea373a273bf1" providerId="LiveId" clId="{7EF9C819-F427-4753-9A5B-83F837DC536F}" dt="2020-12-12T11:40:11.174" v="382" actId="20577"/>
         <pc:sldMkLst>
           <pc:docMk/>
           <pc:sldMk cId="1346837372" sldId="273"/>
         </pc:sldMkLst>
-        <pc:spChg chg="mod">
-          <ac:chgData name="Benedikt Roth" userId="af14ea373a273bf1" providerId="LiveId" clId="{7EF9C819-F427-4753-9A5B-83F837DC536F}" dt="2020-12-12T11:30:20.653" v="232" actId="20577"/>
+        <pc:spChg chg="add mod">
+          <ac:chgData name="Benedikt Roth" userId="af14ea373a273bf1" providerId="LiveId" clId="{7EF9C819-F427-4753-9A5B-83F837DC536F}" dt="2020-12-12T11:40:11.174" v="382" actId="20577"/>
+          <ac:spMkLst>
+            <pc:docMk/>
+            <pc:sldMk cId="1346837372" sldId="273"/>
+            <ac:spMk id="3" creationId="{0F1E45BE-1C66-40D3-81D8-7794820CDAF6}"/>
+          </ac:spMkLst>
+        </pc:spChg>
+        <pc:spChg chg="del mod">
+          <ac:chgData name="Benedikt Roth" userId="af14ea373a273bf1" providerId="LiveId" clId="{7EF9C819-F427-4753-9A5B-83F837DC536F}" dt="2020-12-12T11:39:44.627" v="369" actId="478"/>
           <ac:spMkLst>
             <pc:docMk/>
             <pc:sldMk cId="1346837372" sldId="273"/>
@@ -5036,16 +5372,8 @@
               </a:rPr>
             </a:br>
             <a:r>
-              <a:rPr lang="de-DE" sz="4400" dirty="0"/>
-              <a:t>P</a:t>
-            </a:r>
-            <a:r>
-              <a:rPr lang="en-US" sz="4400" dirty="0" err="1"/>
-              <a:t>redict</a:t>
-            </a:r>
-            <a:r>
               <a:rPr lang="en-US" sz="4400" dirty="0"/>
-              <a:t> the default of a borrower?</a:t>
+              <a:t>How to predict the default of a borrower?</a:t>
             </a:r>
             <a:br>
               <a:rPr lang="de-DE" sz="4400" dirty="0"/>
@@ -5524,12 +5852,250 @@
           </a:p>
         </p:txBody>
       </p:sp>
+      <p:sp>
+        <p:nvSpPr>
+          <p:cNvPr id="7" name="TextBox 2">
+            <a:extLst>
+              <a:ext uri="{FF2B5EF4-FFF2-40B4-BE49-F238E27FC236}">
+                <a16:creationId xmlns:a16="http://schemas.microsoft.com/office/drawing/2014/main" id="{4EA62EA0-7F56-4AEA-927A-65C439809601}"/>
+              </a:ext>
+            </a:extLst>
+          </p:cNvPr>
+          <p:cNvSpPr txBox="1"/>
+          <p:nvPr/>
+        </p:nvSpPr>
+        <p:spPr>
+          <a:xfrm>
+            <a:off x="1451505" y="1820403"/>
+            <a:ext cx="2864105" cy="369332"/>
+          </a:xfrm>
+          <a:prstGeom prst="rect">
+            <a:avLst/>
+          </a:prstGeom>
+          <a:solidFill>
+            <a:schemeClr val="tx1"/>
+          </a:solidFill>
+        </p:spPr>
+        <p:txBody>
+          <a:bodyPr wrap="square" rtlCol="0">
+            <a:spAutoFit/>
+          </a:bodyPr>
+          <a:lstStyle/>
+          <a:p>
+            <a:pPr algn="ctr"/>
+            <a:r>
+              <a:rPr lang="en-US" b="1" dirty="0">
+                <a:solidFill>
+                  <a:schemeClr val="bg1"/>
+                </a:solidFill>
+              </a:rPr>
+              <a:t>Loan Risk Factors Dataset</a:t>
+            </a:r>
+            <a:endParaRPr lang="de-DE" b="1" dirty="0">
+              <a:solidFill>
+                <a:schemeClr val="bg1"/>
+              </a:solidFill>
+            </a:endParaRPr>
+          </a:p>
+        </p:txBody>
+      </p:sp>
+      <p:cxnSp>
+        <p:nvCxnSpPr>
+          <p:cNvPr id="8" name="Straight Arrow Connector 7">
+            <a:extLst>
+              <a:ext uri="{FF2B5EF4-FFF2-40B4-BE49-F238E27FC236}">
+                <a16:creationId xmlns:a16="http://schemas.microsoft.com/office/drawing/2014/main" id="{41FAC595-7C46-4CEA-881D-CE3A69EEF251}"/>
+              </a:ext>
+            </a:extLst>
+          </p:cNvPr>
+          <p:cNvCxnSpPr>
+            <a:cxnSpLocks/>
+          </p:cNvCxnSpPr>
+          <p:nvPr/>
+        </p:nvCxnSpPr>
+        <p:spPr>
+          <a:xfrm>
+            <a:off x="4595070" y="2005069"/>
+            <a:ext cx="3001860" cy="0"/>
+          </a:xfrm>
+          <a:prstGeom prst="straightConnector1">
+            <a:avLst/>
+          </a:prstGeom>
+          <a:ln w="28575" cap="flat" cmpd="sng" algn="ctr">
+            <a:solidFill>
+              <a:schemeClr val="bg1"/>
+            </a:solidFill>
+            <a:prstDash val="solid"/>
+            <a:round/>
+            <a:headEnd type="none" w="med" len="med"/>
+            <a:tailEnd type="arrow" w="med" len="med"/>
+          </a:ln>
+        </p:spPr>
+        <p:style>
+          <a:lnRef idx="0">
+            <a:scrgbClr r="0" g="0" b="0"/>
+          </a:lnRef>
+          <a:fillRef idx="0">
+            <a:scrgbClr r="0" g="0" b="0"/>
+          </a:fillRef>
+          <a:effectRef idx="0">
+            <a:scrgbClr r="0" g="0" b="0"/>
+          </a:effectRef>
+          <a:fontRef idx="minor">
+            <a:schemeClr val="tx1"/>
+          </a:fontRef>
+        </p:style>
+      </p:cxnSp>
+      <p:sp>
+        <p:nvSpPr>
+          <p:cNvPr id="9" name="TextBox 3">
+            <a:extLst>
+              <a:ext uri="{FF2B5EF4-FFF2-40B4-BE49-F238E27FC236}">
+                <a16:creationId xmlns:a16="http://schemas.microsoft.com/office/drawing/2014/main" id="{12F62EB5-2541-466E-89D4-AC1CE252CB8D}"/>
+              </a:ext>
+            </a:extLst>
+          </p:cNvPr>
+          <p:cNvSpPr txBox="1"/>
+          <p:nvPr/>
+        </p:nvSpPr>
+        <p:spPr>
+          <a:xfrm>
+            <a:off x="7876390" y="1820403"/>
+            <a:ext cx="2231092" cy="369332"/>
+          </a:xfrm>
+          <a:prstGeom prst="rect">
+            <a:avLst/>
+          </a:prstGeom>
+          <a:solidFill>
+            <a:schemeClr val="tx1"/>
+          </a:solidFill>
+        </p:spPr>
+        <p:txBody>
+          <a:bodyPr wrap="square" rtlCol="0">
+            <a:spAutoFit/>
+          </a:bodyPr>
+          <a:lstStyle/>
+          <a:p>
+            <a:pPr algn="ctr"/>
+            <a:r>
+              <a:rPr lang="en-US" b="1" dirty="0">
+                <a:solidFill>
+                  <a:schemeClr val="bg1"/>
+                </a:solidFill>
+              </a:rPr>
+              <a:t>Prediction</a:t>
+            </a:r>
+            <a:endParaRPr lang="de-DE" b="1" dirty="0">
+              <a:solidFill>
+                <a:schemeClr val="bg1"/>
+              </a:solidFill>
+            </a:endParaRPr>
+          </a:p>
+        </p:txBody>
+      </p:sp>
+      <p:sp>
+        <p:nvSpPr>
+          <p:cNvPr id="12" name="TextBox 8">
+            <a:extLst>
+              <a:ext uri="{FF2B5EF4-FFF2-40B4-BE49-F238E27FC236}">
+                <a16:creationId xmlns:a16="http://schemas.microsoft.com/office/drawing/2014/main" id="{8EC6F8D0-FE1D-4474-B03E-B71359B20E3B}"/>
+              </a:ext>
+            </a:extLst>
+          </p:cNvPr>
+          <p:cNvSpPr txBox="1"/>
+          <p:nvPr/>
+        </p:nvSpPr>
+        <p:spPr>
+          <a:xfrm>
+            <a:off x="4661767" y="2038086"/>
+            <a:ext cx="1552618" cy="369332"/>
+          </a:xfrm>
+          <a:prstGeom prst="rect">
+            <a:avLst/>
+          </a:prstGeom>
+          <a:noFill/>
+        </p:spPr>
+        <p:txBody>
+          <a:bodyPr wrap="square" rtlCol="0">
+            <a:spAutoFit/>
+          </a:bodyPr>
+          <a:lstStyle/>
+          <a:p>
+            <a:r>
+              <a:rPr lang="en-US" b="1" dirty="0">
+                <a:solidFill>
+                  <a:schemeClr val="tx1">
+                    <a:lumMod val="75000"/>
+                    <a:lumOff val="25000"/>
+                  </a:schemeClr>
+                </a:solidFill>
+              </a:rPr>
+              <a:t>Expectations</a:t>
+            </a:r>
+            <a:endParaRPr lang="de-DE" b="1" dirty="0">
+              <a:solidFill>
+                <a:schemeClr val="tx1">
+                  <a:lumMod val="75000"/>
+                  <a:lumOff val="25000"/>
+                </a:schemeClr>
+              </a:solidFill>
+            </a:endParaRPr>
+          </a:p>
+        </p:txBody>
+      </p:sp>
+      <p:pic>
+        <p:nvPicPr>
+          <p:cNvPr id="16" name="Picture 2">
+            <a:extLst>
+              <a:ext uri="{FF2B5EF4-FFF2-40B4-BE49-F238E27FC236}">
+                <a16:creationId xmlns:a16="http://schemas.microsoft.com/office/drawing/2014/main" id="{43A40B11-DB4E-4556-BDF1-1C105C9179D3}"/>
+              </a:ext>
+            </a:extLst>
+          </p:cNvPr>
+          <p:cNvPicPr>
+            <a:picLocks noChangeAspect="1" noChangeArrowheads="1"/>
+          </p:cNvPicPr>
+          <p:nvPr/>
+        </p:nvPicPr>
+        <p:blipFill>
+          <a:blip r:embed="rId2">
+            <a:extLst>
+              <a:ext uri="{28A0092B-C50C-407E-A947-70E740481C1C}">
+                <a14:useLocalDpi xmlns:a14="http://schemas.microsoft.com/office/drawing/2010/main" val="0"/>
+              </a:ext>
+            </a:extLst>
+          </a:blip>
+          <a:srcRect/>
+          <a:stretch>
+            <a:fillRect/>
+          </a:stretch>
+        </p:blipFill>
+        <p:spPr bwMode="auto">
+          <a:xfrm>
+            <a:off x="7458216" y="3166555"/>
+            <a:ext cx="3562350" cy="2714625"/>
+          </a:xfrm>
+          <a:prstGeom prst="rect">
+            <a:avLst/>
+          </a:prstGeom>
+          <a:noFill/>
+          <a:extLst>
+            <a:ext uri="{909E8E84-426E-40DD-AFC4-6F175D3DCCD1}">
+              <a14:hiddenFill xmlns:a14="http://schemas.microsoft.com/office/drawing/2010/main">
+                <a:solidFill>
+                  <a:srgbClr val="FFFFFF"/>
+                </a:solidFill>
+              </a14:hiddenFill>
+            </a:ext>
+          </a:extLst>
+        </p:spPr>
+      </p:pic>
       <p:graphicFrame>
         <p:nvGraphicFramePr>
-          <p:cNvPr id="2" name="Tabelle 2">
+          <p:cNvPr id="17" name="Tabelle 4">
             <a:extLst>
               <a:ext uri="{FF2B5EF4-FFF2-40B4-BE49-F238E27FC236}">
-                <a16:creationId xmlns:a16="http://schemas.microsoft.com/office/drawing/2014/main" id="{80DE7EB8-5382-49CB-B9CC-C607DAA65807}"/>
+                <a16:creationId xmlns:a16="http://schemas.microsoft.com/office/drawing/2014/main" id="{E7F94E98-081F-4D48-A5BB-3E064BDD25B2}"/>
               </a:ext>
             </a:extLst>
           </p:cNvPr>
@@ -5539,33 +6105,33 @@
           <p:nvPr>
             <p:extLst>
               <p:ext uri="{D42A27DB-BD31-4B8C-83A1-F6EECF244321}">
-                <p14:modId xmlns:p14="http://schemas.microsoft.com/office/powerpoint/2010/main" val="1503435427"/>
+                <p14:modId xmlns:p14="http://schemas.microsoft.com/office/powerpoint/2010/main" val="1000415166"/>
               </p:ext>
             </p:extLst>
           </p:nvPr>
         </p:nvGraphicFramePr>
         <p:xfrm>
-          <a:off x="2032000" y="1866900"/>
-          <a:ext cx="8128000" cy="4815840"/>
+          <a:off x="1451505" y="2407418"/>
+          <a:ext cx="5418666" cy="4074160"/>
         </p:xfrm>
         <a:graphic>
           <a:graphicData uri="http://schemas.openxmlformats.org/drawingml/2006/table">
             <a:tbl>
               <a:tblPr firstRow="1" bandRow="1">
-                <a:tableStyleId>{073A0DAA-6AF3-43AB-8588-CEC1D06C72B9}</a:tableStyleId>
+                <a:tableStyleId>{5C22544A-7EE6-4342-B048-85BDC9FD1C3A}</a:tableStyleId>
               </a:tblPr>
               <a:tblGrid>
-                <a:gridCol w="4064000">
+                <a:gridCol w="2709333">
                   <a:extLst>
                     <a:ext uri="{9D8B030D-6E8A-4147-A177-3AD203B41FA5}">
-                      <a16:colId xmlns:a16="http://schemas.microsoft.com/office/drawing/2014/main" val="1495691404"/>
+                      <a16:colId xmlns:a16="http://schemas.microsoft.com/office/drawing/2014/main" val="134507199"/>
                     </a:ext>
                   </a:extLst>
                 </a:gridCol>
-                <a:gridCol w="4064000">
+                <a:gridCol w="2709333">
                   <a:extLst>
                     <a:ext uri="{9D8B030D-6E8A-4147-A177-3AD203B41FA5}">
-                      <a16:colId xmlns:a16="http://schemas.microsoft.com/office/drawing/2014/main" val="2101128999"/>
+                      <a16:colId xmlns:a16="http://schemas.microsoft.com/office/drawing/2014/main" val="2460821814"/>
                     </a:ext>
                   </a:extLst>
                 </a:gridCol>
@@ -5577,12 +6143,28 @@
                     <a:lstStyle/>
                     <a:p>
                       <a:r>
-                        <a:rPr lang="de-DE" dirty="0"/>
-                        <a:t>Variable </a:t>
+                        <a:rPr lang="en-US" b="1" dirty="0">
+                          <a:solidFill>
+                            <a:schemeClr val="bg1"/>
+                          </a:solidFill>
+                        </a:rPr>
+                        <a:t>Age</a:t>
                       </a:r>
+                      <a:endParaRPr lang="de-DE" b="1" dirty="0">
+                        <a:solidFill>
+                          <a:schemeClr val="bg1"/>
+                        </a:solidFill>
+                      </a:endParaRPr>
                     </a:p>
                   </a:txBody>
-                  <a:tcPr/>
+                  <a:tcPr>
+                    <a:solidFill>
+                      <a:schemeClr val="tx1">
+                        <a:lumMod val="50000"/>
+                        <a:lumOff val="50000"/>
+                      </a:schemeClr>
+                    </a:solidFill>
+                  </a:tcPr>
                 </a:tc>
                 <a:tc>
                   <a:txBody>
@@ -5590,16 +6172,27 @@
                     <a:lstStyle/>
                     <a:p>
                       <a:r>
-                        <a:rPr lang="de-DE" dirty="0"/>
-                        <a:t>Impact</a:t>
+                        <a:rPr lang="en-US" dirty="0">
+                          <a:solidFill>
+                            <a:schemeClr val="bg1"/>
+                          </a:solidFill>
+                        </a:rPr>
+                        <a:t>+</a:t>
                       </a:r>
                     </a:p>
                   </a:txBody>
-                  <a:tcPr/>
+                  <a:tcPr>
+                    <a:solidFill>
+                      <a:schemeClr val="tx1">
+                        <a:lumMod val="50000"/>
+                        <a:lumOff val="50000"/>
+                      </a:schemeClr>
+                    </a:solidFill>
+                  </a:tcPr>
                 </a:tc>
                 <a:extLst>
                   <a:ext uri="{0D108BD9-81ED-4DB2-BD59-A6C34878D82A}">
-                    <a16:rowId xmlns:a16="http://schemas.microsoft.com/office/drawing/2014/main" val="833982691"/>
+                    <a16:rowId xmlns:a16="http://schemas.microsoft.com/office/drawing/2014/main" val="3853955482"/>
                   </a:ext>
                 </a:extLst>
               </a:tr>
@@ -5609,24 +6202,60 @@
                     <a:bodyPr/>
                     <a:lstStyle/>
                     <a:p>
-                      <a:endParaRPr lang="de-DE" dirty="0"/>
+                      <a:r>
+                        <a:rPr lang="en-US" b="1" dirty="0">
+                          <a:solidFill>
+                            <a:schemeClr val="bg1"/>
+                          </a:solidFill>
+                        </a:rPr>
+                        <a:t>Income</a:t>
+                      </a:r>
+                      <a:endParaRPr lang="de-DE" b="1" dirty="0">
+                        <a:solidFill>
+                          <a:schemeClr val="bg1"/>
+                        </a:solidFill>
+                      </a:endParaRPr>
                     </a:p>
                   </a:txBody>
-                  <a:tcPr/>
+                  <a:tcPr>
+                    <a:solidFill>
+                      <a:schemeClr val="bg2">
+                        <a:lumMod val="90000"/>
+                      </a:schemeClr>
+                    </a:solidFill>
+                  </a:tcPr>
                 </a:tc>
                 <a:tc>
                   <a:txBody>
                     <a:bodyPr/>
                     <a:lstStyle/>
                     <a:p>
-                      <a:endParaRPr lang="de-DE"/>
+                      <a:r>
+                        <a:rPr lang="en-US" dirty="0">
+                          <a:solidFill>
+                            <a:schemeClr val="bg1"/>
+                          </a:solidFill>
+                        </a:rPr>
+                        <a:t>+</a:t>
+                      </a:r>
+                      <a:endParaRPr lang="de-DE" dirty="0">
+                        <a:solidFill>
+                          <a:schemeClr val="bg1"/>
+                        </a:solidFill>
+                      </a:endParaRPr>
                     </a:p>
                   </a:txBody>
-                  <a:tcPr/>
+                  <a:tcPr>
+                    <a:solidFill>
+                      <a:schemeClr val="bg2">
+                        <a:lumMod val="90000"/>
+                      </a:schemeClr>
+                    </a:solidFill>
+                  </a:tcPr>
                 </a:tc>
                 <a:extLst>
                   <a:ext uri="{0D108BD9-81ED-4DB2-BD59-A6C34878D82A}">
-                    <a16:rowId xmlns:a16="http://schemas.microsoft.com/office/drawing/2014/main" val="406380766"/>
+                    <a16:rowId xmlns:a16="http://schemas.microsoft.com/office/drawing/2014/main" val="1750801329"/>
                   </a:ext>
                 </a:extLst>
               </a:tr>
@@ -5636,24 +6265,62 @@
                     <a:bodyPr/>
                     <a:lstStyle/>
                     <a:p>
-                      <a:endParaRPr lang="de-DE"/>
+                      <a:r>
+                        <a:rPr lang="en-US" b="1" dirty="0">
+                          <a:solidFill>
+                            <a:schemeClr val="bg1"/>
+                          </a:solidFill>
+                        </a:rPr>
+                        <a:t>Home ownership</a:t>
+                      </a:r>
+                      <a:endParaRPr lang="de-DE" b="1" dirty="0">
+                        <a:solidFill>
+                          <a:schemeClr val="bg1"/>
+                        </a:solidFill>
+                      </a:endParaRPr>
                     </a:p>
                   </a:txBody>
-                  <a:tcPr/>
+                  <a:tcPr>
+                    <a:solidFill>
+                      <a:schemeClr val="tx1">
+                        <a:lumMod val="50000"/>
+                        <a:lumOff val="50000"/>
+                      </a:schemeClr>
+                    </a:solidFill>
+                  </a:tcPr>
                 </a:tc>
                 <a:tc>
                   <a:txBody>
                     <a:bodyPr/>
                     <a:lstStyle/>
                     <a:p>
-                      <a:endParaRPr lang="de-DE"/>
+                      <a:r>
+                        <a:rPr lang="en-US" dirty="0">
+                          <a:solidFill>
+                            <a:schemeClr val="bg1"/>
+                          </a:solidFill>
+                        </a:rPr>
+                        <a:t>+</a:t>
+                      </a:r>
+                      <a:endParaRPr lang="de-DE" dirty="0">
+                        <a:solidFill>
+                          <a:schemeClr val="bg1"/>
+                        </a:solidFill>
+                      </a:endParaRPr>
                     </a:p>
                   </a:txBody>
-                  <a:tcPr/>
+                  <a:tcPr>
+                    <a:solidFill>
+                      <a:schemeClr val="tx1">
+                        <a:lumMod val="50000"/>
+                        <a:lumOff val="50000"/>
+                      </a:schemeClr>
+                    </a:solidFill>
+                  </a:tcPr>
                 </a:tc>
                 <a:extLst>
                   <a:ext uri="{0D108BD9-81ED-4DB2-BD59-A6C34878D82A}">
-                    <a16:rowId xmlns:a16="http://schemas.microsoft.com/office/drawing/2014/main" val="2010818831"/>
+                    <a16:rowId xmlns:a16="http://schemas.microsoft.com/office/drawing/2014/main" val="2666820083"/>
                   </a:ext>
                 </a:extLst>
               </a:tr>
@@ -5663,24 +6330,60 @@
                     <a:bodyPr/>
                     <a:lstStyle/>
                     <a:p>
-                      <a:endParaRPr lang="de-DE"/>
+                      <a:r>
+                        <a:rPr lang="en-US" b="1" dirty="0">
+                          <a:solidFill>
+                            <a:schemeClr val="bg1"/>
+                          </a:solidFill>
+                        </a:rPr>
+                        <a:t>Employment length</a:t>
+                      </a:r>
+                      <a:endParaRPr lang="de-DE" b="1" dirty="0">
+                        <a:solidFill>
+                          <a:schemeClr val="bg1"/>
+                        </a:solidFill>
+                      </a:endParaRPr>
                     </a:p>
                   </a:txBody>
-                  <a:tcPr/>
+                  <a:tcPr>
+                    <a:solidFill>
+                      <a:schemeClr val="bg2">
+                        <a:lumMod val="90000"/>
+                      </a:schemeClr>
+                    </a:solidFill>
+                  </a:tcPr>
                 </a:tc>
                 <a:tc>
                   <a:txBody>
                     <a:bodyPr/>
                     <a:lstStyle/>
                     <a:p>
-                      <a:endParaRPr lang="de-DE"/>
+                      <a:r>
+                        <a:rPr lang="en-US" dirty="0">
+                          <a:solidFill>
+                            <a:schemeClr val="bg1"/>
+                          </a:solidFill>
+                        </a:rPr>
+                        <a:t>+</a:t>
+                      </a:r>
+                      <a:endParaRPr lang="de-DE" dirty="0">
+                        <a:solidFill>
+                          <a:schemeClr val="bg1"/>
+                        </a:solidFill>
+                      </a:endParaRPr>
                     </a:p>
                   </a:txBody>
-                  <a:tcPr/>
+                  <a:tcPr>
+                    <a:solidFill>
+                      <a:schemeClr val="bg2">
+                        <a:lumMod val="90000"/>
+                      </a:schemeClr>
+                    </a:solidFill>
+                  </a:tcPr>
                 </a:tc>
                 <a:extLst>
                   <a:ext uri="{0D108BD9-81ED-4DB2-BD59-A6C34878D82A}">
-                    <a16:rowId xmlns:a16="http://schemas.microsoft.com/office/drawing/2014/main" val="2380157233"/>
+                    <a16:rowId xmlns:a16="http://schemas.microsoft.com/office/drawing/2014/main" val="4227907179"/>
                   </a:ext>
                 </a:extLst>
               </a:tr>
@@ -5690,24 +6393,62 @@
                     <a:bodyPr/>
                     <a:lstStyle/>
                     <a:p>
-                      <a:endParaRPr lang="de-DE"/>
+                      <a:r>
+                        <a:rPr lang="en-US" b="1" dirty="0">
+                          <a:solidFill>
+                            <a:schemeClr val="bg1"/>
+                          </a:solidFill>
+                        </a:rPr>
+                        <a:t>Loan intent</a:t>
+                      </a:r>
+                      <a:endParaRPr lang="de-DE" b="1" dirty="0">
+                        <a:solidFill>
+                          <a:schemeClr val="bg1"/>
+                        </a:solidFill>
+                      </a:endParaRPr>
                     </a:p>
                   </a:txBody>
-                  <a:tcPr/>
+                  <a:tcPr>
+                    <a:solidFill>
+                      <a:schemeClr val="tx1">
+                        <a:lumMod val="50000"/>
+                        <a:lumOff val="50000"/>
+                      </a:schemeClr>
+                    </a:solidFill>
+                  </a:tcPr>
                 </a:tc>
                 <a:tc>
                   <a:txBody>
                     <a:bodyPr/>
                     <a:lstStyle/>
                     <a:p>
-                      <a:endParaRPr lang="de-DE"/>
+                      <a:r>
+                        <a:rPr lang="en-US" dirty="0">
+                          <a:solidFill>
+                            <a:schemeClr val="bg1"/>
+                          </a:solidFill>
+                        </a:rPr>
+                        <a:t>Depends</a:t>
+                      </a:r>
+                      <a:endParaRPr lang="de-DE" dirty="0">
+                        <a:solidFill>
+                          <a:schemeClr val="bg1"/>
+                        </a:solidFill>
+                      </a:endParaRPr>
                     </a:p>
                   </a:txBody>
-                  <a:tcPr/>
+                  <a:tcPr>
+                    <a:solidFill>
+                      <a:schemeClr val="tx1">
+                        <a:lumMod val="50000"/>
+                        <a:lumOff val="50000"/>
+                      </a:schemeClr>
+                    </a:solidFill>
+                  </a:tcPr>
                 </a:tc>
                 <a:extLst>
                   <a:ext uri="{0D108BD9-81ED-4DB2-BD59-A6C34878D82A}">
-                    <a16:rowId xmlns:a16="http://schemas.microsoft.com/office/drawing/2014/main" val="402273806"/>
+                    <a16:rowId xmlns:a16="http://schemas.microsoft.com/office/drawing/2014/main" val="1752461741"/>
                   </a:ext>
                 </a:extLst>
               </a:tr>
@@ -5717,24 +6458,60 @@
                     <a:bodyPr/>
                     <a:lstStyle/>
                     <a:p>
-                      <a:endParaRPr lang="de-DE"/>
+                      <a:r>
+                        <a:rPr lang="en-US" b="1" dirty="0">
+                          <a:solidFill>
+                            <a:schemeClr val="bg1"/>
+                          </a:solidFill>
+                        </a:rPr>
+                        <a:t>Rating</a:t>
+                      </a:r>
+                      <a:endParaRPr lang="de-DE" b="1" dirty="0">
+                        <a:solidFill>
+                          <a:schemeClr val="bg1"/>
+                        </a:solidFill>
+                      </a:endParaRPr>
                     </a:p>
                   </a:txBody>
-                  <a:tcPr/>
+                  <a:tcPr>
+                    <a:solidFill>
+                      <a:schemeClr val="bg2">
+                        <a:lumMod val="90000"/>
+                      </a:schemeClr>
+                    </a:solidFill>
+                  </a:tcPr>
                 </a:tc>
                 <a:tc>
                   <a:txBody>
                     <a:bodyPr/>
                     <a:lstStyle/>
                     <a:p>
-                      <a:endParaRPr lang="de-DE"/>
+                      <a:r>
+                        <a:rPr lang="en-US" dirty="0">
+                          <a:solidFill>
+                            <a:schemeClr val="bg1"/>
+                          </a:solidFill>
+                        </a:rPr>
+                        <a:t>+</a:t>
+                      </a:r>
+                      <a:endParaRPr lang="de-DE" dirty="0">
+                        <a:solidFill>
+                          <a:schemeClr val="bg1"/>
+                        </a:solidFill>
+                      </a:endParaRPr>
                     </a:p>
                   </a:txBody>
-                  <a:tcPr/>
+                  <a:tcPr>
+                    <a:solidFill>
+                      <a:schemeClr val="bg2">
+                        <a:lumMod val="90000"/>
+                      </a:schemeClr>
+                    </a:solidFill>
+                  </a:tcPr>
                 </a:tc>
                 <a:extLst>
                   <a:ext uri="{0D108BD9-81ED-4DB2-BD59-A6C34878D82A}">
-                    <a16:rowId xmlns:a16="http://schemas.microsoft.com/office/drawing/2014/main" val="1448718164"/>
+                    <a16:rowId xmlns:a16="http://schemas.microsoft.com/office/drawing/2014/main" val="2856982273"/>
                   </a:ext>
                 </a:extLst>
               </a:tr>
@@ -5744,24 +6521,62 @@
                     <a:bodyPr/>
                     <a:lstStyle/>
                     <a:p>
-                      <a:endParaRPr lang="de-DE" dirty="0"/>
+                      <a:r>
+                        <a:rPr lang="en-US" b="1" dirty="0">
+                          <a:solidFill>
+                            <a:schemeClr val="bg1"/>
+                          </a:solidFill>
+                        </a:rPr>
+                        <a:t>Loan Amount</a:t>
+                      </a:r>
+                      <a:endParaRPr lang="de-DE" b="1" dirty="0">
+                        <a:solidFill>
+                          <a:schemeClr val="bg1"/>
+                        </a:solidFill>
+                      </a:endParaRPr>
                     </a:p>
                   </a:txBody>
-                  <a:tcPr/>
+                  <a:tcPr>
+                    <a:solidFill>
+                      <a:schemeClr val="tx1">
+                        <a:lumMod val="50000"/>
+                        <a:lumOff val="50000"/>
+                      </a:schemeClr>
+                    </a:solidFill>
+                  </a:tcPr>
                 </a:tc>
                 <a:tc>
                   <a:txBody>
                     <a:bodyPr/>
                     <a:lstStyle/>
                     <a:p>
-                      <a:endParaRPr lang="de-DE" dirty="0"/>
+                      <a:r>
+                        <a:rPr lang="en-US" dirty="0">
+                          <a:solidFill>
+                            <a:schemeClr val="bg1"/>
+                          </a:solidFill>
+                        </a:rPr>
+                        <a:t>-</a:t>
+                      </a:r>
+                      <a:endParaRPr lang="de-DE" dirty="0">
+                        <a:solidFill>
+                          <a:schemeClr val="bg1"/>
+                        </a:solidFill>
+                      </a:endParaRPr>
                     </a:p>
                   </a:txBody>
-                  <a:tcPr/>
+                  <a:tcPr>
+                    <a:solidFill>
+                      <a:schemeClr val="tx1">
+                        <a:lumMod val="50000"/>
+                        <a:lumOff val="50000"/>
+                      </a:schemeClr>
+                    </a:solidFill>
+                  </a:tcPr>
                 </a:tc>
                 <a:extLst>
                   <a:ext uri="{0D108BD9-81ED-4DB2-BD59-A6C34878D82A}">
-                    <a16:rowId xmlns:a16="http://schemas.microsoft.com/office/drawing/2014/main" val="2171292425"/>
+                    <a16:rowId xmlns:a16="http://schemas.microsoft.com/office/drawing/2014/main" val="2925676416"/>
                   </a:ext>
                 </a:extLst>
               </a:tr>
@@ -5771,24 +6586,60 @@
                     <a:bodyPr/>
                     <a:lstStyle/>
                     <a:p>
-                      <a:endParaRPr lang="de-DE"/>
+                      <a:r>
+                        <a:rPr lang="en-US" b="1" dirty="0">
+                          <a:solidFill>
+                            <a:schemeClr val="bg1"/>
+                          </a:solidFill>
+                        </a:rPr>
+                        <a:t>Interest Rate</a:t>
+                      </a:r>
+                      <a:endParaRPr lang="de-DE" b="1" dirty="0">
+                        <a:solidFill>
+                          <a:schemeClr val="bg1"/>
+                        </a:solidFill>
+                      </a:endParaRPr>
                     </a:p>
                   </a:txBody>
-                  <a:tcPr/>
+                  <a:tcPr>
+                    <a:solidFill>
+                      <a:schemeClr val="bg2">
+                        <a:lumMod val="90000"/>
+                      </a:schemeClr>
+                    </a:solidFill>
+                  </a:tcPr>
                 </a:tc>
                 <a:tc>
                   <a:txBody>
                     <a:bodyPr/>
                     <a:lstStyle/>
                     <a:p>
-                      <a:endParaRPr lang="de-DE"/>
+                      <a:r>
+                        <a:rPr lang="en-US" dirty="0">
+                          <a:solidFill>
+                            <a:schemeClr val="bg1"/>
+                          </a:solidFill>
+                        </a:rPr>
+                        <a:t>-</a:t>
+                      </a:r>
+                      <a:endParaRPr lang="de-DE" dirty="0">
+                        <a:solidFill>
+                          <a:schemeClr val="bg1"/>
+                        </a:solidFill>
+                      </a:endParaRPr>
                     </a:p>
                   </a:txBody>
-                  <a:tcPr/>
+                  <a:tcPr>
+                    <a:solidFill>
+                      <a:schemeClr val="bg2">
+                        <a:lumMod val="90000"/>
+                      </a:schemeClr>
+                    </a:solidFill>
+                  </a:tcPr>
                 </a:tc>
                 <a:extLst>
                   <a:ext uri="{0D108BD9-81ED-4DB2-BD59-A6C34878D82A}">
-                    <a16:rowId xmlns:a16="http://schemas.microsoft.com/office/drawing/2014/main" val="1577727965"/>
+                    <a16:rowId xmlns:a16="http://schemas.microsoft.com/office/drawing/2014/main" val="868200904"/>
                   </a:ext>
                 </a:extLst>
               </a:tr>
@@ -5798,24 +6649,62 @@
                     <a:bodyPr/>
                     <a:lstStyle/>
                     <a:p>
-                      <a:endParaRPr lang="de-DE"/>
+                      <a:r>
+                        <a:rPr lang="en-US" b="1" dirty="0">
+                          <a:solidFill>
+                            <a:schemeClr val="bg1"/>
+                          </a:solidFill>
+                        </a:rPr>
+                        <a:t>Debt to Income</a:t>
+                      </a:r>
+                      <a:endParaRPr lang="de-DE" b="1" dirty="0">
+                        <a:solidFill>
+                          <a:schemeClr val="bg1"/>
+                        </a:solidFill>
+                      </a:endParaRPr>
                     </a:p>
                   </a:txBody>
-                  <a:tcPr/>
+                  <a:tcPr>
+                    <a:solidFill>
+                      <a:schemeClr val="tx1">
+                        <a:lumMod val="50000"/>
+                        <a:lumOff val="50000"/>
+                      </a:schemeClr>
+                    </a:solidFill>
+                  </a:tcPr>
                 </a:tc>
                 <a:tc>
                   <a:txBody>
                     <a:bodyPr/>
                     <a:lstStyle/>
                     <a:p>
-                      <a:endParaRPr lang="de-DE"/>
+                      <a:r>
+                        <a:rPr lang="en-US" dirty="0">
+                          <a:solidFill>
+                            <a:schemeClr val="bg1"/>
+                          </a:solidFill>
+                        </a:rPr>
+                        <a:t>-</a:t>
+                      </a:r>
+                      <a:endParaRPr lang="de-DE" dirty="0">
+                        <a:solidFill>
+                          <a:schemeClr val="bg1"/>
+                        </a:solidFill>
+                      </a:endParaRPr>
                     </a:p>
                   </a:txBody>
-                  <a:tcPr/>
+                  <a:tcPr>
+                    <a:solidFill>
+                      <a:schemeClr val="tx1">
+                        <a:lumMod val="50000"/>
+                        <a:lumOff val="50000"/>
+                      </a:schemeClr>
+                    </a:solidFill>
+                  </a:tcPr>
                 </a:tc>
                 <a:extLst>
                   <a:ext uri="{0D108BD9-81ED-4DB2-BD59-A6C34878D82A}">
-                    <a16:rowId xmlns:a16="http://schemas.microsoft.com/office/drawing/2014/main" val="2364292227"/>
+                    <a16:rowId xmlns:a16="http://schemas.microsoft.com/office/drawing/2014/main" val="1214256700"/>
                   </a:ext>
                 </a:extLst>
               </a:tr>
@@ -5825,24 +6714,55 @@
                     <a:bodyPr/>
                     <a:lstStyle/>
                     <a:p>
-                      <a:endParaRPr lang="de-DE"/>
+                      <a:r>
+                        <a:rPr lang="en-US" b="1" dirty="0">
+                          <a:solidFill>
+                            <a:schemeClr val="bg1"/>
+                          </a:solidFill>
+                        </a:rPr>
+                        <a:t>Credit history length</a:t>
+                      </a:r>
                     </a:p>
                   </a:txBody>
-                  <a:tcPr/>
+                  <a:tcPr>
+                    <a:solidFill>
+                      <a:schemeClr val="bg2">
+                        <a:lumMod val="90000"/>
+                      </a:schemeClr>
+                    </a:solidFill>
+                  </a:tcPr>
                 </a:tc>
                 <a:tc>
                   <a:txBody>
                     <a:bodyPr/>
                     <a:lstStyle/>
                     <a:p>
-                      <a:endParaRPr lang="de-DE"/>
+                      <a:r>
+                        <a:rPr lang="en-US" dirty="0">
+                          <a:solidFill>
+                            <a:schemeClr val="bg1"/>
+                          </a:solidFill>
+                        </a:rPr>
+                        <a:t>+</a:t>
+                      </a:r>
+                      <a:endParaRPr lang="de-DE" dirty="0">
+                        <a:solidFill>
+                          <a:schemeClr val="bg1"/>
+                        </a:solidFill>
+                      </a:endParaRPr>
                     </a:p>
                   </a:txBody>
-                  <a:tcPr/>
+                  <a:tcPr>
+                    <a:solidFill>
+                      <a:schemeClr val="bg2">
+                        <a:lumMod val="90000"/>
+                      </a:schemeClr>
+                    </a:solidFill>
+                  </a:tcPr>
                 </a:tc>
                 <a:extLst>
                   <a:ext uri="{0D108BD9-81ED-4DB2-BD59-A6C34878D82A}">
-                    <a16:rowId xmlns:a16="http://schemas.microsoft.com/office/drawing/2014/main" val="401684175"/>
+                    <a16:rowId xmlns:a16="http://schemas.microsoft.com/office/drawing/2014/main" val="4136467680"/>
                   </a:ext>
                 </a:extLst>
               </a:tr>
@@ -5852,78 +6772,62 @@
                     <a:bodyPr/>
                     <a:lstStyle/>
                     <a:p>
-                      <a:endParaRPr lang="de-DE"/>
+                      <a:r>
+                        <a:rPr lang="en-US" b="1" dirty="0">
+                          <a:solidFill>
+                            <a:schemeClr val="bg1"/>
+                          </a:solidFill>
+                        </a:rPr>
+                        <a:t>Payment Delays</a:t>
+                      </a:r>
+                      <a:endParaRPr lang="de-DE" b="1" dirty="0">
+                        <a:solidFill>
+                          <a:schemeClr val="bg1"/>
+                        </a:solidFill>
+                      </a:endParaRPr>
                     </a:p>
                   </a:txBody>
-                  <a:tcPr/>
+                  <a:tcPr>
+                    <a:solidFill>
+                      <a:schemeClr val="tx1">
+                        <a:lumMod val="50000"/>
+                        <a:lumOff val="50000"/>
+                      </a:schemeClr>
+                    </a:solidFill>
+                  </a:tcPr>
                 </a:tc>
                 <a:tc>
                   <a:txBody>
                     <a:bodyPr/>
                     <a:lstStyle/>
                     <a:p>
-                      <a:endParaRPr lang="de-DE"/>
+                      <a:r>
+                        <a:rPr lang="en-US" dirty="0">
+                          <a:solidFill>
+                            <a:schemeClr val="bg1"/>
+                          </a:solidFill>
+                        </a:rPr>
+                        <a:t>-</a:t>
+                      </a:r>
+                      <a:endParaRPr lang="de-DE" dirty="0">
+                        <a:solidFill>
+                          <a:schemeClr val="bg1"/>
+                        </a:solidFill>
+                      </a:endParaRPr>
                     </a:p>
                   </a:txBody>
-                  <a:tcPr/>
+                  <a:tcPr>
+                    <a:solidFill>
+                      <a:schemeClr val="tx1">
+                        <a:lumMod val="50000"/>
+                        <a:lumOff val="50000"/>
+                      </a:schemeClr>
+                    </a:solidFill>
+                  </a:tcPr>
                 </a:tc>
                 <a:extLst>
                   <a:ext uri="{0D108BD9-81ED-4DB2-BD59-A6C34878D82A}">
-                    <a16:rowId xmlns:a16="http://schemas.microsoft.com/office/drawing/2014/main" val="387186087"/>
-                  </a:ext>
-                </a:extLst>
-              </a:tr>
-              <a:tr h="370840">
-                <a:tc>
-                  <a:txBody>
-                    <a:bodyPr/>
-                    <a:lstStyle/>
-                    <a:p>
-                      <a:endParaRPr lang="de-DE"/>
-                    </a:p>
-                  </a:txBody>
-                  <a:tcPr/>
-                </a:tc>
-                <a:tc>
-                  <a:txBody>
-                    <a:bodyPr/>
-                    <a:lstStyle/>
-                    <a:p>
-                      <a:endParaRPr lang="de-DE"/>
-                    </a:p>
-                  </a:txBody>
-                  <a:tcPr/>
-                </a:tc>
-                <a:extLst>
-                  <a:ext uri="{0D108BD9-81ED-4DB2-BD59-A6C34878D82A}">
-                    <a16:rowId xmlns:a16="http://schemas.microsoft.com/office/drawing/2014/main" val="747964008"/>
-                  </a:ext>
-                </a:extLst>
-              </a:tr>
-              <a:tr h="370840">
-                <a:tc>
-                  <a:txBody>
-                    <a:bodyPr/>
-                    <a:lstStyle/>
-                    <a:p>
-                      <a:endParaRPr lang="de-DE"/>
-                    </a:p>
-                  </a:txBody>
-                  <a:tcPr/>
-                </a:tc>
-                <a:tc>
-                  <a:txBody>
-                    <a:bodyPr/>
-                    <a:lstStyle/>
-                    <a:p>
-                      <a:endParaRPr lang="de-DE" dirty="0"/>
-                    </a:p>
-                  </a:txBody>
-                  <a:tcPr/>
-                </a:tc>
-                <a:extLst>
-                  <a:ext uri="{0D108BD9-81ED-4DB2-BD59-A6C34878D82A}">
-                    <a16:rowId xmlns:a16="http://schemas.microsoft.com/office/drawing/2014/main" val="3036198280"/>
+                    <a16:rowId xmlns:a16="http://schemas.microsoft.com/office/drawing/2014/main" val="1560363081"/>
                   </a:ext>
                 </a:extLst>
               </a:tr>
@@ -5941,6 +6845,156 @@
   <p:clrMapOvr>
     <a:masterClrMapping/>
   </p:clrMapOvr>
+  <p:timing>
+    <p:tnLst>
+      <p:par>
+        <p:cTn id="1" dur="indefinite" restart="never" nodeType="tmRoot">
+          <p:childTnLst>
+            <p:seq concurrent="1" nextAc="seek">
+              <p:cTn id="2" dur="indefinite" nodeType="mainSeq">
+                <p:childTnLst>
+                  <p:par>
+                    <p:cTn id="3" fill="hold">
+                      <p:stCondLst>
+                        <p:cond delay="indefinite"/>
+                      </p:stCondLst>
+                      <p:childTnLst>
+                        <p:par>
+                          <p:cTn id="4" fill="hold">
+                            <p:stCondLst>
+                              <p:cond delay="0"/>
+                            </p:stCondLst>
+                            <p:childTnLst>
+                              <p:par>
+                                <p:cTn id="5" presetID="1" presetClass="entr" presetSubtype="0" fill="hold" nodeType="clickEffect">
+                                  <p:stCondLst>
+                                    <p:cond delay="0"/>
+                                  </p:stCondLst>
+                                  <p:childTnLst>
+                                    <p:set>
+                                      <p:cBhvr>
+                                        <p:cTn id="6" dur="1" fill="hold">
+                                          <p:stCondLst>
+                                            <p:cond delay="0"/>
+                                          </p:stCondLst>
+                                        </p:cTn>
+                                        <p:tgtEl>
+                                          <p:spTgt spid="8"/>
+                                        </p:tgtEl>
+                                        <p:attrNameLst>
+                                          <p:attrName>style.visibility</p:attrName>
+                                        </p:attrNameLst>
+                                      </p:cBhvr>
+                                      <p:to>
+                                        <p:strVal val="visible"/>
+                                      </p:to>
+                                    </p:set>
+                                  </p:childTnLst>
+                                </p:cTn>
+                              </p:par>
+                            </p:childTnLst>
+                          </p:cTn>
+                        </p:par>
+                      </p:childTnLst>
+                    </p:cTn>
+                  </p:par>
+                  <p:par>
+                    <p:cTn id="7" fill="hold">
+                      <p:stCondLst>
+                        <p:cond delay="indefinite"/>
+                      </p:stCondLst>
+                      <p:childTnLst>
+                        <p:par>
+                          <p:cTn id="8" fill="hold">
+                            <p:stCondLst>
+                              <p:cond delay="0"/>
+                            </p:stCondLst>
+                            <p:childTnLst>
+                              <p:par>
+                                <p:cTn id="9" presetID="1" presetClass="entr" presetSubtype="0" fill="hold" grpId="0" nodeType="clickEffect">
+                                  <p:stCondLst>
+                                    <p:cond delay="0"/>
+                                  </p:stCondLst>
+                                  <p:childTnLst>
+                                    <p:set>
+                                      <p:cBhvr>
+                                        <p:cTn id="10" dur="1" fill="hold">
+                                          <p:stCondLst>
+                                            <p:cond delay="0"/>
+                                          </p:stCondLst>
+                                        </p:cTn>
+                                        <p:tgtEl>
+                                          <p:spTgt spid="9"/>
+                                        </p:tgtEl>
+                                        <p:attrNameLst>
+                                          <p:attrName>style.visibility</p:attrName>
+                                        </p:attrNameLst>
+                                      </p:cBhvr>
+                                      <p:to>
+                                        <p:strVal val="visible"/>
+                                      </p:to>
+                                    </p:set>
+                                  </p:childTnLst>
+                                </p:cTn>
+                              </p:par>
+                              <p:par>
+                                <p:cTn id="11" presetID="1" presetClass="entr" presetSubtype="0" fill="hold" nodeType="withEffect">
+                                  <p:stCondLst>
+                                    <p:cond delay="0"/>
+                                  </p:stCondLst>
+                                  <p:childTnLst>
+                                    <p:set>
+                                      <p:cBhvr>
+                                        <p:cTn id="12" dur="1" fill="hold">
+                                          <p:stCondLst>
+                                            <p:cond delay="0"/>
+                                          </p:stCondLst>
+                                        </p:cTn>
+                                        <p:tgtEl>
+                                          <p:spTgt spid="16"/>
+                                        </p:tgtEl>
+                                        <p:attrNameLst>
+                                          <p:attrName>style.visibility</p:attrName>
+                                        </p:attrNameLst>
+                                      </p:cBhvr>
+                                      <p:to>
+                                        <p:strVal val="visible"/>
+                                      </p:to>
+                                    </p:set>
+                                  </p:childTnLst>
+                                </p:cTn>
+                              </p:par>
+                            </p:childTnLst>
+                          </p:cTn>
+                        </p:par>
+                      </p:childTnLst>
+                    </p:cTn>
+                  </p:par>
+                </p:childTnLst>
+              </p:cTn>
+              <p:prevCondLst>
+                <p:cond evt="onPrev" delay="0">
+                  <p:tgtEl>
+                    <p:sldTgt/>
+                  </p:tgtEl>
+                </p:cond>
+              </p:prevCondLst>
+              <p:nextCondLst>
+                <p:cond evt="onNext" delay="0">
+                  <p:tgtEl>
+                    <p:sldTgt/>
+                  </p:tgtEl>
+                </p:cond>
+              </p:nextCondLst>
+            </p:seq>
+          </p:childTnLst>
+        </p:cTn>
+      </p:par>
+    </p:tnLst>
+    <p:bldLst>
+      <p:bldP spid="9" grpId="0" animBg="1"/>
+    </p:bldLst>
+  </p:timing>
 </p:sld>
 </file>
 
@@ -6014,7 +7068,27 @@
             </a:br>
             <a:r>
               <a:rPr lang="de-DE" sz="4400" dirty="0" err="1"/>
-              <a:t>Heatmap</a:t>
+              <a:t>Prediction</a:t>
+            </a:r>
+            <a:r>
+              <a:rPr lang="de-DE" sz="4400" dirty="0"/>
+              <a:t> </a:t>
+            </a:r>
+            <a:r>
+              <a:rPr lang="de-DE" sz="4400" dirty="0" err="1"/>
+              <a:t>based</a:t>
+            </a:r>
+            <a:r>
+              <a:rPr lang="de-DE" sz="4400" dirty="0"/>
+              <a:t> on </a:t>
+            </a:r>
+            <a:r>
+              <a:rPr lang="de-DE" sz="4400" dirty="0" err="1"/>
+              <a:t>Logisitc</a:t>
+            </a:r>
+            <a:r>
+              <a:rPr lang="de-DE" sz="4400" dirty="0"/>
+              <a:t> Regression</a:t>
             </a:r>
             <a:br>
               <a:rPr lang="de-DE" sz="4400" dirty="0"/>
@@ -6493,6 +7567,169 @@
           </a:p>
         </p:txBody>
       </p:sp>
+      <p:pic>
+        <p:nvPicPr>
+          <p:cNvPr id="3" name="Grafik 2">
+            <a:extLst>
+              <a:ext uri="{FF2B5EF4-FFF2-40B4-BE49-F238E27FC236}">
+                <a16:creationId xmlns:a16="http://schemas.microsoft.com/office/drawing/2014/main" id="{C35BFD7E-9504-4D26-A4DF-629CB6DE8BD2}"/>
+              </a:ext>
+            </a:extLst>
+          </p:cNvPr>
+          <p:cNvPicPr>
+            <a:picLocks noChangeAspect="1"/>
+          </p:cNvPicPr>
+          <p:nvPr/>
+        </p:nvPicPr>
+        <p:blipFill>
+          <a:blip r:embed="rId2">
+            <a:extLst>
+              <a:ext uri="{28A0092B-C50C-407E-A947-70E740481C1C}">
+                <a14:useLocalDpi xmlns:a14="http://schemas.microsoft.com/office/drawing/2010/main" val="0"/>
+              </a:ext>
+            </a:extLst>
+          </a:blip>
+          <a:stretch>
+            <a:fillRect/>
+          </a:stretch>
+        </p:blipFill>
+        <p:spPr>
+          <a:xfrm>
+            <a:off x="3353143" y="1960048"/>
+            <a:ext cx="5485714" cy="3657143"/>
+          </a:xfrm>
+          <a:prstGeom prst="rect">
+            <a:avLst/>
+          </a:prstGeom>
+        </p:spPr>
+      </p:pic>
+      <p:sp>
+        <p:nvSpPr>
+          <p:cNvPr id="18" name="TextBox 14">
+            <a:extLst>
+              <a:ext uri="{FF2B5EF4-FFF2-40B4-BE49-F238E27FC236}">
+                <a16:creationId xmlns:a16="http://schemas.microsoft.com/office/drawing/2014/main" id="{817A0350-B011-4E6A-99E9-95707F3655E9}"/>
+              </a:ext>
+            </a:extLst>
+          </p:cNvPr>
+          <p:cNvSpPr txBox="1"/>
+          <p:nvPr/>
+        </p:nvSpPr>
+        <p:spPr>
+          <a:xfrm>
+            <a:off x="4397915" y="5750619"/>
+            <a:ext cx="3396170" cy="369332"/>
+          </a:xfrm>
+          <a:prstGeom prst="rect">
+            <a:avLst/>
+          </a:prstGeom>
+          <a:solidFill>
+            <a:schemeClr val="tx1"/>
+          </a:solidFill>
+        </p:spPr>
+        <p:txBody>
+          <a:bodyPr wrap="square" rtlCol="0">
+            <a:spAutoFit/>
+          </a:bodyPr>
+          <a:lstStyle/>
+          <a:p>
+            <a:pPr algn="ctr"/>
+            <a:r>
+              <a:rPr lang="en-US" b="1" dirty="0">
+                <a:solidFill>
+                  <a:schemeClr val="bg1"/>
+                </a:solidFill>
+              </a:rPr>
+              <a:t>Accuracy: 86%</a:t>
+            </a:r>
+            <a:endParaRPr lang="de-DE" b="1" dirty="0">
+              <a:solidFill>
+                <a:schemeClr val="bg1"/>
+              </a:solidFill>
+            </a:endParaRPr>
+          </a:p>
+        </p:txBody>
+      </p:sp>
+      <p:sp>
+        <p:nvSpPr>
+          <p:cNvPr id="19" name="TextBox 9">
+            <a:extLst>
+              <a:ext uri="{FF2B5EF4-FFF2-40B4-BE49-F238E27FC236}">
+                <a16:creationId xmlns:a16="http://schemas.microsoft.com/office/drawing/2014/main" id="{8D9F8E36-BEF5-476D-BDAD-2A48085C3025}"/>
+              </a:ext>
+            </a:extLst>
+          </p:cNvPr>
+          <p:cNvSpPr txBox="1"/>
+          <p:nvPr/>
+        </p:nvSpPr>
+        <p:spPr>
+          <a:xfrm>
+            <a:off x="5039156" y="3059668"/>
+            <a:ext cx="1056844" cy="369332"/>
+          </a:xfrm>
+          <a:prstGeom prst="rect">
+            <a:avLst/>
+          </a:prstGeom>
+          <a:noFill/>
+        </p:spPr>
+        <p:txBody>
+          <a:bodyPr wrap="square" rtlCol="0">
+            <a:spAutoFit/>
+          </a:bodyPr>
+          <a:lstStyle/>
+          <a:p>
+            <a:r>
+              <a:rPr lang="en-US" dirty="0"/>
+              <a:t>TP: 96%</a:t>
+            </a:r>
+            <a:endParaRPr lang="de-DE" dirty="0"/>
+          </a:p>
+        </p:txBody>
+      </p:sp>
+      <p:sp>
+        <p:nvSpPr>
+          <p:cNvPr id="21" name="TextBox 10">
+            <a:extLst>
+              <a:ext uri="{FF2B5EF4-FFF2-40B4-BE49-F238E27FC236}">
+                <a16:creationId xmlns:a16="http://schemas.microsoft.com/office/drawing/2014/main" id="{5AE873AC-D9FB-484F-8ED5-18ECB7C87167}"/>
+              </a:ext>
+            </a:extLst>
+          </p:cNvPr>
+          <p:cNvSpPr txBox="1"/>
+          <p:nvPr/>
+        </p:nvSpPr>
+        <p:spPr>
+          <a:xfrm>
+            <a:off x="6336964" y="4274820"/>
+            <a:ext cx="1056844" cy="369332"/>
+          </a:xfrm>
+          <a:prstGeom prst="rect">
+            <a:avLst/>
+          </a:prstGeom>
+          <a:noFill/>
+        </p:spPr>
+        <p:txBody>
+          <a:bodyPr wrap="square" rtlCol="0">
+            <a:spAutoFit/>
+          </a:bodyPr>
+          <a:lstStyle/>
+          <a:p>
+            <a:r>
+              <a:rPr lang="en-US" dirty="0">
+                <a:solidFill>
+                  <a:schemeClr val="bg1"/>
+                </a:solidFill>
+              </a:rPr>
+              <a:t>TN: 55%</a:t>
+            </a:r>
+            <a:endParaRPr lang="de-DE" dirty="0">
+              <a:solidFill>
+                <a:schemeClr val="bg1"/>
+              </a:solidFill>
+            </a:endParaRPr>
+          </a:p>
+        </p:txBody>
+      </p:sp>
     </p:spTree>
     <p:extLst>
       <p:ext uri="{BB962C8B-B14F-4D97-AF65-F5344CB8AC3E}">
@@ -6503,6 +7740,115 @@
   <p:clrMapOvr>
     <a:masterClrMapping/>
   </p:clrMapOvr>
+  <p:timing>
+    <p:tnLst>
+      <p:par>
+        <p:cTn id="1" dur="indefinite" restart="never" nodeType="tmRoot">
+          <p:childTnLst>
+            <p:seq concurrent="1" nextAc="seek">
+              <p:cTn id="2" dur="indefinite" nodeType="mainSeq">
+                <p:childTnLst>
+                  <p:par>
+                    <p:cTn id="3" fill="hold">
+                      <p:stCondLst>
+                        <p:cond delay="indefinite"/>
+                        <p:cond evt="onBegin" delay="0">
+                          <p:tn val="2"/>
+                        </p:cond>
+                      </p:stCondLst>
+                      <p:childTnLst>
+                        <p:par>
+                          <p:cTn id="4" fill="hold">
+                            <p:stCondLst>
+                              <p:cond delay="0"/>
+                            </p:stCondLst>
+                            <p:childTnLst>
+                              <p:par>
+                                <p:cTn id="5" presetID="1" presetClass="entr" presetSubtype="0" fill="hold" grpId="0" nodeType="withEffect">
+                                  <p:stCondLst>
+                                    <p:cond delay="0"/>
+                                  </p:stCondLst>
+                                  <p:childTnLst>
+                                    <p:set>
+                                      <p:cBhvr>
+                                        <p:cTn id="6" dur="1" fill="hold">
+                                          <p:stCondLst>
+                                            <p:cond delay="0"/>
+                                          </p:stCondLst>
+                                        </p:cTn>
+                                        <p:tgtEl>
+                                          <p:spTgt spid="18"/>
+                                        </p:tgtEl>
+                                        <p:attrNameLst>
+                                          <p:attrName>style.visibility</p:attrName>
+                                        </p:attrNameLst>
+                                      </p:cBhvr>
+                                      <p:to>
+                                        <p:strVal val="visible"/>
+                                      </p:to>
+                                    </p:set>
+                                  </p:childTnLst>
+                                </p:cTn>
+                              </p:par>
+                              <p:par>
+                                <p:cTn id="7" presetID="1" presetClass="entr" presetSubtype="0" fill="hold" grpId="0" nodeType="withEffect">
+                                  <p:stCondLst>
+                                    <p:cond delay="0"/>
+                                  </p:stCondLst>
+                                  <p:childTnLst>
+                                    <p:set>
+                                      <p:cBhvr>
+                                        <p:cTn id="8" dur="1" fill="hold">
+                                          <p:stCondLst>
+                                            <p:cond delay="0"/>
+                                          </p:stCondLst>
+                                        </p:cTn>
+                                        <p:tgtEl>
+                                          <p:spTgt spid="19"/>
+                                        </p:tgtEl>
+                                        <p:attrNameLst>
+                                          <p:attrName>style.visibility</p:attrName>
+                                        </p:attrNameLst>
+                                      </p:cBhvr>
+                                      <p:to>
+                                        <p:strVal val="visible"/>
+                                      </p:to>
+                                    </p:set>
+                                  </p:childTnLst>
+                                </p:cTn>
+                              </p:par>
+                            </p:childTnLst>
+                          </p:cTn>
+                        </p:par>
+                      </p:childTnLst>
+                    </p:cTn>
+                  </p:par>
+                </p:childTnLst>
+              </p:cTn>
+              <p:prevCondLst>
+                <p:cond evt="onPrev" delay="0">
+                  <p:tgtEl>
+                    <p:sldTgt/>
+                  </p:tgtEl>
+                </p:cond>
+              </p:prevCondLst>
+              <p:nextCondLst>
+                <p:cond evt="onNext" delay="0">
+                  <p:tgtEl>
+                    <p:sldTgt/>
+                  </p:tgtEl>
+                </p:cond>
+              </p:nextCondLst>
+            </p:seq>
+          </p:childTnLst>
+        </p:cTn>
+      </p:par>
+    </p:tnLst>
+    <p:bldLst>
+      <p:bldP spid="18" grpId="0" animBg="1"/>
+      <p:bldP spid="19" grpId="0"/>
+    </p:bldLst>
+  </p:timing>
 </p:sld>
 </file>
 
@@ -7063,6 +8409,1134 @@
           </a:p>
         </p:txBody>
       </p:sp>
+      <p:graphicFrame>
+        <p:nvGraphicFramePr>
+          <p:cNvPr id="3" name="Tabelle 4">
+            <a:extLst>
+              <a:ext uri="{FF2B5EF4-FFF2-40B4-BE49-F238E27FC236}">
+                <a16:creationId xmlns:a16="http://schemas.microsoft.com/office/drawing/2014/main" id="{D8E0CB45-F34E-4D62-9C34-94F07883E552}"/>
+              </a:ext>
+            </a:extLst>
+          </p:cNvPr>
+          <p:cNvGraphicFramePr>
+            <a:graphicFrameLocks noGrp="1"/>
+          </p:cNvGraphicFramePr>
+          <p:nvPr>
+            <p:extLst>
+              <p:ext uri="{D42A27DB-BD31-4B8C-83A1-F6EECF244321}">
+                <p14:modId xmlns:p14="http://schemas.microsoft.com/office/powerpoint/2010/main" val="633858464"/>
+              </p:ext>
+            </p:extLst>
+          </p:nvPr>
+        </p:nvGraphicFramePr>
+        <p:xfrm>
+          <a:off x="2272964" y="2049780"/>
+          <a:ext cx="8127999" cy="4450080"/>
+        </p:xfrm>
+        <a:graphic>
+          <a:graphicData uri="http://schemas.openxmlformats.org/drawingml/2006/table">
+            <a:tbl>
+              <a:tblPr firstRow="1" bandRow="1">
+                <a:tableStyleId>{5C22544A-7EE6-4342-B048-85BDC9FD1C3A}</a:tableStyleId>
+              </a:tblPr>
+              <a:tblGrid>
+                <a:gridCol w="2709333">
+                  <a:extLst>
+                    <a:ext uri="{9D8B030D-6E8A-4147-A177-3AD203B41FA5}">
+                      <a16:colId xmlns:a16="http://schemas.microsoft.com/office/drawing/2014/main" val="134507199"/>
+                    </a:ext>
+                  </a:extLst>
+                </a:gridCol>
+                <a:gridCol w="2709333">
+                  <a:extLst>
+                    <a:ext uri="{9D8B030D-6E8A-4147-A177-3AD203B41FA5}">
+                      <a16:colId xmlns:a16="http://schemas.microsoft.com/office/drawing/2014/main" val="2460821814"/>
+                    </a:ext>
+                  </a:extLst>
+                </a:gridCol>
+                <a:gridCol w="2709333">
+                  <a:extLst>
+                    <a:ext uri="{9D8B030D-6E8A-4147-A177-3AD203B41FA5}">
+                      <a16:colId xmlns:a16="http://schemas.microsoft.com/office/drawing/2014/main" val="3009468521"/>
+                    </a:ext>
+                  </a:extLst>
+                </a:gridCol>
+              </a:tblGrid>
+              <a:tr h="370840">
+                <a:tc>
+                  <a:txBody>
+                    <a:bodyPr/>
+                    <a:lstStyle/>
+                    <a:p>
+                      <a:endParaRPr lang="de-DE" dirty="0"/>
+                    </a:p>
+                  </a:txBody>
+                  <a:tcPr>
+                    <a:solidFill>
+                      <a:schemeClr val="tx1"/>
+                    </a:solidFill>
+                  </a:tcPr>
+                </a:tc>
+                <a:tc>
+                  <a:txBody>
+                    <a:bodyPr/>
+                    <a:lstStyle/>
+                    <a:p>
+                      <a:r>
+                        <a:rPr lang="en-US" dirty="0"/>
+                        <a:t>Christina</a:t>
+                      </a:r>
+                      <a:endParaRPr lang="de-DE" dirty="0"/>
+                    </a:p>
+                  </a:txBody>
+                  <a:tcPr>
+                    <a:solidFill>
+                      <a:schemeClr val="tx1"/>
+                    </a:solidFill>
+                  </a:tcPr>
+                </a:tc>
+                <a:tc>
+                  <a:txBody>
+                    <a:bodyPr/>
+                    <a:lstStyle/>
+                    <a:p>
+                      <a:r>
+                        <a:rPr lang="en-US" dirty="0"/>
+                        <a:t>Filipa</a:t>
+                      </a:r>
+                      <a:endParaRPr lang="de-DE" dirty="0"/>
+                    </a:p>
+                  </a:txBody>
+                  <a:tcPr>
+                    <a:solidFill>
+                      <a:schemeClr val="tx1"/>
+                    </a:solidFill>
+                  </a:tcPr>
+                </a:tc>
+                <a:extLst>
+                  <a:ext uri="{0D108BD9-81ED-4DB2-BD59-A6C34878D82A}">
+                    <a16:rowId xmlns:a16="http://schemas.microsoft.com/office/drawing/2014/main" val="2504341582"/>
+                  </a:ext>
+                </a:extLst>
+              </a:tr>
+              <a:tr h="370840">
+                <a:tc>
+                  <a:txBody>
+                    <a:bodyPr/>
+                    <a:lstStyle/>
+                    <a:p>
+                      <a:r>
+                        <a:rPr lang="en-US" b="1" dirty="0">
+                          <a:solidFill>
+                            <a:schemeClr val="bg1"/>
+                          </a:solidFill>
+                        </a:rPr>
+                        <a:t>Age</a:t>
+                      </a:r>
+                      <a:endParaRPr lang="de-DE" b="1" dirty="0">
+                        <a:solidFill>
+                          <a:schemeClr val="bg1"/>
+                        </a:solidFill>
+                      </a:endParaRPr>
+                    </a:p>
+                  </a:txBody>
+                  <a:tcPr>
+                    <a:solidFill>
+                      <a:schemeClr val="tx1">
+                        <a:lumMod val="50000"/>
+                        <a:lumOff val="50000"/>
+                      </a:schemeClr>
+                    </a:solidFill>
+                  </a:tcPr>
+                </a:tc>
+                <a:tc>
+                  <a:txBody>
+                    <a:bodyPr/>
+                    <a:lstStyle/>
+                    <a:p>
+                      <a:r>
+                        <a:rPr lang="en-US" dirty="0">
+                          <a:solidFill>
+                            <a:schemeClr val="bg1"/>
+                          </a:solidFill>
+                        </a:rPr>
+                        <a:t>30</a:t>
+                      </a:r>
+                      <a:endParaRPr lang="de-DE" dirty="0">
+                        <a:solidFill>
+                          <a:schemeClr val="bg1"/>
+                        </a:solidFill>
+                      </a:endParaRPr>
+                    </a:p>
+                  </a:txBody>
+                  <a:tcPr>
+                    <a:solidFill>
+                      <a:schemeClr val="tx1">
+                        <a:lumMod val="50000"/>
+                        <a:lumOff val="50000"/>
+                      </a:schemeClr>
+                    </a:solidFill>
+                  </a:tcPr>
+                </a:tc>
+                <a:tc>
+                  <a:txBody>
+                    <a:bodyPr/>
+                    <a:lstStyle/>
+                    <a:p>
+                      <a:r>
+                        <a:rPr lang="en-US" dirty="0">
+                          <a:solidFill>
+                            <a:schemeClr val="bg1"/>
+                          </a:solidFill>
+                        </a:rPr>
+                        <a:t>29</a:t>
+                      </a:r>
+                      <a:endParaRPr lang="de-DE" dirty="0">
+                        <a:solidFill>
+                          <a:schemeClr val="bg1"/>
+                        </a:solidFill>
+                      </a:endParaRPr>
+                    </a:p>
+                  </a:txBody>
+                  <a:tcPr>
+                    <a:solidFill>
+                      <a:schemeClr val="tx1">
+                        <a:lumMod val="50000"/>
+                        <a:lumOff val="50000"/>
+                      </a:schemeClr>
+                    </a:solidFill>
+                  </a:tcPr>
+                </a:tc>
+                <a:extLst>
+                  <a:ext uri="{0D108BD9-81ED-4DB2-BD59-A6C34878D82A}">
+                    <a16:rowId xmlns:a16="http://schemas.microsoft.com/office/drawing/2014/main" val="3853955482"/>
+                  </a:ext>
+                </a:extLst>
+              </a:tr>
+              <a:tr h="370840">
+                <a:tc>
+                  <a:txBody>
+                    <a:bodyPr/>
+                    <a:lstStyle/>
+                    <a:p>
+                      <a:r>
+                        <a:rPr lang="en-US" b="1" dirty="0">
+                          <a:solidFill>
+                            <a:schemeClr val="bg1"/>
+                          </a:solidFill>
+                        </a:rPr>
+                        <a:t>Income</a:t>
+                      </a:r>
+                      <a:endParaRPr lang="de-DE" b="1" dirty="0">
+                        <a:solidFill>
+                          <a:schemeClr val="bg1"/>
+                        </a:solidFill>
+                      </a:endParaRPr>
+                    </a:p>
+                  </a:txBody>
+                  <a:tcPr>
+                    <a:solidFill>
+                      <a:schemeClr val="bg2">
+                        <a:lumMod val="90000"/>
+                      </a:schemeClr>
+                    </a:solidFill>
+                  </a:tcPr>
+                </a:tc>
+                <a:tc>
+                  <a:txBody>
+                    <a:bodyPr/>
+                    <a:lstStyle/>
+                    <a:p>
+                      <a:r>
+                        <a:rPr lang="en-US" dirty="0">
+                          <a:solidFill>
+                            <a:schemeClr val="bg1"/>
+                          </a:solidFill>
+                        </a:rPr>
+                        <a:t>65,000</a:t>
+                      </a:r>
+                      <a:endParaRPr lang="de-DE" dirty="0">
+                        <a:solidFill>
+                          <a:schemeClr val="bg1"/>
+                        </a:solidFill>
+                      </a:endParaRPr>
+                    </a:p>
+                  </a:txBody>
+                  <a:tcPr>
+                    <a:solidFill>
+                      <a:schemeClr val="bg2">
+                        <a:lumMod val="90000"/>
+                      </a:schemeClr>
+                    </a:solidFill>
+                  </a:tcPr>
+                </a:tc>
+                <a:tc>
+                  <a:txBody>
+                    <a:bodyPr/>
+                    <a:lstStyle/>
+                    <a:p>
+                      <a:r>
+                        <a:rPr lang="en-US" dirty="0">
+                          <a:solidFill>
+                            <a:schemeClr val="bg1"/>
+                          </a:solidFill>
+                        </a:rPr>
+                        <a:t>55,000</a:t>
+                      </a:r>
+                      <a:endParaRPr lang="de-DE" dirty="0">
+                        <a:solidFill>
+                          <a:schemeClr val="bg1"/>
+                        </a:solidFill>
+                      </a:endParaRPr>
+                    </a:p>
+                  </a:txBody>
+                  <a:tcPr>
+                    <a:solidFill>
+                      <a:schemeClr val="bg2">
+                        <a:lumMod val="90000"/>
+                      </a:schemeClr>
+                    </a:solidFill>
+                  </a:tcPr>
+                </a:tc>
+                <a:extLst>
+                  <a:ext uri="{0D108BD9-81ED-4DB2-BD59-A6C34878D82A}">
+                    <a16:rowId xmlns:a16="http://schemas.microsoft.com/office/drawing/2014/main" val="1750801329"/>
+                  </a:ext>
+                </a:extLst>
+              </a:tr>
+              <a:tr h="370840">
+                <a:tc>
+                  <a:txBody>
+                    <a:bodyPr/>
+                    <a:lstStyle/>
+                    <a:p>
+                      <a:r>
+                        <a:rPr lang="en-US" b="1" dirty="0">
+                          <a:solidFill>
+                            <a:schemeClr val="bg1"/>
+                          </a:solidFill>
+                        </a:rPr>
+                        <a:t>Home ownership</a:t>
+                      </a:r>
+                      <a:endParaRPr lang="de-DE" b="1" dirty="0">
+                        <a:solidFill>
+                          <a:schemeClr val="bg1"/>
+                        </a:solidFill>
+                      </a:endParaRPr>
+                    </a:p>
+                  </a:txBody>
+                  <a:tcPr>
+                    <a:solidFill>
+                      <a:schemeClr val="tx1">
+                        <a:lumMod val="50000"/>
+                        <a:lumOff val="50000"/>
+                      </a:schemeClr>
+                    </a:solidFill>
+                  </a:tcPr>
+                </a:tc>
+                <a:tc>
+                  <a:txBody>
+                    <a:bodyPr/>
+                    <a:lstStyle/>
+                    <a:p>
+                      <a:r>
+                        <a:rPr lang="en-US" dirty="0">
+                          <a:solidFill>
+                            <a:schemeClr val="bg1"/>
+                          </a:solidFill>
+                        </a:rPr>
+                        <a:t>Rent</a:t>
+                      </a:r>
+                      <a:endParaRPr lang="de-DE" dirty="0">
+                        <a:solidFill>
+                          <a:schemeClr val="bg1"/>
+                        </a:solidFill>
+                      </a:endParaRPr>
+                    </a:p>
+                  </a:txBody>
+                  <a:tcPr>
+                    <a:solidFill>
+                      <a:schemeClr val="tx1">
+                        <a:lumMod val="50000"/>
+                        <a:lumOff val="50000"/>
+                      </a:schemeClr>
+                    </a:solidFill>
+                  </a:tcPr>
+                </a:tc>
+                <a:tc>
+                  <a:txBody>
+                    <a:bodyPr/>
+                    <a:lstStyle/>
+                    <a:p>
+                      <a:r>
+                        <a:rPr lang="en-US" dirty="0">
+                          <a:solidFill>
+                            <a:schemeClr val="bg1"/>
+                          </a:solidFill>
+                        </a:rPr>
+                        <a:t>Owner</a:t>
+                      </a:r>
+                      <a:endParaRPr lang="de-DE" dirty="0">
+                        <a:solidFill>
+                          <a:schemeClr val="bg1"/>
+                        </a:solidFill>
+                      </a:endParaRPr>
+                    </a:p>
+                  </a:txBody>
+                  <a:tcPr>
+                    <a:solidFill>
+                      <a:schemeClr val="tx1">
+                        <a:lumMod val="50000"/>
+                        <a:lumOff val="50000"/>
+                      </a:schemeClr>
+                    </a:solidFill>
+                  </a:tcPr>
+                </a:tc>
+                <a:extLst>
+                  <a:ext uri="{0D108BD9-81ED-4DB2-BD59-A6C34878D82A}">
+                    <a16:rowId xmlns:a16="http://schemas.microsoft.com/office/drawing/2014/main" val="2666820083"/>
+                  </a:ext>
+                </a:extLst>
+              </a:tr>
+              <a:tr h="370840">
+                <a:tc>
+                  <a:txBody>
+                    <a:bodyPr/>
+                    <a:lstStyle/>
+                    <a:p>
+                      <a:r>
+                        <a:rPr lang="en-US" b="1" dirty="0">
+                          <a:solidFill>
+                            <a:schemeClr val="bg1"/>
+                          </a:solidFill>
+                        </a:rPr>
+                        <a:t>Employment length</a:t>
+                      </a:r>
+                      <a:endParaRPr lang="de-DE" b="1" dirty="0">
+                        <a:solidFill>
+                          <a:schemeClr val="bg1"/>
+                        </a:solidFill>
+                      </a:endParaRPr>
+                    </a:p>
+                  </a:txBody>
+                  <a:tcPr>
+                    <a:solidFill>
+                      <a:schemeClr val="bg2">
+                        <a:lumMod val="90000"/>
+                      </a:schemeClr>
+                    </a:solidFill>
+                  </a:tcPr>
+                </a:tc>
+                <a:tc>
+                  <a:txBody>
+                    <a:bodyPr/>
+                    <a:lstStyle/>
+                    <a:p>
+                      <a:r>
+                        <a:rPr lang="en-US" dirty="0">
+                          <a:solidFill>
+                            <a:schemeClr val="bg1"/>
+                          </a:solidFill>
+                        </a:rPr>
+                        <a:t>1 year</a:t>
+                      </a:r>
+                      <a:endParaRPr lang="de-DE" dirty="0">
+                        <a:solidFill>
+                          <a:schemeClr val="bg1"/>
+                        </a:solidFill>
+                      </a:endParaRPr>
+                    </a:p>
+                  </a:txBody>
+                  <a:tcPr>
+                    <a:solidFill>
+                      <a:schemeClr val="bg2">
+                        <a:lumMod val="90000"/>
+                      </a:schemeClr>
+                    </a:solidFill>
+                  </a:tcPr>
+                </a:tc>
+                <a:tc>
+                  <a:txBody>
+                    <a:bodyPr/>
+                    <a:lstStyle/>
+                    <a:p>
+                      <a:r>
+                        <a:rPr lang="en-US" dirty="0">
+                          <a:solidFill>
+                            <a:schemeClr val="bg1"/>
+                          </a:solidFill>
+                        </a:rPr>
+                        <a:t>&gt; 1 year</a:t>
+                      </a:r>
+                      <a:endParaRPr lang="de-DE" dirty="0">
+                        <a:solidFill>
+                          <a:schemeClr val="bg1"/>
+                        </a:solidFill>
+                      </a:endParaRPr>
+                    </a:p>
+                  </a:txBody>
+                  <a:tcPr>
+                    <a:solidFill>
+                      <a:schemeClr val="bg2">
+                        <a:lumMod val="90000"/>
+                      </a:schemeClr>
+                    </a:solidFill>
+                  </a:tcPr>
+                </a:tc>
+                <a:extLst>
+                  <a:ext uri="{0D108BD9-81ED-4DB2-BD59-A6C34878D82A}">
+                    <a16:rowId xmlns:a16="http://schemas.microsoft.com/office/drawing/2014/main" val="4227907179"/>
+                  </a:ext>
+                </a:extLst>
+              </a:tr>
+              <a:tr h="370840">
+                <a:tc>
+                  <a:txBody>
+                    <a:bodyPr/>
+                    <a:lstStyle/>
+                    <a:p>
+                      <a:r>
+                        <a:rPr lang="en-US" b="1" dirty="0">
+                          <a:solidFill>
+                            <a:schemeClr val="bg1"/>
+                          </a:solidFill>
+                        </a:rPr>
+                        <a:t>Loan intent</a:t>
+                      </a:r>
+                      <a:endParaRPr lang="de-DE" b="1" dirty="0">
+                        <a:solidFill>
+                          <a:schemeClr val="bg1"/>
+                        </a:solidFill>
+                      </a:endParaRPr>
+                    </a:p>
+                  </a:txBody>
+                  <a:tcPr>
+                    <a:solidFill>
+                      <a:schemeClr val="tx1">
+                        <a:lumMod val="50000"/>
+                        <a:lumOff val="50000"/>
+                      </a:schemeClr>
+                    </a:solidFill>
+                  </a:tcPr>
+                </a:tc>
+                <a:tc>
+                  <a:txBody>
+                    <a:bodyPr/>
+                    <a:lstStyle/>
+                    <a:p>
+                      <a:r>
+                        <a:rPr lang="en-US" dirty="0">
+                          <a:solidFill>
+                            <a:schemeClr val="bg1"/>
+                          </a:solidFill>
+                        </a:rPr>
+                        <a:t>Venture</a:t>
+                      </a:r>
+                      <a:endParaRPr lang="de-DE" dirty="0">
+                        <a:solidFill>
+                          <a:schemeClr val="bg1"/>
+                        </a:solidFill>
+                      </a:endParaRPr>
+                    </a:p>
+                  </a:txBody>
+                  <a:tcPr>
+                    <a:solidFill>
+                      <a:schemeClr val="tx1">
+                        <a:lumMod val="50000"/>
+                        <a:lumOff val="50000"/>
+                      </a:schemeClr>
+                    </a:solidFill>
+                  </a:tcPr>
+                </a:tc>
+                <a:tc>
+                  <a:txBody>
+                    <a:bodyPr/>
+                    <a:lstStyle/>
+                    <a:p>
+                      <a:r>
+                        <a:rPr lang="en-US" dirty="0">
+                          <a:solidFill>
+                            <a:schemeClr val="bg1"/>
+                          </a:solidFill>
+                        </a:rPr>
+                        <a:t>Home improvement</a:t>
+                      </a:r>
+                      <a:endParaRPr lang="de-DE" dirty="0">
+                        <a:solidFill>
+                          <a:schemeClr val="bg1"/>
+                        </a:solidFill>
+                      </a:endParaRPr>
+                    </a:p>
+                  </a:txBody>
+                  <a:tcPr>
+                    <a:solidFill>
+                      <a:schemeClr val="tx1">
+                        <a:lumMod val="50000"/>
+                        <a:lumOff val="50000"/>
+                      </a:schemeClr>
+                    </a:solidFill>
+                  </a:tcPr>
+                </a:tc>
+                <a:extLst>
+                  <a:ext uri="{0D108BD9-81ED-4DB2-BD59-A6C34878D82A}">
+                    <a16:rowId xmlns:a16="http://schemas.microsoft.com/office/drawing/2014/main" val="1752461741"/>
+                  </a:ext>
+                </a:extLst>
+              </a:tr>
+              <a:tr h="370840">
+                <a:tc>
+                  <a:txBody>
+                    <a:bodyPr/>
+                    <a:lstStyle/>
+                    <a:p>
+                      <a:r>
+                        <a:rPr lang="en-US" b="1" dirty="0">
+                          <a:solidFill>
+                            <a:schemeClr val="bg1"/>
+                          </a:solidFill>
+                        </a:rPr>
+                        <a:t>Amount</a:t>
+                      </a:r>
+                      <a:endParaRPr lang="de-DE" b="1" dirty="0">
+                        <a:solidFill>
+                          <a:schemeClr val="bg1"/>
+                        </a:solidFill>
+                      </a:endParaRPr>
+                    </a:p>
+                  </a:txBody>
+                  <a:tcPr>
+                    <a:solidFill>
+                      <a:schemeClr val="bg2">
+                        <a:lumMod val="90000"/>
+                      </a:schemeClr>
+                    </a:solidFill>
+                  </a:tcPr>
+                </a:tc>
+                <a:tc>
+                  <a:txBody>
+                    <a:bodyPr/>
+                    <a:lstStyle/>
+                    <a:p>
+                      <a:r>
+                        <a:rPr lang="en-US" dirty="0">
+                          <a:solidFill>
+                            <a:schemeClr val="bg1"/>
+                          </a:solidFill>
+                        </a:rPr>
+                        <a:t>35,000</a:t>
+                      </a:r>
+                      <a:endParaRPr lang="de-DE" dirty="0">
+                        <a:solidFill>
+                          <a:schemeClr val="bg1"/>
+                        </a:solidFill>
+                      </a:endParaRPr>
+                    </a:p>
+                  </a:txBody>
+                  <a:tcPr>
+                    <a:solidFill>
+                      <a:schemeClr val="bg2">
+                        <a:lumMod val="90000"/>
+                      </a:schemeClr>
+                    </a:solidFill>
+                  </a:tcPr>
+                </a:tc>
+                <a:tc>
+                  <a:txBody>
+                    <a:bodyPr/>
+                    <a:lstStyle/>
+                    <a:p>
+                      <a:r>
+                        <a:rPr lang="en-US" dirty="0">
+                          <a:solidFill>
+                            <a:schemeClr val="bg1"/>
+                          </a:solidFill>
+                        </a:rPr>
+                        <a:t>15,000</a:t>
+                      </a:r>
+                      <a:endParaRPr lang="de-DE" dirty="0">
+                        <a:solidFill>
+                          <a:schemeClr val="bg1"/>
+                        </a:solidFill>
+                      </a:endParaRPr>
+                    </a:p>
+                  </a:txBody>
+                  <a:tcPr>
+                    <a:solidFill>
+                      <a:schemeClr val="bg2">
+                        <a:lumMod val="90000"/>
+                      </a:schemeClr>
+                    </a:solidFill>
+                  </a:tcPr>
+                </a:tc>
+                <a:extLst>
+                  <a:ext uri="{0D108BD9-81ED-4DB2-BD59-A6C34878D82A}">
+                    <a16:rowId xmlns:a16="http://schemas.microsoft.com/office/drawing/2014/main" val="2856982273"/>
+                  </a:ext>
+                </a:extLst>
+              </a:tr>
+              <a:tr h="370840">
+                <a:tc>
+                  <a:txBody>
+                    <a:bodyPr/>
+                    <a:lstStyle/>
+                    <a:p>
+                      <a:r>
+                        <a:rPr lang="en-US" b="1" dirty="0">
+                          <a:solidFill>
+                            <a:schemeClr val="bg1"/>
+                          </a:solidFill>
+                        </a:rPr>
+                        <a:t>Interest rate</a:t>
+                      </a:r>
+                      <a:endParaRPr lang="de-DE" b="1" dirty="0">
+                        <a:solidFill>
+                          <a:schemeClr val="bg1"/>
+                        </a:solidFill>
+                      </a:endParaRPr>
+                    </a:p>
+                  </a:txBody>
+                  <a:tcPr>
+                    <a:solidFill>
+                      <a:schemeClr val="tx1">
+                        <a:lumMod val="50000"/>
+                        <a:lumOff val="50000"/>
+                      </a:schemeClr>
+                    </a:solidFill>
+                  </a:tcPr>
+                </a:tc>
+                <a:tc>
+                  <a:txBody>
+                    <a:bodyPr/>
+                    <a:lstStyle/>
+                    <a:p>
+                      <a:r>
+                        <a:rPr lang="en-US" dirty="0">
+                          <a:solidFill>
+                            <a:schemeClr val="bg1"/>
+                          </a:solidFill>
+                        </a:rPr>
+                        <a:t>3.95%</a:t>
+                      </a:r>
+                      <a:endParaRPr lang="de-DE" dirty="0">
+                        <a:solidFill>
+                          <a:schemeClr val="bg1"/>
+                        </a:solidFill>
+                      </a:endParaRPr>
+                    </a:p>
+                  </a:txBody>
+                  <a:tcPr>
+                    <a:solidFill>
+                      <a:schemeClr val="tx1">
+                        <a:lumMod val="50000"/>
+                        <a:lumOff val="50000"/>
+                      </a:schemeClr>
+                    </a:solidFill>
+                  </a:tcPr>
+                </a:tc>
+                <a:tc>
+                  <a:txBody>
+                    <a:bodyPr/>
+                    <a:lstStyle/>
+                    <a:p>
+                      <a:r>
+                        <a:rPr lang="en-US" dirty="0">
+                          <a:solidFill>
+                            <a:schemeClr val="bg1"/>
+                          </a:solidFill>
+                        </a:rPr>
+                        <a:t>2.75%</a:t>
+                      </a:r>
+                      <a:endParaRPr lang="de-DE" dirty="0">
+                        <a:solidFill>
+                          <a:schemeClr val="bg1"/>
+                        </a:solidFill>
+                      </a:endParaRPr>
+                    </a:p>
+                  </a:txBody>
+                  <a:tcPr>
+                    <a:solidFill>
+                      <a:schemeClr val="tx1">
+                        <a:lumMod val="50000"/>
+                        <a:lumOff val="50000"/>
+                      </a:schemeClr>
+                    </a:solidFill>
+                  </a:tcPr>
+                </a:tc>
+                <a:extLst>
+                  <a:ext uri="{0D108BD9-81ED-4DB2-BD59-A6C34878D82A}">
+                    <a16:rowId xmlns:a16="http://schemas.microsoft.com/office/drawing/2014/main" val="2925676416"/>
+                  </a:ext>
+                </a:extLst>
+              </a:tr>
+              <a:tr h="370840">
+                <a:tc>
+                  <a:txBody>
+                    <a:bodyPr/>
+                    <a:lstStyle/>
+                    <a:p>
+                      <a:r>
+                        <a:rPr lang="en-US" b="1" dirty="0">
+                          <a:solidFill>
+                            <a:schemeClr val="bg1"/>
+                          </a:solidFill>
+                        </a:rPr>
+                        <a:t>Debt to income</a:t>
+                      </a:r>
+                      <a:endParaRPr lang="de-DE" b="1" dirty="0">
+                        <a:solidFill>
+                          <a:schemeClr val="bg1"/>
+                        </a:solidFill>
+                      </a:endParaRPr>
+                    </a:p>
+                  </a:txBody>
+                  <a:tcPr>
+                    <a:solidFill>
+                      <a:schemeClr val="bg2">
+                        <a:lumMod val="90000"/>
+                      </a:schemeClr>
+                    </a:solidFill>
+                  </a:tcPr>
+                </a:tc>
+                <a:tc>
+                  <a:txBody>
+                    <a:bodyPr/>
+                    <a:lstStyle/>
+                    <a:p>
+                      <a:r>
+                        <a:rPr lang="en-US" dirty="0">
+                          <a:solidFill>
+                            <a:schemeClr val="bg1"/>
+                          </a:solidFill>
+                        </a:rPr>
+                        <a:t>53%</a:t>
+                      </a:r>
+                      <a:endParaRPr lang="de-DE" dirty="0">
+                        <a:solidFill>
+                          <a:schemeClr val="bg1"/>
+                        </a:solidFill>
+                      </a:endParaRPr>
+                    </a:p>
+                  </a:txBody>
+                  <a:tcPr>
+                    <a:solidFill>
+                      <a:schemeClr val="bg2">
+                        <a:lumMod val="90000"/>
+                      </a:schemeClr>
+                    </a:solidFill>
+                  </a:tcPr>
+                </a:tc>
+                <a:tc>
+                  <a:txBody>
+                    <a:bodyPr/>
+                    <a:lstStyle/>
+                    <a:p>
+                      <a:r>
+                        <a:rPr lang="en-US" dirty="0">
+                          <a:solidFill>
+                            <a:schemeClr val="bg1"/>
+                          </a:solidFill>
+                        </a:rPr>
+                        <a:t>27%</a:t>
+                      </a:r>
+                      <a:endParaRPr lang="de-DE" dirty="0">
+                        <a:solidFill>
+                          <a:schemeClr val="bg1"/>
+                        </a:solidFill>
+                      </a:endParaRPr>
+                    </a:p>
+                  </a:txBody>
+                  <a:tcPr>
+                    <a:solidFill>
+                      <a:schemeClr val="bg2">
+                        <a:lumMod val="90000"/>
+                      </a:schemeClr>
+                    </a:solidFill>
+                  </a:tcPr>
+                </a:tc>
+                <a:extLst>
+                  <a:ext uri="{0D108BD9-81ED-4DB2-BD59-A6C34878D82A}">
+                    <a16:rowId xmlns:a16="http://schemas.microsoft.com/office/drawing/2014/main" val="868200904"/>
+                  </a:ext>
+                </a:extLst>
+              </a:tr>
+              <a:tr h="370840">
+                <a:tc>
+                  <a:txBody>
+                    <a:bodyPr/>
+                    <a:lstStyle/>
+                    <a:p>
+                      <a:r>
+                        <a:rPr lang="en-US" b="1" dirty="0">
+                          <a:solidFill>
+                            <a:schemeClr val="bg1"/>
+                          </a:solidFill>
+                        </a:rPr>
+                        <a:t>Payment delays</a:t>
+                      </a:r>
+                      <a:endParaRPr lang="de-DE" b="1" dirty="0">
+                        <a:solidFill>
+                          <a:schemeClr val="bg1"/>
+                        </a:solidFill>
+                      </a:endParaRPr>
+                    </a:p>
+                  </a:txBody>
+                  <a:tcPr>
+                    <a:solidFill>
+                      <a:schemeClr val="tx1">
+                        <a:lumMod val="50000"/>
+                        <a:lumOff val="50000"/>
+                      </a:schemeClr>
+                    </a:solidFill>
+                  </a:tcPr>
+                </a:tc>
+                <a:tc>
+                  <a:txBody>
+                    <a:bodyPr/>
+                    <a:lstStyle/>
+                    <a:p>
+                      <a:r>
+                        <a:rPr lang="en-US" dirty="0">
+                          <a:solidFill>
+                            <a:schemeClr val="bg1"/>
+                          </a:solidFill>
+                        </a:rPr>
+                        <a:t>Yes</a:t>
+                      </a:r>
+                      <a:endParaRPr lang="de-DE" dirty="0">
+                        <a:solidFill>
+                          <a:schemeClr val="bg1"/>
+                        </a:solidFill>
+                      </a:endParaRPr>
+                    </a:p>
+                  </a:txBody>
+                  <a:tcPr>
+                    <a:solidFill>
+                      <a:schemeClr val="tx1">
+                        <a:lumMod val="50000"/>
+                        <a:lumOff val="50000"/>
+                      </a:schemeClr>
+                    </a:solidFill>
+                  </a:tcPr>
+                </a:tc>
+                <a:tc>
+                  <a:txBody>
+                    <a:bodyPr/>
+                    <a:lstStyle/>
+                    <a:p>
+                      <a:r>
+                        <a:rPr lang="en-US" dirty="0">
+                          <a:solidFill>
+                            <a:schemeClr val="bg1"/>
+                          </a:solidFill>
+                        </a:rPr>
+                        <a:t>No</a:t>
+                      </a:r>
+                      <a:endParaRPr lang="de-DE" dirty="0">
+                        <a:solidFill>
+                          <a:schemeClr val="bg1"/>
+                        </a:solidFill>
+                      </a:endParaRPr>
+                    </a:p>
+                  </a:txBody>
+                  <a:tcPr>
+                    <a:solidFill>
+                      <a:schemeClr val="tx1">
+                        <a:lumMod val="50000"/>
+                        <a:lumOff val="50000"/>
+                      </a:schemeClr>
+                    </a:solidFill>
+                  </a:tcPr>
+                </a:tc>
+                <a:extLst>
+                  <a:ext uri="{0D108BD9-81ED-4DB2-BD59-A6C34878D82A}">
+                    <a16:rowId xmlns:a16="http://schemas.microsoft.com/office/drawing/2014/main" val="1214256700"/>
+                  </a:ext>
+                </a:extLst>
+              </a:tr>
+              <a:tr h="370840">
+                <a:tc>
+                  <a:txBody>
+                    <a:bodyPr/>
+                    <a:lstStyle/>
+                    <a:p>
+                      <a:r>
+                        <a:rPr lang="en-US" b="1" dirty="0">
+                          <a:solidFill>
+                            <a:schemeClr val="bg1"/>
+                          </a:solidFill>
+                        </a:rPr>
+                        <a:t>Credit history length</a:t>
+                      </a:r>
+                    </a:p>
+                  </a:txBody>
+                  <a:tcPr>
+                    <a:solidFill>
+                      <a:schemeClr val="bg2">
+                        <a:lumMod val="90000"/>
+                      </a:schemeClr>
+                    </a:solidFill>
+                  </a:tcPr>
+                </a:tc>
+                <a:tc>
+                  <a:txBody>
+                    <a:bodyPr/>
+                    <a:lstStyle/>
+                    <a:p>
+                      <a:r>
+                        <a:rPr lang="en-US" dirty="0">
+                          <a:solidFill>
+                            <a:schemeClr val="bg1"/>
+                          </a:solidFill>
+                        </a:rPr>
+                        <a:t>3 years</a:t>
+                      </a:r>
+                      <a:endParaRPr lang="de-DE" dirty="0">
+                        <a:solidFill>
+                          <a:schemeClr val="bg1"/>
+                        </a:solidFill>
+                      </a:endParaRPr>
+                    </a:p>
+                  </a:txBody>
+                  <a:tcPr>
+                    <a:solidFill>
+                      <a:schemeClr val="bg2">
+                        <a:lumMod val="90000"/>
+                      </a:schemeClr>
+                    </a:solidFill>
+                  </a:tcPr>
+                </a:tc>
+                <a:tc>
+                  <a:txBody>
+                    <a:bodyPr/>
+                    <a:lstStyle/>
+                    <a:p>
+                      <a:r>
+                        <a:rPr lang="en-US" dirty="0">
+                          <a:solidFill>
+                            <a:schemeClr val="bg1"/>
+                          </a:solidFill>
+                        </a:rPr>
+                        <a:t>1 year</a:t>
+                      </a:r>
+                      <a:endParaRPr lang="de-DE" dirty="0">
+                        <a:solidFill>
+                          <a:schemeClr val="bg1"/>
+                        </a:solidFill>
+                      </a:endParaRPr>
+                    </a:p>
+                  </a:txBody>
+                  <a:tcPr>
+                    <a:solidFill>
+                      <a:schemeClr val="bg2">
+                        <a:lumMod val="90000"/>
+                      </a:schemeClr>
+                    </a:solidFill>
+                  </a:tcPr>
+                </a:tc>
+                <a:extLst>
+                  <a:ext uri="{0D108BD9-81ED-4DB2-BD59-A6C34878D82A}">
+                    <a16:rowId xmlns:a16="http://schemas.microsoft.com/office/drawing/2014/main" val="4136467680"/>
+                  </a:ext>
+                </a:extLst>
+              </a:tr>
+              <a:tr h="370840">
+                <a:tc>
+                  <a:txBody>
+                    <a:bodyPr/>
+                    <a:lstStyle/>
+                    <a:p>
+                      <a:r>
+                        <a:rPr lang="en-US" b="1" dirty="0">
+                          <a:solidFill>
+                            <a:schemeClr val="bg1"/>
+                          </a:solidFill>
+                        </a:rPr>
+                        <a:t>Rating</a:t>
+                      </a:r>
+                      <a:endParaRPr lang="de-DE" b="1" dirty="0">
+                        <a:solidFill>
+                          <a:schemeClr val="bg1"/>
+                        </a:solidFill>
+                      </a:endParaRPr>
+                    </a:p>
+                  </a:txBody>
+                  <a:tcPr>
+                    <a:solidFill>
+                      <a:schemeClr val="tx1">
+                        <a:lumMod val="50000"/>
+                        <a:lumOff val="50000"/>
+                      </a:schemeClr>
+                    </a:solidFill>
+                  </a:tcPr>
+                </a:tc>
+                <a:tc>
+                  <a:txBody>
+                    <a:bodyPr/>
+                    <a:lstStyle/>
+                    <a:p>
+                      <a:r>
+                        <a:rPr lang="en-US" dirty="0">
+                          <a:solidFill>
+                            <a:schemeClr val="bg1"/>
+                          </a:solidFill>
+                        </a:rPr>
+                        <a:t>B</a:t>
+                      </a:r>
+                      <a:endParaRPr lang="de-DE" dirty="0">
+                        <a:solidFill>
+                          <a:schemeClr val="bg1"/>
+                        </a:solidFill>
+                      </a:endParaRPr>
+                    </a:p>
+                  </a:txBody>
+                  <a:tcPr>
+                    <a:solidFill>
+                      <a:schemeClr val="tx1">
+                        <a:lumMod val="50000"/>
+                        <a:lumOff val="50000"/>
+                      </a:schemeClr>
+                    </a:solidFill>
+                  </a:tcPr>
+                </a:tc>
+                <a:tc>
+                  <a:txBody>
+                    <a:bodyPr/>
+                    <a:lstStyle/>
+                    <a:p>
+                      <a:r>
+                        <a:rPr lang="en-US" dirty="0">
+                          <a:solidFill>
+                            <a:schemeClr val="bg1"/>
+                          </a:solidFill>
+                        </a:rPr>
+                        <a:t>C</a:t>
+                      </a:r>
+                      <a:endParaRPr lang="de-DE" dirty="0">
+                        <a:solidFill>
+                          <a:schemeClr val="bg1"/>
+                        </a:solidFill>
+                      </a:endParaRPr>
+                    </a:p>
+                  </a:txBody>
+                  <a:tcPr>
+                    <a:solidFill>
+                      <a:schemeClr val="tx1">
+                        <a:lumMod val="50000"/>
+                        <a:lumOff val="50000"/>
+                      </a:schemeClr>
+                    </a:solidFill>
+                  </a:tcPr>
+                </a:tc>
+                <a:extLst>
+                  <a:ext uri="{0D108BD9-81ED-4DB2-BD59-A6C34878D82A}">
+                    <a16:rowId xmlns:a16="http://schemas.microsoft.com/office/drawing/2014/main" val="1560363081"/>
+                  </a:ext>
+                </a:extLst>
+              </a:tr>
+            </a:tbl>
+          </a:graphicData>
+        </a:graphic>
+      </p:graphicFrame>
     </p:spTree>
     <p:extLst>
       <p:ext uri="{BB962C8B-B14F-4D97-AF65-F5344CB8AC3E}">
@@ -7629,6 +10103,574 @@
           </a:p>
         </p:txBody>
       </p:sp>
+      <p:sp>
+        <p:nvSpPr>
+          <p:cNvPr id="6" name="TextBox 2">
+            <a:extLst>
+              <a:ext uri="{FF2B5EF4-FFF2-40B4-BE49-F238E27FC236}">
+                <a16:creationId xmlns:a16="http://schemas.microsoft.com/office/drawing/2014/main" id="{B290AA6C-D75F-463C-B938-F7920EE31598}"/>
+              </a:ext>
+            </a:extLst>
+          </p:cNvPr>
+          <p:cNvSpPr txBox="1"/>
+          <p:nvPr/>
+        </p:nvSpPr>
+        <p:spPr>
+          <a:xfrm>
+            <a:off x="4962278" y="1752716"/>
+            <a:ext cx="2231092" cy="369332"/>
+          </a:xfrm>
+          <a:prstGeom prst="rect">
+            <a:avLst/>
+          </a:prstGeom>
+          <a:solidFill>
+            <a:schemeClr val="tx1"/>
+          </a:solidFill>
+        </p:spPr>
+        <p:txBody>
+          <a:bodyPr wrap="square" rtlCol="0">
+            <a:spAutoFit/>
+          </a:bodyPr>
+          <a:lstStyle/>
+          <a:p>
+            <a:pPr algn="ctr"/>
+            <a:r>
+              <a:rPr lang="en-US" b="1" dirty="0">
+                <a:solidFill>
+                  <a:schemeClr val="bg1"/>
+                </a:solidFill>
+              </a:rPr>
+              <a:t>Christina &amp; Filipa</a:t>
+            </a:r>
+            <a:endParaRPr lang="de-DE" b="1" dirty="0">
+              <a:solidFill>
+                <a:schemeClr val="bg1"/>
+              </a:solidFill>
+            </a:endParaRPr>
+          </a:p>
+        </p:txBody>
+      </p:sp>
+      <p:cxnSp>
+        <p:nvCxnSpPr>
+          <p:cNvPr id="7" name="Straight Arrow Connector 8">
+            <a:extLst>
+              <a:ext uri="{FF2B5EF4-FFF2-40B4-BE49-F238E27FC236}">
+                <a16:creationId xmlns:a16="http://schemas.microsoft.com/office/drawing/2014/main" id="{3B9F3F69-F20F-404F-97D4-5A9585322177}"/>
+              </a:ext>
+            </a:extLst>
+          </p:cNvPr>
+          <p:cNvCxnSpPr>
+            <a:cxnSpLocks/>
+          </p:cNvCxnSpPr>
+          <p:nvPr/>
+        </p:nvCxnSpPr>
+        <p:spPr>
+          <a:xfrm flipH="1">
+            <a:off x="6013372" y="2208553"/>
+            <a:ext cx="1" cy="350089"/>
+          </a:xfrm>
+          <a:prstGeom prst="straightConnector1">
+            <a:avLst/>
+          </a:prstGeom>
+          <a:ln w="28575">
+            <a:solidFill>
+              <a:schemeClr val="bg1"/>
+            </a:solidFill>
+            <a:tailEnd type="triangle"/>
+          </a:ln>
+        </p:spPr>
+        <p:style>
+          <a:lnRef idx="1">
+            <a:schemeClr val="accent1"/>
+          </a:lnRef>
+          <a:fillRef idx="0">
+            <a:schemeClr val="accent1"/>
+          </a:fillRef>
+          <a:effectRef idx="0">
+            <a:schemeClr val="accent1"/>
+          </a:effectRef>
+          <a:fontRef idx="minor">
+            <a:schemeClr val="tx1"/>
+          </a:fontRef>
+        </p:style>
+      </p:cxnSp>
+      <p:sp>
+        <p:nvSpPr>
+          <p:cNvPr id="8" name="TextBox 13">
+            <a:extLst>
+              <a:ext uri="{FF2B5EF4-FFF2-40B4-BE49-F238E27FC236}">
+                <a16:creationId xmlns:a16="http://schemas.microsoft.com/office/drawing/2014/main" id="{72941032-F0D6-4FA1-9FDD-837FD468C0F8}"/>
+              </a:ext>
+            </a:extLst>
+          </p:cNvPr>
+          <p:cNvSpPr txBox="1"/>
+          <p:nvPr/>
+        </p:nvSpPr>
+        <p:spPr>
+          <a:xfrm>
+            <a:off x="4962278" y="2689672"/>
+            <a:ext cx="2231092" cy="369332"/>
+          </a:xfrm>
+          <a:prstGeom prst="rect">
+            <a:avLst/>
+          </a:prstGeom>
+          <a:solidFill>
+            <a:schemeClr val="tx1"/>
+          </a:solidFill>
+        </p:spPr>
+        <p:txBody>
+          <a:bodyPr wrap="square" rtlCol="0">
+            <a:spAutoFit/>
+          </a:bodyPr>
+          <a:lstStyle/>
+          <a:p>
+            <a:pPr algn="ctr"/>
+            <a:r>
+              <a:rPr lang="en-US" b="1" dirty="0">
+                <a:solidFill>
+                  <a:schemeClr val="bg1"/>
+                </a:solidFill>
+              </a:rPr>
+              <a:t>Model </a:t>
+            </a:r>
+            <a:endParaRPr lang="de-DE" b="1" dirty="0">
+              <a:solidFill>
+                <a:schemeClr val="bg1"/>
+              </a:solidFill>
+            </a:endParaRPr>
+          </a:p>
+        </p:txBody>
+      </p:sp>
+      <p:graphicFrame>
+        <p:nvGraphicFramePr>
+          <p:cNvPr id="10" name="Table 17">
+            <a:extLst>
+              <a:ext uri="{FF2B5EF4-FFF2-40B4-BE49-F238E27FC236}">
+                <a16:creationId xmlns:a16="http://schemas.microsoft.com/office/drawing/2014/main" id="{A8B7BE14-F1E8-4E61-9089-E99867E6D944}"/>
+              </a:ext>
+            </a:extLst>
+          </p:cNvPr>
+          <p:cNvGraphicFramePr>
+            <a:graphicFrameLocks noGrp="1"/>
+          </p:cNvGraphicFramePr>
+          <p:nvPr>
+            <p:extLst>
+              <p:ext uri="{D42A27DB-BD31-4B8C-83A1-F6EECF244321}">
+                <p14:modId xmlns:p14="http://schemas.microsoft.com/office/powerpoint/2010/main" val="511488343"/>
+              </p:ext>
+            </p:extLst>
+          </p:nvPr>
+        </p:nvGraphicFramePr>
+        <p:xfrm>
+          <a:off x="4005934" y="3710436"/>
+          <a:ext cx="4014869" cy="1381760"/>
+        </p:xfrm>
+        <a:graphic>
+          <a:graphicData uri="http://schemas.openxmlformats.org/drawingml/2006/table">
+            <a:tbl>
+              <a:tblPr firstRow="1" bandRow="1">
+                <a:tableStyleId>{5C22544A-7EE6-4342-B048-85BDC9FD1C3A}</a:tableStyleId>
+              </a:tblPr>
+              <a:tblGrid>
+                <a:gridCol w="1072200">
+                  <a:extLst>
+                    <a:ext uri="{9D8B030D-6E8A-4147-A177-3AD203B41FA5}">
+                      <a16:colId xmlns:a16="http://schemas.microsoft.com/office/drawing/2014/main" val="3776379678"/>
+                    </a:ext>
+                  </a:extLst>
+                </a:gridCol>
+                <a:gridCol w="1880926">
+                  <a:extLst>
+                    <a:ext uri="{9D8B030D-6E8A-4147-A177-3AD203B41FA5}">
+                      <a16:colId xmlns:a16="http://schemas.microsoft.com/office/drawing/2014/main" val="3722310549"/>
+                    </a:ext>
+                  </a:extLst>
+                </a:gridCol>
+                <a:gridCol w="1061743">
+                  <a:extLst>
+                    <a:ext uri="{9D8B030D-6E8A-4147-A177-3AD203B41FA5}">
+                      <a16:colId xmlns:a16="http://schemas.microsoft.com/office/drawing/2014/main" val="1638405643"/>
+                    </a:ext>
+                  </a:extLst>
+                </a:gridCol>
+              </a:tblGrid>
+              <a:tr h="0">
+                <a:tc>
+                  <a:txBody>
+                    <a:bodyPr/>
+                    <a:lstStyle/>
+                    <a:p>
+                      <a:r>
+                        <a:rPr lang="en-US" dirty="0"/>
+                        <a:t>Ranking</a:t>
+                      </a:r>
+                      <a:endParaRPr lang="de-DE" dirty="0"/>
+                    </a:p>
+                  </a:txBody>
+                  <a:tcPr>
+                    <a:solidFill>
+                      <a:schemeClr val="tx1"/>
+                    </a:solidFill>
+                  </a:tcPr>
+                </a:tc>
+                <a:tc>
+                  <a:txBody>
+                    <a:bodyPr/>
+                    <a:lstStyle/>
+                    <a:p>
+                      <a:r>
+                        <a:rPr lang="en-US" dirty="0"/>
+                        <a:t>Risk coefficients importance</a:t>
+                      </a:r>
+                      <a:endParaRPr lang="de-DE" dirty="0"/>
+                    </a:p>
+                  </a:txBody>
+                  <a:tcPr>
+                    <a:solidFill>
+                      <a:schemeClr val="tx1"/>
+                    </a:solidFill>
+                  </a:tcPr>
+                </a:tc>
+                <a:tc>
+                  <a:txBody>
+                    <a:bodyPr/>
+                    <a:lstStyle/>
+                    <a:p>
+                      <a:endParaRPr lang="de-DE" dirty="0"/>
+                    </a:p>
+                  </a:txBody>
+                  <a:tcPr>
+                    <a:solidFill>
+                      <a:schemeClr val="tx1"/>
+                    </a:solidFill>
+                  </a:tcPr>
+                </a:tc>
+                <a:extLst>
+                  <a:ext uri="{0D108BD9-81ED-4DB2-BD59-A6C34878D82A}">
+                    <a16:rowId xmlns:a16="http://schemas.microsoft.com/office/drawing/2014/main" val="3474408625"/>
+                  </a:ext>
+                </a:extLst>
+              </a:tr>
+              <a:tr h="370840">
+                <a:tc>
+                  <a:txBody>
+                    <a:bodyPr/>
+                    <a:lstStyle/>
+                    <a:p>
+                      <a:r>
+                        <a:rPr lang="en-US" b="1" dirty="0">
+                          <a:solidFill>
+                            <a:schemeClr val="bg1"/>
+                          </a:solidFill>
+                        </a:rPr>
+                        <a:t>1.</a:t>
+                      </a:r>
+                      <a:endParaRPr lang="de-DE" b="1" dirty="0">
+                        <a:solidFill>
+                          <a:schemeClr val="bg1"/>
+                        </a:solidFill>
+                      </a:endParaRPr>
+                    </a:p>
+                  </a:txBody>
+                  <a:tcPr>
+                    <a:solidFill>
+                      <a:schemeClr val="tx1">
+                        <a:lumMod val="65000"/>
+                        <a:lumOff val="35000"/>
+                      </a:schemeClr>
+                    </a:solidFill>
+                  </a:tcPr>
+                </a:tc>
+                <a:tc>
+                  <a:txBody>
+                    <a:bodyPr/>
+                    <a:lstStyle/>
+                    <a:p>
+                      <a:r>
+                        <a:rPr lang="en-US" dirty="0">
+                          <a:solidFill>
+                            <a:schemeClr val="bg1"/>
+                          </a:solidFill>
+                        </a:rPr>
+                        <a:t>Loan amount</a:t>
+                      </a:r>
+                      <a:endParaRPr lang="de-DE" dirty="0">
+                        <a:solidFill>
+                          <a:schemeClr val="bg1"/>
+                        </a:solidFill>
+                      </a:endParaRPr>
+                    </a:p>
+                  </a:txBody>
+                  <a:tcPr>
+                    <a:solidFill>
+                      <a:schemeClr val="tx1">
+                        <a:lumMod val="65000"/>
+                        <a:lumOff val="35000"/>
+                      </a:schemeClr>
+                    </a:solidFill>
+                  </a:tcPr>
+                </a:tc>
+                <a:tc>
+                  <a:txBody>
+                    <a:bodyPr/>
+                    <a:lstStyle/>
+                    <a:p>
+                      <a:pPr algn="ctr"/>
+                      <a:r>
+                        <a:rPr lang="en-US" dirty="0">
+                          <a:solidFill>
+                            <a:schemeClr val="bg1"/>
+                          </a:solidFill>
+                        </a:rPr>
+                        <a:t>+</a:t>
+                      </a:r>
+                      <a:endParaRPr lang="de-DE" dirty="0">
+                        <a:solidFill>
+                          <a:schemeClr val="bg1"/>
+                        </a:solidFill>
+                      </a:endParaRPr>
+                    </a:p>
+                  </a:txBody>
+                  <a:tcPr>
+                    <a:solidFill>
+                      <a:schemeClr val="tx1">
+                        <a:lumMod val="65000"/>
+                        <a:lumOff val="35000"/>
+                      </a:schemeClr>
+                    </a:solidFill>
+                  </a:tcPr>
+                </a:tc>
+                <a:extLst>
+                  <a:ext uri="{0D108BD9-81ED-4DB2-BD59-A6C34878D82A}">
+                    <a16:rowId xmlns:a16="http://schemas.microsoft.com/office/drawing/2014/main" val="557430838"/>
+                  </a:ext>
+                </a:extLst>
+              </a:tr>
+              <a:tr h="370840">
+                <a:tc>
+                  <a:txBody>
+                    <a:bodyPr/>
+                    <a:lstStyle/>
+                    <a:p>
+                      <a:r>
+                        <a:rPr lang="en-US" b="1" dirty="0">
+                          <a:solidFill>
+                            <a:schemeClr val="bg1"/>
+                          </a:solidFill>
+                        </a:rPr>
+                        <a:t> …</a:t>
+                      </a:r>
+                      <a:endParaRPr lang="de-DE" b="1" dirty="0">
+                        <a:solidFill>
+                          <a:schemeClr val="bg1"/>
+                        </a:solidFill>
+                      </a:endParaRPr>
+                    </a:p>
+                  </a:txBody>
+                  <a:tcPr>
+                    <a:solidFill>
+                      <a:schemeClr val="bg2"/>
+                    </a:solidFill>
+                  </a:tcPr>
+                </a:tc>
+                <a:tc>
+                  <a:txBody>
+                    <a:bodyPr/>
+                    <a:lstStyle/>
+                    <a:p>
+                      <a:r>
+                        <a:rPr lang="en-US" dirty="0">
+                          <a:solidFill>
+                            <a:schemeClr val="bg1"/>
+                          </a:solidFill>
+                        </a:rPr>
+                        <a:t>Income</a:t>
+                      </a:r>
+                      <a:endParaRPr lang="de-DE" dirty="0">
+                        <a:solidFill>
+                          <a:schemeClr val="bg1"/>
+                        </a:solidFill>
+                      </a:endParaRPr>
+                    </a:p>
+                  </a:txBody>
+                  <a:tcPr>
+                    <a:solidFill>
+                      <a:schemeClr val="bg2"/>
+                    </a:solidFill>
+                  </a:tcPr>
+                </a:tc>
+                <a:tc>
+                  <a:txBody>
+                    <a:bodyPr/>
+                    <a:lstStyle/>
+                    <a:p>
+                      <a:pPr algn="ctr"/>
+                      <a:r>
+                        <a:rPr lang="en-US" dirty="0">
+                          <a:solidFill>
+                            <a:schemeClr val="bg1"/>
+                          </a:solidFill>
+                        </a:rPr>
+                        <a:t>(-)</a:t>
+                      </a:r>
+                      <a:endParaRPr lang="de-DE" dirty="0">
+                        <a:solidFill>
+                          <a:schemeClr val="bg1"/>
+                        </a:solidFill>
+                      </a:endParaRPr>
+                    </a:p>
+                  </a:txBody>
+                  <a:tcPr>
+                    <a:solidFill>
+                      <a:schemeClr val="bg2"/>
+                    </a:solidFill>
+                  </a:tcPr>
+                </a:tc>
+                <a:extLst>
+                  <a:ext uri="{0D108BD9-81ED-4DB2-BD59-A6C34878D82A}">
+                    <a16:rowId xmlns:a16="http://schemas.microsoft.com/office/drawing/2014/main" val="3980747907"/>
+                  </a:ext>
+                </a:extLst>
+              </a:tr>
+            </a:tbl>
+          </a:graphicData>
+        </a:graphic>
+      </p:graphicFrame>
+      <p:sp>
+        <p:nvSpPr>
+          <p:cNvPr id="17" name="TextBox 2">
+            <a:extLst>
+              <a:ext uri="{FF2B5EF4-FFF2-40B4-BE49-F238E27FC236}">
+                <a16:creationId xmlns:a16="http://schemas.microsoft.com/office/drawing/2014/main" id="{FA547DF3-93F6-4147-9CBB-D8246FF5117F}"/>
+              </a:ext>
+            </a:extLst>
+          </p:cNvPr>
+          <p:cNvSpPr txBox="1"/>
+          <p:nvPr/>
+        </p:nvSpPr>
+        <p:spPr>
+          <a:xfrm>
+            <a:off x="4962278" y="5685980"/>
+            <a:ext cx="2231092" cy="646331"/>
+          </a:xfrm>
+          <a:prstGeom prst="rect">
+            <a:avLst/>
+          </a:prstGeom>
+          <a:solidFill>
+            <a:schemeClr val="tx1"/>
+          </a:solidFill>
+        </p:spPr>
+        <p:txBody>
+          <a:bodyPr wrap="square" rtlCol="0">
+            <a:spAutoFit/>
+          </a:bodyPr>
+          <a:lstStyle/>
+          <a:p>
+            <a:pPr algn="ctr"/>
+            <a:r>
+              <a:rPr lang="en-US" b="1" dirty="0">
+                <a:solidFill>
+                  <a:schemeClr val="bg1"/>
+                </a:solidFill>
+              </a:rPr>
+              <a:t>Christina: Yes Filipa: No</a:t>
+            </a:r>
+            <a:endParaRPr lang="de-DE" b="1" dirty="0">
+              <a:solidFill>
+                <a:schemeClr val="bg1"/>
+              </a:solidFill>
+            </a:endParaRPr>
+          </a:p>
+        </p:txBody>
+      </p:sp>
+      <p:cxnSp>
+        <p:nvCxnSpPr>
+          <p:cNvPr id="23" name="Straight Arrow Connector 8">
+            <a:extLst>
+              <a:ext uri="{FF2B5EF4-FFF2-40B4-BE49-F238E27FC236}">
+                <a16:creationId xmlns:a16="http://schemas.microsoft.com/office/drawing/2014/main" id="{A19E7BA5-D38D-4213-89DD-E743C024C76D}"/>
+              </a:ext>
+            </a:extLst>
+          </p:cNvPr>
+          <p:cNvCxnSpPr>
+            <a:cxnSpLocks/>
+          </p:cNvCxnSpPr>
+          <p:nvPr/>
+        </p:nvCxnSpPr>
+        <p:spPr>
+          <a:xfrm flipH="1">
+            <a:off x="6011829" y="3167902"/>
+            <a:ext cx="1" cy="350089"/>
+          </a:xfrm>
+          <a:prstGeom prst="straightConnector1">
+            <a:avLst/>
+          </a:prstGeom>
+          <a:ln w="28575">
+            <a:solidFill>
+              <a:schemeClr val="bg1"/>
+            </a:solidFill>
+            <a:tailEnd type="triangle"/>
+          </a:ln>
+        </p:spPr>
+        <p:style>
+          <a:lnRef idx="1">
+            <a:schemeClr val="accent1"/>
+          </a:lnRef>
+          <a:fillRef idx="0">
+            <a:schemeClr val="accent1"/>
+          </a:fillRef>
+          <a:effectRef idx="0">
+            <a:schemeClr val="accent1"/>
+          </a:effectRef>
+          <a:fontRef idx="minor">
+            <a:schemeClr val="tx1"/>
+          </a:fontRef>
+        </p:style>
+      </p:cxnSp>
+      <p:cxnSp>
+        <p:nvCxnSpPr>
+          <p:cNvPr id="24" name="Straight Arrow Connector 8">
+            <a:extLst>
+              <a:ext uri="{FF2B5EF4-FFF2-40B4-BE49-F238E27FC236}">
+                <a16:creationId xmlns:a16="http://schemas.microsoft.com/office/drawing/2014/main" id="{2B22B883-4A2C-4E3D-8DAA-EDD675A0B427}"/>
+              </a:ext>
+            </a:extLst>
+          </p:cNvPr>
+          <p:cNvCxnSpPr>
+            <a:cxnSpLocks/>
+          </p:cNvCxnSpPr>
+          <p:nvPr/>
+        </p:nvCxnSpPr>
+        <p:spPr>
+          <a:xfrm flipH="1">
+            <a:off x="6013369" y="5254726"/>
+            <a:ext cx="1" cy="350089"/>
+          </a:xfrm>
+          <a:prstGeom prst="straightConnector1">
+            <a:avLst/>
+          </a:prstGeom>
+          <a:ln w="28575">
+            <a:solidFill>
+              <a:schemeClr val="bg1"/>
+            </a:solidFill>
+            <a:tailEnd type="triangle"/>
+          </a:ln>
+        </p:spPr>
+        <p:style>
+          <a:lnRef idx="1">
+            <a:schemeClr val="accent1"/>
+          </a:lnRef>
+          <a:fillRef idx="0">
+            <a:schemeClr val="accent1"/>
+          </a:fillRef>
+          <a:effectRef idx="0">
+            <a:schemeClr val="accent1"/>
+          </a:effectRef>
+          <a:fontRef idx="minor">
+            <a:schemeClr val="tx1"/>
+          </a:fontRef>
+        </p:style>
+      </p:cxnSp>
     </p:spTree>
     <p:extLst>
       <p:ext uri="{BB962C8B-B14F-4D97-AF65-F5344CB8AC3E}">
@@ -7712,7 +10754,7 @@
             </a:br>
             <a:r>
               <a:rPr lang="de-DE" sz="4400" dirty="0"/>
-              <a:t>FURTHER Development</a:t>
+              <a:t>Further Development</a:t>
             </a:r>
             <a:br>
               <a:rPr lang="de-DE" sz="4400" dirty="0"/>
@@ -8191,6 +11233,112 @@
           </a:p>
         </p:txBody>
       </p:sp>
+      <p:sp>
+        <p:nvSpPr>
+          <p:cNvPr id="7" name="Textfeld 6">
+            <a:extLst>
+              <a:ext uri="{FF2B5EF4-FFF2-40B4-BE49-F238E27FC236}">
+                <a16:creationId xmlns:a16="http://schemas.microsoft.com/office/drawing/2014/main" id="{70745053-D065-44B1-99BB-72D7D9145F7F}"/>
+              </a:ext>
+            </a:extLst>
+          </p:cNvPr>
+          <p:cNvSpPr txBox="1"/>
+          <p:nvPr/>
+        </p:nvSpPr>
+        <p:spPr>
+          <a:xfrm>
+            <a:off x="1823207" y="2278465"/>
+            <a:ext cx="6297335" cy="3416320"/>
+          </a:xfrm>
+          <a:prstGeom prst="rect">
+            <a:avLst/>
+          </a:prstGeom>
+          <a:noFill/>
+        </p:spPr>
+        <p:txBody>
+          <a:bodyPr wrap="square">
+            <a:spAutoFit/>
+          </a:bodyPr>
+          <a:lstStyle/>
+          <a:p>
+            <a:pPr marL="285750" indent="-285750">
+              <a:buFont typeface="Arial" panose="020B0604020202020204" pitchFamily="34" charset="0"/>
+              <a:buChar char="•"/>
+            </a:pPr>
+            <a:r>
+              <a:rPr lang="en-US" dirty="0"/>
+              <a:t>Analyze data according to demographics and adapt model</a:t>
+            </a:r>
+          </a:p>
+          <a:p>
+            <a:endParaRPr lang="en-US" dirty="0"/>
+          </a:p>
+          <a:p>
+            <a:endParaRPr lang="en-US" dirty="0"/>
+          </a:p>
+          <a:p>
+            <a:pPr marL="285750" indent="-285750">
+              <a:buFont typeface="Arial" panose="020B0604020202020204" pitchFamily="34" charset="0"/>
+              <a:buChar char="•"/>
+            </a:pPr>
+            <a:r>
+              <a:rPr lang="en-US" dirty="0"/>
+              <a:t>Handling imbalanced dataset (default feature)</a:t>
+            </a:r>
+          </a:p>
+          <a:p>
+            <a:endParaRPr lang="en-US" dirty="0"/>
+          </a:p>
+          <a:p>
+            <a:endParaRPr lang="en-US" dirty="0"/>
+          </a:p>
+          <a:p>
+            <a:pPr marL="285750" indent="-285750">
+              <a:buFont typeface="Arial" panose="020B0604020202020204" pitchFamily="34" charset="0"/>
+              <a:buChar char="•"/>
+            </a:pPr>
+            <a:r>
+              <a:rPr lang="en-US" dirty="0"/>
+              <a:t>Using machine learning approaches</a:t>
+            </a:r>
+          </a:p>
+          <a:p>
+            <a:pPr marL="285750" indent="-285750">
+              <a:buFont typeface="Arial" panose="020B0604020202020204" pitchFamily="34" charset="0"/>
+              <a:buChar char="•"/>
+            </a:pPr>
+            <a:endParaRPr lang="en-US" dirty="0"/>
+          </a:p>
+          <a:p>
+            <a:pPr marL="285750" indent="-285750">
+              <a:buFont typeface="Arial" panose="020B0604020202020204" pitchFamily="34" charset="0"/>
+              <a:buChar char="•"/>
+            </a:pPr>
+            <a:endParaRPr lang="en-US" dirty="0"/>
+          </a:p>
+          <a:p>
+            <a:pPr marL="285750" indent="-285750">
+              <a:buFont typeface="Arial" panose="020B0604020202020204" pitchFamily="34" charset="0"/>
+              <a:buChar char="•"/>
+            </a:pPr>
+            <a:endParaRPr lang="en-US" dirty="0"/>
+          </a:p>
+          <a:p>
+            <a:pPr marL="285750" indent="-285750">
+              <a:buFont typeface="Arial" panose="020B0604020202020204" pitchFamily="34" charset="0"/>
+              <a:buChar char="•"/>
+            </a:pPr>
+            <a:endParaRPr lang="en-US" dirty="0"/>
+          </a:p>
+          <a:p>
+            <a:pPr marL="285750" indent="-285750">
+              <a:buFont typeface="Arial" panose="020B0604020202020204" pitchFamily="34" charset="0"/>
+              <a:buChar char="•"/>
+            </a:pPr>
+            <a:endParaRPr lang="en-US" dirty="0"/>
+          </a:p>
+        </p:txBody>
+      </p:sp>
     </p:spTree>
     <p:extLst>
       <p:ext uri="{BB962C8B-B14F-4D97-AF65-F5344CB8AC3E}">
@@ -8229,60 +11377,6 @@
           <a:chExt cx="0" cy="0"/>
         </a:xfrm>
       </p:grpSpPr>
-      <p:sp>
-        <p:nvSpPr>
-          <p:cNvPr id="4" name="Titel 3">
-            <a:extLst>
-              <a:ext uri="{FF2B5EF4-FFF2-40B4-BE49-F238E27FC236}">
-                <a16:creationId xmlns:a16="http://schemas.microsoft.com/office/drawing/2014/main" id="{5E06E777-7059-4F19-AD12-D75C5EB8F195}"/>
-              </a:ext>
-            </a:extLst>
-          </p:cNvPr>
-          <p:cNvSpPr>
-            <a:spLocks noGrp="1"/>
-          </p:cNvSpPr>
-          <p:nvPr>
-            <p:ph type="title"/>
-          </p:nvPr>
-        </p:nvSpPr>
-        <p:spPr>
-          <a:xfrm>
-            <a:off x="1653363" y="365760"/>
-            <a:ext cx="9367203" cy="1188720"/>
-          </a:xfrm>
-        </p:spPr>
-        <p:txBody>
-          <a:bodyPr vert="horz" lIns="91440" tIns="45720" rIns="91440" bIns="45720" rtlCol="0" anchor="ctr">
-            <a:normAutofit fontScale="90000"/>
-          </a:bodyPr>
-          <a:lstStyle/>
-          <a:p>
-            <a:r>
-              <a:rPr lang="en-US" sz="4400" dirty="0">
-                <a:solidFill>
-                  <a:schemeClr val="bg1"/>
-                </a:solidFill>
-              </a:rPr>
-              <a:t>How to predict the default of a borrower?</a:t>
-            </a:r>
-            <a:br>
-              <a:rPr lang="de-DE" sz="4400" dirty="0">
-                <a:solidFill>
-                  <a:schemeClr val="bg1"/>
-                </a:solidFill>
-              </a:rPr>
-            </a:br>
-            <a:r>
-              <a:rPr lang="de-DE" sz="4400" dirty="0"/>
-              <a:t>End</a:t>
-            </a:r>
-            <a:br>
-              <a:rPr lang="de-DE" sz="4400" dirty="0"/>
-            </a:br>
-            <a:endParaRPr lang="de-DE" sz="4400" dirty="0"/>
-          </a:p>
-        </p:txBody>
-      </p:sp>
       <p:sp>
         <p:nvSpPr>
           <p:cNvPr id="11" name="Freeform: Shape 10">
@@ -8750,6 +11844,49 @@
           <a:p>
             <a:pPr algn="ctr"/>
             <a:endParaRPr lang="en-US"/>
+          </a:p>
+        </p:txBody>
+      </p:sp>
+      <p:sp>
+        <p:nvSpPr>
+          <p:cNvPr id="3" name="Titel 2">
+            <a:extLst>
+              <a:ext uri="{FF2B5EF4-FFF2-40B4-BE49-F238E27FC236}">
+                <a16:creationId xmlns:a16="http://schemas.microsoft.com/office/drawing/2014/main" id="{0F1E45BE-1C66-40D3-81D8-7794820CDAF6}"/>
+              </a:ext>
+            </a:extLst>
+          </p:cNvPr>
+          <p:cNvSpPr>
+            <a:spLocks noGrp="1"/>
+          </p:cNvSpPr>
+          <p:nvPr>
+            <p:ph type="title"/>
+          </p:nvPr>
+        </p:nvSpPr>
+        <p:spPr>
+          <a:xfrm>
+            <a:off x="4129881" y="2988520"/>
+            <a:ext cx="3932237" cy="1600200"/>
+          </a:xfrm>
+        </p:spPr>
+        <p:txBody>
+          <a:bodyPr/>
+          <a:lstStyle/>
+          <a:p>
+            <a:pPr algn="ctr"/>
+            <a:r>
+              <a:rPr lang="de-DE" dirty="0" err="1"/>
+              <a:t>Thank</a:t>
+            </a:r>
+            <a:r>
+              <a:rPr lang="de-DE" dirty="0"/>
+              <a:t> </a:t>
+            </a:r>
+            <a:r>
+              <a:rPr lang="de-DE" dirty="0" err="1"/>
+              <a:t>you</a:t>
+            </a:r>
+            <a:endParaRPr lang="de-DE" dirty="0"/>
           </a:p>
         </p:txBody>
       </p:sp>
